--- a/spring12/slidesS12/simple-connect.pptx
+++ b/spring12/slidesS12/simple-connect.pptx
@@ -5,10 +5,10 @@
     <p:sldMasterId id="2147483650" r:id="rId1"/>
   </p:sldMasterIdLst>
   <p:notesMasterIdLst>
-    <p:notesMasterId r:id="rId16"/>
+    <p:notesMasterId r:id="rId17"/>
   </p:notesMasterIdLst>
   <p:handoutMasterIdLst>
-    <p:handoutMasterId r:id="rId17"/>
+    <p:handoutMasterId r:id="rId18"/>
   </p:handoutMasterIdLst>
   <p:sldIdLst>
     <p:sldId id="990" r:id="rId2"/>
@@ -24,12 +24,13 @@
     <p:sldId id="965" r:id="rId12"/>
     <p:sldId id="984" r:id="rId13"/>
     <p:sldId id="970" r:id="rId14"/>
-    <p:sldId id="980" r:id="rId15"/>
+    <p:sldId id="991" r:id="rId15"/>
+    <p:sldId id="980" r:id="rId16"/>
   </p:sldIdLst>
   <p:sldSz cx="9144000" cy="6858000" type="screen4x3"/>
   <p:notesSz cx="7315200" cy="9601200"/>
   <p:custDataLst>
-    <p:tags r:id="rId19"/>
+    <p:tags r:id="rId20"/>
   </p:custDataLst>
   <p:defaultTextStyle>
     <a:defPPr>
@@ -1277,7 +1278,7 @@
                 <a:latin typeface="Times New Roman" pitchFamily="8" charset="0"/>
               </a:rPr>
               <a:pPr/>
-              <a:t>14</a:t>
+              <a:t>15</a:t>
             </a:fld>
             <a:endParaRPr lang="en-US" smtClean="0">
               <a:latin typeface="Times New Roman" pitchFamily="8" charset="0"/>
@@ -2260,11 +2261,7 @@
             </a:r>
             <a:r>
               <a:rPr lang="en-US" dirty="0" smtClean="0"/>
-              <a:t> </a:t>
-            </a:r>
-            <a:r>
-              <a:rPr lang="en-US" dirty="0" smtClean="0"/>
-              <a:t>8M.</a:t>
+              <a:t> 8M.</a:t>
             </a:r>
             <a:fld id="{FB5A61B2-F962-41D0-80C7-F5D7877F9E57}" type="slidenum">
               <a:rPr lang="en-US" smtClean="0"/>
@@ -2407,11 +2404,7 @@
             </a:r>
             <a:r>
               <a:rPr lang="en-US" dirty="0" smtClean="0"/>
-              <a:t> </a:t>
-            </a:r>
-            <a:r>
-              <a:rPr lang="en-US" dirty="0" smtClean="0"/>
-              <a:t>8M.</a:t>
+              <a:t> 8M.</a:t>
             </a:r>
             <a:fld id="{0D6CA1FB-2B00-4BCF-BEED-EFC5FEA944B9}" type="slidenum">
               <a:rPr lang="en-US" smtClean="0"/>
@@ -2502,11 +2495,7 @@
             </a:r>
             <a:r>
               <a:rPr lang="en-US" dirty="0" smtClean="0"/>
-              <a:t> </a:t>
-            </a:r>
-            <a:r>
-              <a:rPr lang="en-US" dirty="0" smtClean="0"/>
-              <a:t>8M.</a:t>
+              <a:t> 8M.</a:t>
             </a:r>
             <a:fld id="{57148ADA-680C-4144-AF16-33666242443F}" type="slidenum">
               <a:rPr lang="en-US" smtClean="0"/>
@@ -2574,11 +2563,7 @@
             </a:r>
             <a:r>
               <a:rPr lang="en-US" dirty="0" smtClean="0"/>
-              <a:t> </a:t>
-            </a:r>
-            <a:r>
-              <a:rPr lang="en-US" dirty="0" smtClean="0"/>
-              <a:t>8M.</a:t>
+              <a:t> 8M.</a:t>
             </a:r>
             <a:fld id="{6C799C0A-802F-41D9-B284-857975CDA7D3}" type="slidenum">
               <a:rPr lang="en-US" smtClean="0"/>
@@ -3228,11 +3213,7 @@
             </a:r>
             <a:r>
               <a:rPr lang="en-US" dirty="0" smtClean="0"/>
-              <a:t> </a:t>
-            </a:r>
-            <a:r>
-              <a:rPr lang="en-US" dirty="0" smtClean="0"/>
-              <a:t>8M.</a:t>
+              <a:t> 8M.</a:t>
             </a:r>
             <a:fld id="{04EEC797-552D-4B57-982D-5930DB38F29A}" type="slidenum">
               <a:rPr lang="en-US"/>
@@ -3312,13 +3293,7 @@
               <a:rPr lang="en-US" sz="1200" dirty="0" smtClean="0">
                 <a:latin typeface="Comic Sans MS" pitchFamily="66" charset="0"/>
               </a:rPr>
-              <a:t>,    </a:t>
-            </a:r>
-            <a:r>
-              <a:rPr lang="en-US" sz="1200" dirty="0" smtClean="0">
-                <a:latin typeface="Comic Sans MS" pitchFamily="66" charset="0"/>
-              </a:rPr>
-              <a:t>April 2</a:t>
+              <a:t>,    April 2</a:t>
             </a:r>
             <a:r>
               <a:rPr lang="en-US" sz="1200" baseline="0" dirty="0" smtClean="0">
@@ -3827,13 +3802,6 @@
               </a:rPr>
               <a:t>Connectivity</a:t>
             </a:r>
-            <a:endParaRPr lang="en-US" sz="7200" b="1" dirty="0" smtClean="0">
-              <a:solidFill>
-                <a:schemeClr val="tx2"/>
-              </a:solidFill>
-              <a:latin typeface="Comic Sans MS"/>
-              <a:cs typeface="Comic Sans MS"/>
-            </a:endParaRPr>
           </a:p>
         </p:txBody>
       </p:sp>
@@ -3865,11 +3833,7 @@
             </a:r>
             <a:r>
               <a:rPr lang="en-US" dirty="0" smtClean="0"/>
-              <a:t> </a:t>
-            </a:r>
-            <a:r>
-              <a:rPr lang="en-US" dirty="0" smtClean="0"/>
-              <a:t>8M.</a:t>
+              <a:t> 8M.</a:t>
             </a:r>
             <a:fld id="{920DE7F4-CDF1-43A8-A3EC-2F119C2C0C6B}" type="slidenum">
               <a:rPr lang="en-US" smtClean="0"/>
@@ -4895,11 +4859,7 @@
             </a:r>
             <a:r>
               <a:rPr lang="en-US" dirty="0" smtClean="0"/>
-              <a:t> </a:t>
-            </a:r>
-            <a:r>
-              <a:rPr lang="en-US" dirty="0" smtClean="0"/>
-              <a:t>8M.</a:t>
+              <a:t> 8M.</a:t>
             </a:r>
             <a:fld id="{43E12C49-E36A-496C-9DCA-6E960B9FC41B}" type="slidenum">
               <a:rPr lang="en-US" smtClean="0"/>
@@ -5407,11 +5367,7 @@
             </a:r>
             <a:r>
               <a:rPr lang="en-US" dirty="0" smtClean="0"/>
-              <a:t> </a:t>
-            </a:r>
-            <a:r>
-              <a:rPr lang="en-US" dirty="0" smtClean="0"/>
-              <a:t>8M.</a:t>
+              <a:t> 8M.</a:t>
             </a:r>
             <a:fld id="{C61CA234-7FC4-4D7E-8CCC-AC6F555EE6FA}" type="slidenum">
               <a:rPr lang="en-US" smtClean="0"/>
@@ -5483,11 +5439,7 @@
             </a:r>
             <a:r>
               <a:rPr lang="en-US" dirty="0" smtClean="0"/>
-              <a:t> </a:t>
-            </a:r>
-            <a:r>
-              <a:rPr lang="en-US" dirty="0" smtClean="0"/>
-              <a:t>8M.</a:t>
+              <a:t> 8M.</a:t>
             </a:r>
             <a:fld id="{0D6CA1FB-2B00-4BCF-BEED-EFC5FEA944B9}" type="slidenum">
               <a:rPr lang="en-US" smtClean="0"/>
@@ -6489,11 +6441,7 @@
             </a:r>
             <a:r>
               <a:rPr lang="en-US" dirty="0" smtClean="0"/>
-              <a:t> </a:t>
-            </a:r>
-            <a:r>
-              <a:rPr lang="en-US" dirty="0" smtClean="0"/>
-              <a:t>8M.</a:t>
+              <a:t> 8M.</a:t>
             </a:r>
             <a:fld id="{43E12C49-E36A-496C-9DCA-6E960B9FC41B}" type="slidenum">
               <a:rPr lang="en-US" smtClean="0"/>
@@ -6955,6 +6903,168 @@
 </file>
 
 <file path=ppt/slides/slide14.xml><?xml version="1.0" encoding="utf-8"?>
+<p:sld xmlns:a="http://schemas.openxmlformats.org/drawingml/2006/main" xmlns:r="http://schemas.openxmlformats.org/officeDocument/2006/relationships" xmlns:p="http://schemas.openxmlformats.org/presentationml/2006/main">
+  <p:cSld>
+    <p:spTree>
+      <p:nvGrpSpPr>
+        <p:cNvPr id="1" name=""/>
+        <p:cNvGrpSpPr/>
+        <p:nvPr/>
+      </p:nvGrpSpPr>
+      <p:grpSpPr>
+        <a:xfrm>
+          <a:off x="0" y="0"/>
+          <a:ext cx="0" cy="0"/>
+          <a:chOff x="0" y="0"/>
+          <a:chExt cx="0" cy="0"/>
+        </a:xfrm>
+      </p:grpSpPr>
+      <p:sp>
+        <p:nvSpPr>
+          <p:cNvPr id="2" name="Title 1"/>
+          <p:cNvSpPr>
+            <a:spLocks noGrp="1"/>
+          </p:cNvSpPr>
+          <p:nvPr>
+            <p:ph type="title"/>
+          </p:nvPr>
+        </p:nvSpPr>
+        <p:spPr/>
+        <p:txBody>
+          <a:bodyPr/>
+          <a:lstStyle/>
+          <a:p>
+            <a:r>
+              <a:rPr lang="en-US" dirty="0" err="1" smtClean="0"/>
+              <a:t>Menger’s</a:t>
+            </a:r>
+            <a:r>
+              <a:rPr lang="en-US" dirty="0" smtClean="0"/>
+              <a:t> Theorem</a:t>
+            </a:r>
+            <a:endParaRPr lang="en-US" dirty="0"/>
+          </a:p>
+        </p:txBody>
+      </p:sp>
+      <p:sp>
+        <p:nvSpPr>
+          <p:cNvPr id="3" name="Content Placeholder 2"/>
+          <p:cNvSpPr>
+            <a:spLocks noGrp="1"/>
+          </p:cNvSpPr>
+          <p:nvPr>
+            <p:ph idx="1"/>
+          </p:nvPr>
+        </p:nvSpPr>
+        <p:spPr>
+          <a:xfrm>
+            <a:off x="1253085" y="1685029"/>
+            <a:ext cx="6728890" cy="3341890"/>
+          </a:xfrm>
+        </p:spPr>
+        <p:txBody>
+          <a:bodyPr/>
+          <a:lstStyle/>
+          <a:p>
+            <a:r>
+              <a:rPr lang="en-US" sz="5400" dirty="0" smtClean="0">
+                <a:solidFill>
+                  <a:srgbClr val="0000FF"/>
+                </a:solidFill>
+              </a:rPr>
+              <a:t>k</a:t>
+            </a:r>
+            <a:r>
+              <a:rPr lang="en-US" sz="5400" dirty="0" smtClean="0"/>
+              <a:t>-connected implies </a:t>
+            </a:r>
+          </a:p>
+          <a:p>
+            <a:r>
+              <a:rPr lang="en-US" sz="5400" dirty="0" err="1" smtClean="0"/>
+              <a:t>connnected</a:t>
+            </a:r>
+            <a:r>
+              <a:rPr lang="en-US" sz="5400" dirty="0" smtClean="0"/>
+              <a:t> by</a:t>
+            </a:r>
+            <a:r>
+              <a:rPr lang="en-US" sz="5400" dirty="0" smtClean="0">
+                <a:solidFill>
+                  <a:srgbClr val="0000FF"/>
+                </a:solidFill>
+              </a:rPr>
+              <a:t> k</a:t>
+            </a:r>
+            <a:r>
+              <a:rPr lang="en-US" sz="5400" dirty="0" smtClean="0"/>
+              <a:t> </a:t>
+            </a:r>
+          </a:p>
+          <a:p>
+            <a:r>
+              <a:rPr lang="en-US" sz="5400" dirty="0" smtClean="0">
+                <a:solidFill>
+                  <a:srgbClr val="660066"/>
+                </a:solidFill>
+              </a:rPr>
+              <a:t>edge-disjoint</a:t>
+            </a:r>
+            <a:r>
+              <a:rPr lang="en-US" sz="5400" dirty="0" smtClean="0"/>
+              <a:t> paths</a:t>
+            </a:r>
+            <a:endParaRPr lang="en-US" sz="5400" dirty="0"/>
+          </a:p>
+        </p:txBody>
+      </p:sp>
+      <p:sp>
+        <p:nvSpPr>
+          <p:cNvPr id="4" name="Slide Number Placeholder 3"/>
+          <p:cNvSpPr>
+            <a:spLocks noGrp="1"/>
+          </p:cNvSpPr>
+          <p:nvPr>
+            <p:ph type="sldNum" sz="quarter" idx="10"/>
+          </p:nvPr>
+        </p:nvSpPr>
+        <p:spPr/>
+        <p:txBody>
+          <a:bodyPr/>
+          <a:lstStyle/>
+          <a:p>
+            <a:pPr>
+              <a:defRPr/>
+            </a:pPr>
+            <a:r>
+              <a:rPr lang="en-US" smtClean="0"/>
+              <a:t>lec 8M.</a:t>
+            </a:r>
+            <a:fld id="{0D6CA1FB-2B00-4BCF-BEED-EFC5FEA944B9}" type="slidenum">
+              <a:rPr lang="en-US" smtClean="0"/>
+              <a:pPr>
+                <a:defRPr/>
+              </a:pPr>
+              <a:t>14</a:t>
+            </a:fld>
+            <a:endParaRPr lang="en-US" dirty="0"/>
+          </a:p>
+        </p:txBody>
+      </p:sp>
+    </p:spTree>
+    <p:extLst>
+      <p:ext uri="{BB962C8B-B14F-4D97-AF65-F5344CB8AC3E}">
+        <p14:creationId xmlns:p14="http://schemas.microsoft.com/office/powerpoint/2010/main" val="723309071"/>
+      </p:ext>
+    </p:extLst>
+  </p:cSld>
+  <p:clrMapOvr>
+    <a:masterClrMapping/>
+  </p:clrMapOvr>
+</p:sld>
+</file>
+
+<file path=ppt/slides/slide15.xml><?xml version="1.0" encoding="utf-8"?>
 <p:sld xmlns:a="http://schemas.openxmlformats.org/drawingml/2006/main" xmlns:r="http://schemas.openxmlformats.org/officeDocument/2006/relationships" xmlns:p="http://schemas.openxmlformats.org/presentationml/2006/main" show="0">
   <p:cSld>
     <p:spTree>
@@ -7342,18 +7452,14 @@
             </a:r>
             <a:r>
               <a:rPr lang="en-US" dirty="0" smtClean="0"/>
-              <a:t> </a:t>
-            </a:r>
-            <a:r>
-              <a:rPr lang="en-US" dirty="0" smtClean="0"/>
-              <a:t>8M.</a:t>
+              <a:t> 8M.</a:t>
             </a:r>
             <a:fld id="{E0862B09-D28A-4DC1-8DF8-9F3B5AF8E2FB}" type="slidenum">
               <a:rPr lang="en-US" smtClean="0"/>
               <a:pPr>
                 <a:defRPr/>
               </a:pPr>
-              <a:t>14</a:t>
+              <a:t>15</a:t>
             </a:fld>
             <a:endParaRPr lang="en-US" dirty="0"/>
           </a:p>
@@ -7682,11 +7788,7 @@
             </a:r>
             <a:r>
               <a:rPr lang="en-US" dirty="0" smtClean="0"/>
-              <a:t> </a:t>
-            </a:r>
-            <a:r>
-              <a:rPr lang="en-US" dirty="0" smtClean="0"/>
-              <a:t>8M.</a:t>
+              <a:t> 8M.</a:t>
             </a:r>
             <a:fld id="{22566D6A-3198-4289-99D7-241FB68E31EB}" type="slidenum">
               <a:rPr lang="en-US" smtClean="0"/>
@@ -9189,11 +9291,7 @@
             </a:r>
             <a:r>
               <a:rPr lang="en-US" dirty="0" smtClean="0"/>
-              <a:t> </a:t>
-            </a:r>
-            <a:r>
-              <a:rPr lang="en-US" dirty="0" smtClean="0"/>
-              <a:t>8M.</a:t>
+              <a:t> 8M.</a:t>
             </a:r>
             <a:fld id="{2AA0A689-E25D-4F86-90AF-6C007F5FC4CA}" type="slidenum">
               <a:rPr lang="en-US" smtClean="0"/>
@@ -9617,7 +9715,7 @@
           <a:graphicData uri="http://schemas.openxmlformats.org/presentationml/2006/ole">
             <mc:AlternateContent xmlns:mc="http://schemas.openxmlformats.org/markup-compatibility/2006">
               <mc:Choice xmlns:v="urn:schemas-microsoft-com:vml" Requires="v">
-                <p:oleObj spid="_x0000_s5142" name="Equation" r:id="rId4" imgW="1904760" imgH="279360" progId="Equation.DSMT4">
+                <p:oleObj spid="_x0000_s5145" name="Equation" r:id="rId4" imgW="1904760" imgH="279360" progId="Equation.DSMT4">
                   <p:embed/>
                 </p:oleObj>
               </mc:Choice>
@@ -9694,11 +9792,7 @@
             </a:r>
             <a:r>
               <a:rPr lang="en-US" dirty="0" smtClean="0"/>
-              <a:t> </a:t>
-            </a:r>
-            <a:r>
-              <a:rPr lang="en-US" dirty="0" smtClean="0"/>
-              <a:t>8M.</a:t>
+              <a:t> 8M.</a:t>
             </a:r>
             <a:fld id="{80DF07F0-4624-407F-A2EA-092845FC7F42}" type="slidenum">
               <a:rPr lang="en-US" smtClean="0"/>
@@ -9952,11 +10046,7 @@
             </a:r>
             <a:r>
               <a:rPr lang="en-US" dirty="0" smtClean="0"/>
-              <a:t> </a:t>
-            </a:r>
-            <a:r>
-              <a:rPr lang="en-US" dirty="0" smtClean="0"/>
-              <a:t>8M.</a:t>
+              <a:t> 8M.</a:t>
             </a:r>
             <a:fld id="{D0DFB3D4-A8AF-4261-BAED-EDE6AD83D9CA}" type="slidenum">
               <a:rPr lang="en-US" smtClean="0"/>
@@ -10156,11 +10246,7 @@
             </a:r>
             <a:r>
               <a:rPr lang="en-US" dirty="0" smtClean="0"/>
-              <a:t> </a:t>
-            </a:r>
-            <a:r>
-              <a:rPr lang="en-US" dirty="0" smtClean="0"/>
-              <a:t>8M.</a:t>
+              <a:t> 8M.</a:t>
             </a:r>
             <a:fld id="{17A61DB4-1F4E-47C2-980D-83A2F3996CEC}" type="slidenum">
               <a:rPr lang="en-US" smtClean="0"/>
@@ -11109,11 +11195,7 @@
             </a:r>
             <a:r>
               <a:rPr lang="en-US" dirty="0" smtClean="0"/>
-              <a:t> </a:t>
-            </a:r>
-            <a:r>
-              <a:rPr lang="en-US" dirty="0" smtClean="0"/>
-              <a:t>8M.</a:t>
+              <a:t> 8M.</a:t>
             </a:r>
             <a:fld id="{43E12C49-E36A-496C-9DCA-6E960B9FC41B}" type="slidenum">
               <a:rPr lang="en-US" smtClean="0"/>
@@ -11937,11 +12019,7 @@
             </a:r>
             <a:r>
               <a:rPr lang="en-US" dirty="0" smtClean="0"/>
-              <a:t> </a:t>
-            </a:r>
-            <a:r>
-              <a:rPr lang="en-US" dirty="0" smtClean="0"/>
-              <a:t>8M.</a:t>
+              <a:t> 8M.</a:t>
             </a:r>
             <a:fld id="{43E12C49-E36A-496C-9DCA-6E960B9FC41B}" type="slidenum">
               <a:rPr lang="en-US" smtClean="0"/>
@@ -13429,11 +13507,7 @@
             </a:r>
             <a:r>
               <a:rPr lang="en-US" dirty="0" smtClean="0"/>
-              <a:t> </a:t>
-            </a:r>
-            <a:r>
-              <a:rPr lang="en-US" dirty="0" smtClean="0"/>
-              <a:t>8M.</a:t>
+              <a:t> 8M.</a:t>
             </a:r>
             <a:fld id="{43E12C49-E36A-496C-9DCA-6E960B9FC41B}" type="slidenum">
               <a:rPr lang="en-US" smtClean="0"/>

--- a/spring12/slidesS12/simple-connect.pptx
+++ b/spring12/slidesS12/simple-connect.pptx
@@ -28,7 +28,7 @@
     <p:sldId id="980" r:id="rId16"/>
   </p:sldIdLst>
   <p:sldSz cx="9144000" cy="6858000" type="screen4x3"/>
-  <p:notesSz cx="7315200" cy="9601200"/>
+  <p:notesSz cx="9601200" cy="7315200"/>
   <p:custDataLst>
     <p:tags r:id="rId20"/>
   </p:custDataLst>
@@ -197,8 +197,8 @@
         </p:nvSpPr>
         <p:spPr bwMode="auto">
           <a:xfrm>
-            <a:off x="1" y="0"/>
-            <a:ext cx="3170238" cy="479425"/>
+            <a:off x="2" y="0"/>
+            <a:ext cx="4160937" cy="365276"/>
           </a:xfrm>
           <a:prstGeom prst="rect">
             <a:avLst/>
@@ -245,8 +245,8 @@
         </p:nvSpPr>
         <p:spPr bwMode="auto">
           <a:xfrm>
-            <a:off x="4143376" y="0"/>
-            <a:ext cx="3170238" cy="479425"/>
+            <a:off x="5438181" y="0"/>
+            <a:ext cx="4160937" cy="365276"/>
           </a:xfrm>
           <a:prstGeom prst="rect">
             <a:avLst/>
@@ -293,8 +293,8 @@
         </p:nvSpPr>
         <p:spPr bwMode="auto">
           <a:xfrm>
-            <a:off x="1" y="9120189"/>
-            <a:ext cx="3170238" cy="479425"/>
+            <a:off x="2" y="6948716"/>
+            <a:ext cx="4160937" cy="365276"/>
           </a:xfrm>
           <a:prstGeom prst="rect">
             <a:avLst/>
@@ -341,8 +341,8 @@
         </p:nvSpPr>
         <p:spPr bwMode="auto">
           <a:xfrm>
-            <a:off x="4143376" y="9120189"/>
-            <a:ext cx="3170238" cy="479425"/>
+            <a:off x="5438181" y="6948716"/>
+            <a:ext cx="4160937" cy="365276"/>
           </a:xfrm>
           <a:prstGeom prst="rect">
             <a:avLst/>
@@ -432,8 +432,8 @@
         </p:nvSpPr>
         <p:spPr bwMode="auto">
           <a:xfrm>
-            <a:off x="1" y="0"/>
-            <a:ext cx="3170238" cy="479425"/>
+            <a:off x="2" y="0"/>
+            <a:ext cx="4160937" cy="365276"/>
           </a:xfrm>
           <a:prstGeom prst="rect">
             <a:avLst/>
@@ -480,8 +480,8 @@
         </p:nvSpPr>
         <p:spPr bwMode="auto">
           <a:xfrm>
-            <a:off x="4144964" y="0"/>
-            <a:ext cx="3170237" cy="479425"/>
+            <a:off x="5440266" y="0"/>
+            <a:ext cx="4160936" cy="365276"/>
           </a:xfrm>
           <a:prstGeom prst="rect">
             <a:avLst/>
@@ -528,8 +528,8 @@
         </p:nvSpPr>
         <p:spPr bwMode="auto">
           <a:xfrm>
-            <a:off x="1257300" y="720725"/>
-            <a:ext cx="4800600" cy="3600450"/>
+            <a:off x="2971800" y="549275"/>
+            <a:ext cx="3657600" cy="2743200"/>
           </a:xfrm>
           <a:prstGeom prst="rect">
             <a:avLst/>
@@ -557,8 +557,8 @@
         </p:nvSpPr>
         <p:spPr bwMode="auto">
           <a:xfrm>
-            <a:off x="976314" y="4560889"/>
-            <a:ext cx="5362575" cy="4319587"/>
+            <a:off x="1281413" y="3474963"/>
+            <a:ext cx="7038380" cy="3291114"/>
           </a:xfrm>
           <a:prstGeom prst="rect">
             <a:avLst/>
@@ -628,8 +628,8 @@
         </p:nvSpPr>
         <p:spPr bwMode="auto">
           <a:xfrm>
-            <a:off x="1" y="9121776"/>
-            <a:ext cx="3170238" cy="479425"/>
+            <a:off x="2" y="6949925"/>
+            <a:ext cx="4160937" cy="365276"/>
           </a:xfrm>
           <a:prstGeom prst="rect">
             <a:avLst/>
@@ -676,8 +676,8 @@
         </p:nvSpPr>
         <p:spPr bwMode="auto">
           <a:xfrm>
-            <a:off x="4144964" y="9121776"/>
-            <a:ext cx="3170237" cy="479425"/>
+            <a:off x="5440266" y="6949925"/>
+            <a:ext cx="4160936" cy="365276"/>
           </a:xfrm>
           <a:prstGeom prst="rect">
             <a:avLst/>
@@ -983,8 +983,8 @@
         </p:nvSpPr>
         <p:spPr>
           <a:xfrm>
-            <a:off x="1260475" y="720725"/>
-            <a:ext cx="4799013" cy="3600450"/>
+            <a:off x="2974975" y="549275"/>
+            <a:ext cx="3657600" cy="2743200"/>
           </a:xfrm>
           <a:ln/>
         </p:spPr>
@@ -1049,8 +1049,8 @@
         </p:nvSpPr>
         <p:spPr bwMode="auto">
           <a:xfrm>
-            <a:off x="4144964" y="9121776"/>
-            <a:ext cx="3170237" cy="479425"/>
+            <a:off x="5440266" y="6949925"/>
+            <a:ext cx="4160936" cy="365276"/>
           </a:xfrm>
           <a:prstGeom prst="rect">
             <a:avLst/>
@@ -1093,8 +1093,8 @@
         </p:nvSpPr>
         <p:spPr>
           <a:xfrm>
-            <a:off x="1260475" y="720725"/>
-            <a:ext cx="4799013" cy="3600450"/>
+            <a:off x="2974975" y="549275"/>
+            <a:ext cx="3657600" cy="2743200"/>
           </a:xfrm>
           <a:solidFill>
             <a:srgbClr val="FFFFFF"/>
@@ -1200,8 +1200,8 @@
         </p:nvSpPr>
         <p:spPr>
           <a:xfrm>
-            <a:off x="1260475" y="720725"/>
-            <a:ext cx="4799013" cy="3600450"/>
+            <a:off x="2974975" y="549275"/>
+            <a:ext cx="3657600" cy="2743200"/>
           </a:xfrm>
           <a:ln/>
         </p:spPr>
@@ -1298,8 +1298,8 @@
         </p:nvSpPr>
         <p:spPr>
           <a:xfrm>
-            <a:off x="1260475" y="720725"/>
-            <a:ext cx="4799013" cy="3600450"/>
+            <a:off x="2974975" y="549275"/>
+            <a:ext cx="3657600" cy="2743200"/>
           </a:xfrm>
           <a:ln/>
         </p:spPr>
@@ -1396,8 +1396,8 @@
         </p:nvSpPr>
         <p:spPr>
           <a:xfrm>
-            <a:off x="1260475" y="720725"/>
-            <a:ext cx="4799013" cy="3600450"/>
+            <a:off x="2974975" y="549275"/>
+            <a:ext cx="3657600" cy="2743200"/>
           </a:xfrm>
           <a:ln/>
         </p:spPr>
@@ -1494,8 +1494,8 @@
         </p:nvSpPr>
         <p:spPr>
           <a:xfrm>
-            <a:off x="1260475" y="720725"/>
-            <a:ext cx="4799013" cy="3600450"/>
+            <a:off x="2974975" y="549275"/>
+            <a:ext cx="3657600" cy="2743200"/>
           </a:xfrm>
           <a:ln/>
         </p:spPr>
@@ -1592,8 +1592,8 @@
         </p:nvSpPr>
         <p:spPr>
           <a:xfrm>
-            <a:off x="1260475" y="720725"/>
-            <a:ext cx="4799013" cy="3600450"/>
+            <a:off x="2974975" y="549275"/>
+            <a:ext cx="3657600" cy="2743200"/>
           </a:xfrm>
           <a:ln/>
         </p:spPr>
@@ -1690,8 +1690,8 @@
         </p:nvSpPr>
         <p:spPr>
           <a:xfrm>
-            <a:off x="1260475" y="720725"/>
-            <a:ext cx="4799013" cy="3600450"/>
+            <a:off x="2974975" y="549275"/>
+            <a:ext cx="3657600" cy="2743200"/>
           </a:xfrm>
           <a:ln/>
         </p:spPr>
@@ -1788,8 +1788,8 @@
         </p:nvSpPr>
         <p:spPr>
           <a:xfrm>
-            <a:off x="1260475" y="720725"/>
-            <a:ext cx="4799013" cy="3600450"/>
+            <a:off x="2974975" y="549275"/>
+            <a:ext cx="3657600" cy="2743200"/>
           </a:xfrm>
           <a:ln/>
         </p:spPr>
@@ -1886,8 +1886,8 @@
         </p:nvSpPr>
         <p:spPr>
           <a:xfrm>
-            <a:off x="1260475" y="720725"/>
-            <a:ext cx="4799013" cy="3600450"/>
+            <a:off x="2974975" y="549275"/>
+            <a:ext cx="3657600" cy="2743200"/>
           </a:xfrm>
           <a:ln/>
         </p:spPr>
@@ -1984,8 +1984,8 @@
         </p:nvSpPr>
         <p:spPr>
           <a:xfrm>
-            <a:off x="1260475" y="720725"/>
-            <a:ext cx="4799013" cy="3600450"/>
+            <a:off x="2974975" y="549275"/>
+            <a:ext cx="3657600" cy="2743200"/>
           </a:xfrm>
           <a:ln/>
         </p:spPr>
@@ -2082,8 +2082,8 @@
         </p:nvSpPr>
         <p:spPr>
           <a:xfrm>
-            <a:off x="1260475" y="720725"/>
-            <a:ext cx="4799013" cy="3600450"/>
+            <a:off x="2974975" y="549275"/>
+            <a:ext cx="3657600" cy="2743200"/>
           </a:xfrm>
           <a:ln/>
         </p:spPr>
@@ -3802,13 +3802,6 @@
               </a:rPr>
               <a:t>Connectivity</a:t>
             </a:r>
-            <a:endParaRPr lang="en-US" sz="7200" b="1" dirty="0" smtClean="0">
-              <a:solidFill>
-                <a:schemeClr val="tx2"/>
-              </a:solidFill>
-              <a:latin typeface="Comic Sans MS"/>
-              <a:cs typeface="Comic Sans MS"/>
-            </a:endParaRPr>
           </a:p>
         </p:txBody>
       </p:sp>
@@ -9714,7 +9707,7 @@
           <a:graphicData uri="http://schemas.openxmlformats.org/presentationml/2006/ole">
             <mc:AlternateContent xmlns:mc="http://schemas.openxmlformats.org/markup-compatibility/2006">
               <mc:Choice xmlns:v="urn:schemas-microsoft-com:vml" Requires="v">
-                <p:oleObj spid="_x0000_s5144" name="Equation" r:id="rId4" imgW="1904760" imgH="279360" progId="Equation.DSMT4">
+                <p:oleObj spid="_x0000_s5148" name="Equation" r:id="rId4" imgW="1904760" imgH="279360" progId="Equation.DSMT4">
                   <p:embed/>
                 </p:oleObj>
               </mc:Choice>

--- a/spring12/slidesS12/simple-connect.pptx
+++ b/spring12/slidesS12/simple-connect.pptx
@@ -5,10 +5,10 @@
     <p:sldMasterId id="2147483650" r:id="rId1"/>
   </p:sldMasterIdLst>
   <p:notesMasterIdLst>
-    <p:notesMasterId r:id="rId17"/>
+    <p:notesMasterId r:id="rId20"/>
   </p:notesMasterIdLst>
   <p:handoutMasterIdLst>
-    <p:handoutMasterId r:id="rId18"/>
+    <p:handoutMasterId r:id="rId21"/>
   </p:handoutMasterIdLst>
   <p:sldIdLst>
     <p:sldId id="990" r:id="rId2"/>
@@ -19,18 +19,21 @@
     <p:sldId id="964" r:id="rId7"/>
     <p:sldId id="971" r:id="rId8"/>
     <p:sldId id="975" r:id="rId9"/>
-    <p:sldId id="972" r:id="rId10"/>
-    <p:sldId id="973" r:id="rId11"/>
-    <p:sldId id="965" r:id="rId12"/>
-    <p:sldId id="984" r:id="rId13"/>
-    <p:sldId id="970" r:id="rId14"/>
-    <p:sldId id="991" r:id="rId15"/>
-    <p:sldId id="980" r:id="rId16"/>
+    <p:sldId id="992" r:id="rId10"/>
+    <p:sldId id="972" r:id="rId11"/>
+    <p:sldId id="993" r:id="rId12"/>
+    <p:sldId id="973" r:id="rId13"/>
+    <p:sldId id="994" r:id="rId14"/>
+    <p:sldId id="965" r:id="rId15"/>
+    <p:sldId id="984" r:id="rId16"/>
+    <p:sldId id="970" r:id="rId17"/>
+    <p:sldId id="991" r:id="rId18"/>
+    <p:sldId id="980" r:id="rId19"/>
   </p:sldIdLst>
   <p:sldSz cx="9144000" cy="6858000" type="screen4x3"/>
   <p:notesSz cx="9601200" cy="7315200"/>
   <p:custDataLst>
-    <p:tags r:id="rId20"/>
+    <p:tags r:id="rId23"/>
   </p:custDataLst>
   <p:defaultTextStyle>
     <a:defPPr>
@@ -1041,41 +1044,29 @@
       </p:grpSpPr>
       <p:sp>
         <p:nvSpPr>
-          <p:cNvPr id="34818" name="Rectangle 7"/>
-          <p:cNvSpPr txBox="1">
+          <p:cNvPr id="28674" name="Rectangle 7"/>
+          <p:cNvSpPr>
             <a:spLocks noGrp="1" noChangeArrowheads="1"/>
           </p:cNvSpPr>
-          <p:nvPr/>
-        </p:nvSpPr>
-        <p:spPr bwMode="auto">
-          <a:xfrm>
-            <a:off x="5440266" y="6949925"/>
-            <a:ext cx="4160936" cy="365276"/>
-          </a:xfrm>
-          <a:prstGeom prst="rect">
-            <a:avLst/>
-          </a:prstGeom>
+          <p:nvPr>
+            <p:ph type="sldNum" sz="quarter" idx="5"/>
+          </p:nvPr>
+        </p:nvSpPr>
+        <p:spPr>
           <a:noFill/>
-          <a:ln w="9525">
-            <a:noFill/>
-            <a:miter lim="800000"/>
-            <a:headEnd/>
-            <a:tailEnd/>
-          </a:ln>
         </p:spPr>
         <p:txBody>
-          <a:bodyPr lIns="96643" tIns="48321" rIns="96643" bIns="48321" anchor="b"/>
+          <a:bodyPr/>
           <a:lstStyle/>
           <a:p>
-            <a:pPr algn="r" defTabSz="966678"/>
-            <a:fld id="{9F7EE28A-E421-455B-8563-E026B6DF9A09}" type="slidenum">
-              <a:rPr lang="en-US" sz="1300">
+            <a:fld id="{85F5844E-D5E4-47F6-A744-2E5515C4691E}" type="slidenum">
+              <a:rPr lang="en-US" smtClean="0">
                 <a:latin typeface="Times New Roman" pitchFamily="8" charset="0"/>
               </a:rPr>
-              <a:pPr algn="r" defTabSz="966678"/>
+              <a:pPr/>
               <a:t>11</a:t>
             </a:fld>
-            <a:endParaRPr lang="en-US" sz="1300" dirty="0">
+            <a:endParaRPr lang="en-US" smtClean="0">
               <a:latin typeface="Times New Roman" pitchFamily="8" charset="0"/>
             </a:endParaRPr>
           </a:p>
@@ -1083,7 +1074,7 @@
       </p:sp>
       <p:sp>
         <p:nvSpPr>
-          <p:cNvPr id="34819" name="Rectangle 2"/>
+          <p:cNvPr id="28675" name="Rectangle 2"/>
           <p:cNvSpPr>
             <a:spLocks noGrp="1" noRot="1" noChangeAspect="1" noChangeArrowheads="1" noTextEdit="1"/>
           </p:cNvSpPr>
@@ -1096,15 +1087,12 @@
             <a:off x="2974975" y="549275"/>
             <a:ext cx="3657600" cy="2743200"/>
           </a:xfrm>
-          <a:solidFill>
-            <a:srgbClr val="FFFFFF"/>
-          </a:solidFill>
           <a:ln/>
         </p:spPr>
       </p:sp>
       <p:sp>
         <p:nvSpPr>
-          <p:cNvPr id="34820" name="Rectangle 3"/>
+          <p:cNvPr id="28676" name="Rectangle 3"/>
           <p:cNvSpPr>
             <a:spLocks noGrp="1" noChangeArrowheads="1"/>
           </p:cNvSpPr>
@@ -1113,14 +1101,8 @@
           </p:nvPr>
         </p:nvSpPr>
         <p:spPr>
-          <a:solidFill>
-            <a:srgbClr val="FFFFFF"/>
-          </a:solidFill>
-          <a:ln>
-            <a:solidFill>
-              <a:srgbClr val="000000"/>
-            </a:solidFill>
-          </a:ln>
+          <a:noFill/>
+          <a:ln/>
         </p:spPr>
         <p:txBody>
           <a:bodyPr/>
@@ -1180,7 +1162,7 @@
                 <a:latin typeface="Times New Roman" pitchFamily="8" charset="0"/>
               </a:rPr>
               <a:pPr/>
-              <a:t>13</a:t>
+              <a:t>12</a:t>
             </a:fld>
             <a:endParaRPr lang="en-US" smtClean="0">
               <a:latin typeface="Times New Roman" pitchFamily="8" charset="0"/>
@@ -1258,6 +1240,321 @@
       </p:grpSpPr>
       <p:sp>
         <p:nvSpPr>
+          <p:cNvPr id="28674" name="Rectangle 7"/>
+          <p:cNvSpPr>
+            <a:spLocks noGrp="1" noChangeArrowheads="1"/>
+          </p:cNvSpPr>
+          <p:nvPr>
+            <p:ph type="sldNum" sz="quarter" idx="5"/>
+          </p:nvPr>
+        </p:nvSpPr>
+        <p:spPr>
+          <a:noFill/>
+        </p:spPr>
+        <p:txBody>
+          <a:bodyPr/>
+          <a:lstStyle/>
+          <a:p>
+            <a:fld id="{85F5844E-D5E4-47F6-A744-2E5515C4691E}" type="slidenum">
+              <a:rPr lang="en-US" smtClean="0">
+                <a:latin typeface="Times New Roman" pitchFamily="8" charset="0"/>
+              </a:rPr>
+              <a:pPr/>
+              <a:t>13</a:t>
+            </a:fld>
+            <a:endParaRPr lang="en-US" smtClean="0">
+              <a:latin typeface="Times New Roman" pitchFamily="8" charset="0"/>
+            </a:endParaRPr>
+          </a:p>
+        </p:txBody>
+      </p:sp>
+      <p:sp>
+        <p:nvSpPr>
+          <p:cNvPr id="28675" name="Rectangle 2"/>
+          <p:cNvSpPr>
+            <a:spLocks noGrp="1" noRot="1" noChangeAspect="1" noChangeArrowheads="1" noTextEdit="1"/>
+          </p:cNvSpPr>
+          <p:nvPr>
+            <p:ph type="sldImg"/>
+          </p:nvPr>
+        </p:nvSpPr>
+        <p:spPr>
+          <a:xfrm>
+            <a:off x="2974975" y="549275"/>
+            <a:ext cx="3657600" cy="2743200"/>
+          </a:xfrm>
+          <a:ln/>
+        </p:spPr>
+      </p:sp>
+      <p:sp>
+        <p:nvSpPr>
+          <p:cNvPr id="28676" name="Rectangle 3"/>
+          <p:cNvSpPr>
+            <a:spLocks noGrp="1" noChangeArrowheads="1"/>
+          </p:cNvSpPr>
+          <p:nvPr>
+            <p:ph type="body" idx="1"/>
+          </p:nvPr>
+        </p:nvSpPr>
+        <p:spPr>
+          <a:noFill/>
+          <a:ln/>
+        </p:spPr>
+        <p:txBody>
+          <a:bodyPr/>
+          <a:lstStyle/>
+          <a:p>
+            <a:pPr eaLnBrk="1" hangingPunct="1"/>
+            <a:endParaRPr lang="en-US" smtClean="0">
+              <a:latin typeface="Times New Roman" pitchFamily="8" charset="0"/>
+            </a:endParaRPr>
+          </a:p>
+        </p:txBody>
+      </p:sp>
+    </p:spTree>
+  </p:cSld>
+  <p:clrMapOvr>
+    <a:masterClrMapping/>
+  </p:clrMapOvr>
+</p:notes>
+</file>
+
+<file path=ppt/notesSlides/notesSlide14.xml><?xml version="1.0" encoding="utf-8"?>
+<p:notes xmlns:a="http://schemas.openxmlformats.org/drawingml/2006/main" xmlns:r="http://schemas.openxmlformats.org/officeDocument/2006/relationships" xmlns:p="http://schemas.openxmlformats.org/presentationml/2006/main">
+  <p:cSld>
+    <p:spTree>
+      <p:nvGrpSpPr>
+        <p:cNvPr id="1" name=""/>
+        <p:cNvGrpSpPr/>
+        <p:nvPr/>
+      </p:nvGrpSpPr>
+      <p:grpSpPr>
+        <a:xfrm>
+          <a:off x="0" y="0"/>
+          <a:ext cx="0" cy="0"/>
+          <a:chOff x="0" y="0"/>
+          <a:chExt cx="0" cy="0"/>
+        </a:xfrm>
+      </p:grpSpPr>
+      <p:sp>
+        <p:nvSpPr>
+          <p:cNvPr id="34818" name="Rectangle 7"/>
+          <p:cNvSpPr txBox="1">
+            <a:spLocks noGrp="1" noChangeArrowheads="1"/>
+          </p:cNvSpPr>
+          <p:nvPr/>
+        </p:nvSpPr>
+        <p:spPr bwMode="auto">
+          <a:xfrm>
+            <a:off x="5440266" y="6949925"/>
+            <a:ext cx="4160936" cy="365276"/>
+          </a:xfrm>
+          <a:prstGeom prst="rect">
+            <a:avLst/>
+          </a:prstGeom>
+          <a:noFill/>
+          <a:ln w="9525">
+            <a:noFill/>
+            <a:miter lim="800000"/>
+            <a:headEnd/>
+            <a:tailEnd/>
+          </a:ln>
+        </p:spPr>
+        <p:txBody>
+          <a:bodyPr lIns="96643" tIns="48321" rIns="96643" bIns="48321" anchor="b"/>
+          <a:lstStyle/>
+          <a:p>
+            <a:pPr algn="r" defTabSz="966678"/>
+            <a:fld id="{9F7EE28A-E421-455B-8563-E026B6DF9A09}" type="slidenum">
+              <a:rPr lang="en-US" sz="1300">
+                <a:latin typeface="Times New Roman" pitchFamily="8" charset="0"/>
+              </a:rPr>
+              <a:pPr algn="r" defTabSz="966678"/>
+              <a:t>14</a:t>
+            </a:fld>
+            <a:endParaRPr lang="en-US" sz="1300" dirty="0">
+              <a:latin typeface="Times New Roman" pitchFamily="8" charset="0"/>
+            </a:endParaRPr>
+          </a:p>
+        </p:txBody>
+      </p:sp>
+      <p:sp>
+        <p:nvSpPr>
+          <p:cNvPr id="34819" name="Rectangle 2"/>
+          <p:cNvSpPr>
+            <a:spLocks noGrp="1" noRot="1" noChangeAspect="1" noChangeArrowheads="1" noTextEdit="1"/>
+          </p:cNvSpPr>
+          <p:nvPr>
+            <p:ph type="sldImg"/>
+          </p:nvPr>
+        </p:nvSpPr>
+        <p:spPr>
+          <a:xfrm>
+            <a:off x="2974975" y="549275"/>
+            <a:ext cx="3657600" cy="2743200"/>
+          </a:xfrm>
+          <a:solidFill>
+            <a:srgbClr val="FFFFFF"/>
+          </a:solidFill>
+          <a:ln/>
+        </p:spPr>
+      </p:sp>
+      <p:sp>
+        <p:nvSpPr>
+          <p:cNvPr id="34820" name="Rectangle 3"/>
+          <p:cNvSpPr>
+            <a:spLocks noGrp="1" noChangeArrowheads="1"/>
+          </p:cNvSpPr>
+          <p:nvPr>
+            <p:ph type="body" idx="1"/>
+          </p:nvPr>
+        </p:nvSpPr>
+        <p:spPr>
+          <a:solidFill>
+            <a:srgbClr val="FFFFFF"/>
+          </a:solidFill>
+          <a:ln>
+            <a:solidFill>
+              <a:srgbClr val="000000"/>
+            </a:solidFill>
+          </a:ln>
+        </p:spPr>
+        <p:txBody>
+          <a:bodyPr/>
+          <a:lstStyle/>
+          <a:p>
+            <a:pPr eaLnBrk="1" hangingPunct="1"/>
+            <a:endParaRPr lang="en-US" smtClean="0">
+              <a:latin typeface="Times New Roman" pitchFamily="8" charset="0"/>
+            </a:endParaRPr>
+          </a:p>
+        </p:txBody>
+      </p:sp>
+    </p:spTree>
+  </p:cSld>
+  <p:clrMapOvr>
+    <a:masterClrMapping/>
+  </p:clrMapOvr>
+</p:notes>
+</file>
+
+<file path=ppt/notesSlides/notesSlide15.xml><?xml version="1.0" encoding="utf-8"?>
+<p:notes xmlns:a="http://schemas.openxmlformats.org/drawingml/2006/main" xmlns:r="http://schemas.openxmlformats.org/officeDocument/2006/relationships" xmlns:p="http://schemas.openxmlformats.org/presentationml/2006/main">
+  <p:cSld>
+    <p:spTree>
+      <p:nvGrpSpPr>
+        <p:cNvPr id="1" name=""/>
+        <p:cNvGrpSpPr/>
+        <p:nvPr/>
+      </p:nvGrpSpPr>
+      <p:grpSpPr>
+        <a:xfrm>
+          <a:off x="0" y="0"/>
+          <a:ext cx="0" cy="0"/>
+          <a:chOff x="0" y="0"/>
+          <a:chExt cx="0" cy="0"/>
+        </a:xfrm>
+      </p:grpSpPr>
+      <p:sp>
+        <p:nvSpPr>
+          <p:cNvPr id="28674" name="Rectangle 7"/>
+          <p:cNvSpPr>
+            <a:spLocks noGrp="1" noChangeArrowheads="1"/>
+          </p:cNvSpPr>
+          <p:nvPr>
+            <p:ph type="sldNum" sz="quarter" idx="5"/>
+          </p:nvPr>
+        </p:nvSpPr>
+        <p:spPr>
+          <a:noFill/>
+        </p:spPr>
+        <p:txBody>
+          <a:bodyPr/>
+          <a:lstStyle/>
+          <a:p>
+            <a:fld id="{85F5844E-D5E4-47F6-A744-2E5515C4691E}" type="slidenum">
+              <a:rPr lang="en-US" smtClean="0">
+                <a:latin typeface="Times New Roman" pitchFamily="8" charset="0"/>
+              </a:rPr>
+              <a:pPr/>
+              <a:t>16</a:t>
+            </a:fld>
+            <a:endParaRPr lang="en-US" smtClean="0">
+              <a:latin typeface="Times New Roman" pitchFamily="8" charset="0"/>
+            </a:endParaRPr>
+          </a:p>
+        </p:txBody>
+      </p:sp>
+      <p:sp>
+        <p:nvSpPr>
+          <p:cNvPr id="28675" name="Rectangle 2"/>
+          <p:cNvSpPr>
+            <a:spLocks noGrp="1" noRot="1" noChangeAspect="1" noChangeArrowheads="1" noTextEdit="1"/>
+          </p:cNvSpPr>
+          <p:nvPr>
+            <p:ph type="sldImg"/>
+          </p:nvPr>
+        </p:nvSpPr>
+        <p:spPr>
+          <a:xfrm>
+            <a:off x="2974975" y="549275"/>
+            <a:ext cx="3657600" cy="2743200"/>
+          </a:xfrm>
+          <a:ln/>
+        </p:spPr>
+      </p:sp>
+      <p:sp>
+        <p:nvSpPr>
+          <p:cNvPr id="28676" name="Rectangle 3"/>
+          <p:cNvSpPr>
+            <a:spLocks noGrp="1" noChangeArrowheads="1"/>
+          </p:cNvSpPr>
+          <p:nvPr>
+            <p:ph type="body" idx="1"/>
+          </p:nvPr>
+        </p:nvSpPr>
+        <p:spPr>
+          <a:noFill/>
+          <a:ln/>
+        </p:spPr>
+        <p:txBody>
+          <a:bodyPr/>
+          <a:lstStyle/>
+          <a:p>
+            <a:pPr eaLnBrk="1" hangingPunct="1"/>
+            <a:endParaRPr lang="en-US" smtClean="0">
+              <a:latin typeface="Times New Roman" pitchFamily="8" charset="0"/>
+            </a:endParaRPr>
+          </a:p>
+        </p:txBody>
+      </p:sp>
+    </p:spTree>
+  </p:cSld>
+  <p:clrMapOvr>
+    <a:masterClrMapping/>
+  </p:clrMapOvr>
+</p:notes>
+</file>
+
+<file path=ppt/notesSlides/notesSlide16.xml><?xml version="1.0" encoding="utf-8"?>
+<p:notes xmlns:a="http://schemas.openxmlformats.org/drawingml/2006/main" xmlns:r="http://schemas.openxmlformats.org/officeDocument/2006/relationships" xmlns:p="http://schemas.openxmlformats.org/presentationml/2006/main">
+  <p:cSld>
+    <p:spTree>
+      <p:nvGrpSpPr>
+        <p:cNvPr id="1" name=""/>
+        <p:cNvGrpSpPr/>
+        <p:nvPr/>
+      </p:nvGrpSpPr>
+      <p:grpSpPr>
+        <a:xfrm>
+          <a:off x="0" y="0"/>
+          <a:ext cx="0" cy="0"/>
+          <a:chOff x="0" y="0"/>
+          <a:chExt cx="0" cy="0"/>
+        </a:xfrm>
+      </p:grpSpPr>
+      <p:sp>
+        <p:nvSpPr>
           <p:cNvPr id="35842" name="Rectangle 7"/>
           <p:cNvSpPr>
             <a:spLocks noGrp="1" noChangeArrowheads="1"/>
@@ -1278,7 +1575,7 @@
                 <a:latin typeface="Times New Roman" pitchFamily="8" charset="0"/>
               </a:rPr>
               <a:pPr/>
-              <a:t>15</a:t>
+              <a:t>18</a:t>
             </a:fld>
             <a:endParaRPr lang="en-US" smtClean="0">
               <a:latin typeface="Times New Roman" pitchFamily="8" charset="0"/>
@@ -3977,6 +4274,2075 @@
           <a:chExt cx="0" cy="0"/>
         </a:xfrm>
       </p:grpSpPr>
+      <p:sp>
+        <p:nvSpPr>
+          <p:cNvPr id="17410" name="Rectangle 2"/>
+          <p:cNvSpPr>
+            <a:spLocks noGrp="1" noChangeArrowheads="1"/>
+          </p:cNvSpPr>
+          <p:nvPr>
+            <p:ph type="title"/>
+          </p:nvPr>
+        </p:nvSpPr>
+        <p:spPr/>
+        <p:txBody>
+          <a:bodyPr/>
+          <a:lstStyle/>
+          <a:p>
+            <a:pPr eaLnBrk="1" hangingPunct="1"/>
+            <a:r>
+              <a:rPr lang="en-US" dirty="0" smtClean="0"/>
+              <a:t>Edge Connectedness</a:t>
+            </a:r>
+          </a:p>
+        </p:txBody>
+      </p:sp>
+      <p:sp>
+        <p:nvSpPr>
+          <p:cNvPr id="17411" name="Oval 4"/>
+          <p:cNvSpPr>
+            <a:spLocks noChangeArrowheads="1"/>
+          </p:cNvSpPr>
+          <p:nvPr/>
+        </p:nvSpPr>
+        <p:spPr bwMode="auto">
+          <a:xfrm>
+            <a:off x="931333" y="1744143"/>
+            <a:ext cx="377309" cy="419082"/>
+          </a:xfrm>
+          <a:prstGeom prst="ellipse">
+            <a:avLst/>
+          </a:prstGeom>
+          <a:solidFill>
+            <a:srgbClr val="0066FF"/>
+          </a:solidFill>
+          <a:ln w="25400">
+            <a:solidFill>
+              <a:schemeClr val="tx1"/>
+            </a:solidFill>
+            <a:round/>
+            <a:headEnd/>
+            <a:tailEnd type="none" w="lg" len="lg"/>
+          </a:ln>
+        </p:spPr>
+        <p:txBody>
+          <a:bodyPr wrap="none" anchor="ctr"/>
+          <a:lstStyle/>
+          <a:p>
+            <a:endParaRPr lang="en-US"/>
+          </a:p>
+        </p:txBody>
+      </p:sp>
+      <p:sp>
+        <p:nvSpPr>
+          <p:cNvPr id="17412" name="Oval 5"/>
+          <p:cNvSpPr>
+            <a:spLocks noChangeArrowheads="1"/>
+          </p:cNvSpPr>
+          <p:nvPr/>
+        </p:nvSpPr>
+        <p:spPr bwMode="auto">
+          <a:xfrm>
+            <a:off x="2254084" y="2965261"/>
+            <a:ext cx="377309" cy="419082"/>
+          </a:xfrm>
+          <a:prstGeom prst="ellipse">
+            <a:avLst/>
+          </a:prstGeom>
+          <a:solidFill>
+            <a:srgbClr val="0066FF"/>
+          </a:solidFill>
+          <a:ln w="25400">
+            <a:solidFill>
+              <a:schemeClr val="tx1"/>
+            </a:solidFill>
+            <a:round/>
+            <a:headEnd/>
+            <a:tailEnd type="none" w="lg" len="lg"/>
+          </a:ln>
+        </p:spPr>
+        <p:txBody>
+          <a:bodyPr wrap="none" anchor="ctr"/>
+          <a:lstStyle/>
+          <a:p>
+            <a:endParaRPr lang="en-US"/>
+          </a:p>
+        </p:txBody>
+      </p:sp>
+      <p:sp>
+        <p:nvSpPr>
+          <p:cNvPr id="17413" name="Oval 6"/>
+          <p:cNvSpPr>
+            <a:spLocks noChangeArrowheads="1"/>
+          </p:cNvSpPr>
+          <p:nvPr/>
+        </p:nvSpPr>
+        <p:spPr bwMode="auto">
+          <a:xfrm>
+            <a:off x="3765491" y="1744143"/>
+            <a:ext cx="377309" cy="419082"/>
+          </a:xfrm>
+          <a:prstGeom prst="ellipse">
+            <a:avLst/>
+          </a:prstGeom>
+          <a:solidFill>
+            <a:srgbClr val="0066FF"/>
+          </a:solidFill>
+          <a:ln w="25400">
+            <a:solidFill>
+              <a:schemeClr val="tx1"/>
+            </a:solidFill>
+            <a:round/>
+            <a:headEnd/>
+            <a:tailEnd type="none" w="lg" len="lg"/>
+          </a:ln>
+        </p:spPr>
+        <p:txBody>
+          <a:bodyPr wrap="none" anchor="ctr"/>
+          <a:lstStyle/>
+          <a:p>
+            <a:endParaRPr lang="en-US"/>
+          </a:p>
+        </p:txBody>
+      </p:sp>
+      <p:sp>
+        <p:nvSpPr>
+          <p:cNvPr id="17414" name="Oval 7"/>
+          <p:cNvSpPr>
+            <a:spLocks noChangeArrowheads="1"/>
+          </p:cNvSpPr>
+          <p:nvPr/>
+        </p:nvSpPr>
+        <p:spPr bwMode="auto">
+          <a:xfrm>
+            <a:off x="2254084" y="4643994"/>
+            <a:ext cx="377309" cy="419082"/>
+          </a:xfrm>
+          <a:prstGeom prst="ellipse">
+            <a:avLst/>
+          </a:prstGeom>
+          <a:solidFill>
+            <a:srgbClr val="0066FF"/>
+          </a:solidFill>
+          <a:ln w="25400">
+            <a:solidFill>
+              <a:schemeClr val="tx1"/>
+            </a:solidFill>
+            <a:round/>
+            <a:headEnd/>
+            <a:tailEnd type="none" w="lg" len="lg"/>
+          </a:ln>
+        </p:spPr>
+        <p:txBody>
+          <a:bodyPr wrap="none" anchor="ctr"/>
+          <a:lstStyle/>
+          <a:p>
+            <a:endParaRPr lang="en-US"/>
+          </a:p>
+        </p:txBody>
+      </p:sp>
+      <p:sp>
+        <p:nvSpPr>
+          <p:cNvPr id="17415" name="Oval 8"/>
+          <p:cNvSpPr>
+            <a:spLocks noChangeArrowheads="1"/>
+          </p:cNvSpPr>
+          <p:nvPr/>
+        </p:nvSpPr>
+        <p:spPr bwMode="auto">
+          <a:xfrm>
+            <a:off x="4708763" y="3603516"/>
+            <a:ext cx="379478" cy="419082"/>
+          </a:xfrm>
+          <a:prstGeom prst="ellipse">
+            <a:avLst/>
+          </a:prstGeom>
+          <a:solidFill>
+            <a:srgbClr val="0066FF"/>
+          </a:solidFill>
+          <a:ln w="25400">
+            <a:solidFill>
+              <a:schemeClr val="tx1"/>
+            </a:solidFill>
+            <a:round/>
+            <a:headEnd/>
+            <a:tailEnd type="none" w="lg" len="lg"/>
+          </a:ln>
+        </p:spPr>
+        <p:txBody>
+          <a:bodyPr wrap="none" anchor="ctr"/>
+          <a:lstStyle/>
+          <a:p>
+            <a:endParaRPr lang="en-US"/>
+          </a:p>
+        </p:txBody>
+      </p:sp>
+      <p:sp>
+        <p:nvSpPr>
+          <p:cNvPr id="17416" name="Oval 9"/>
+          <p:cNvSpPr>
+            <a:spLocks noChangeArrowheads="1"/>
+          </p:cNvSpPr>
+          <p:nvPr/>
+        </p:nvSpPr>
+        <p:spPr bwMode="auto">
+          <a:xfrm>
+            <a:off x="3954145" y="4643994"/>
+            <a:ext cx="377309" cy="419082"/>
+          </a:xfrm>
+          <a:prstGeom prst="ellipse">
+            <a:avLst/>
+          </a:prstGeom>
+          <a:solidFill>
+            <a:srgbClr val="0066FF"/>
+          </a:solidFill>
+          <a:ln w="25400">
+            <a:solidFill>
+              <a:schemeClr val="tx1"/>
+            </a:solidFill>
+            <a:round/>
+            <a:headEnd/>
+            <a:tailEnd type="none" w="lg" len="lg"/>
+          </a:ln>
+        </p:spPr>
+        <p:txBody>
+          <a:bodyPr wrap="none" anchor="ctr"/>
+          <a:lstStyle/>
+          <a:p>
+            <a:endParaRPr lang="en-US"/>
+          </a:p>
+        </p:txBody>
+      </p:sp>
+      <p:sp>
+        <p:nvSpPr>
+          <p:cNvPr id="17417" name="Oval 10"/>
+          <p:cNvSpPr>
+            <a:spLocks noChangeArrowheads="1"/>
+          </p:cNvSpPr>
+          <p:nvPr/>
+        </p:nvSpPr>
+        <p:spPr bwMode="auto">
+          <a:xfrm>
+            <a:off x="5901408" y="1744143"/>
+            <a:ext cx="377309" cy="419082"/>
+          </a:xfrm>
+          <a:prstGeom prst="ellipse">
+            <a:avLst/>
+          </a:prstGeom>
+          <a:solidFill>
+            <a:srgbClr val="0066FF"/>
+          </a:solidFill>
+          <a:ln w="25400">
+            <a:solidFill>
+              <a:schemeClr val="tx1"/>
+            </a:solidFill>
+            <a:round/>
+            <a:headEnd/>
+            <a:tailEnd type="none" w="lg" len="lg"/>
+          </a:ln>
+        </p:spPr>
+        <p:txBody>
+          <a:bodyPr wrap="none" anchor="ctr"/>
+          <a:lstStyle/>
+          <a:p>
+            <a:endParaRPr lang="en-US"/>
+          </a:p>
+        </p:txBody>
+      </p:sp>
+      <p:sp>
+        <p:nvSpPr>
+          <p:cNvPr id="17418" name="Oval 11"/>
+          <p:cNvSpPr>
+            <a:spLocks noChangeArrowheads="1"/>
+          </p:cNvSpPr>
+          <p:nvPr/>
+        </p:nvSpPr>
+        <p:spPr bwMode="auto">
+          <a:xfrm>
+            <a:off x="5899240" y="4643994"/>
+            <a:ext cx="377309" cy="419082"/>
+          </a:xfrm>
+          <a:prstGeom prst="ellipse">
+            <a:avLst/>
+          </a:prstGeom>
+          <a:solidFill>
+            <a:srgbClr val="0066FF"/>
+          </a:solidFill>
+          <a:ln w="25400">
+            <a:solidFill>
+              <a:schemeClr val="tx1"/>
+            </a:solidFill>
+            <a:round/>
+            <a:headEnd/>
+            <a:tailEnd type="none" w="lg" len="lg"/>
+          </a:ln>
+        </p:spPr>
+        <p:txBody>
+          <a:bodyPr wrap="none" anchor="ctr"/>
+          <a:lstStyle/>
+          <a:p>
+            <a:endParaRPr lang="en-US"/>
+          </a:p>
+        </p:txBody>
+      </p:sp>
+      <p:sp>
+        <p:nvSpPr>
+          <p:cNvPr id="17419" name="Oval 12"/>
+          <p:cNvSpPr>
+            <a:spLocks noChangeArrowheads="1"/>
+          </p:cNvSpPr>
+          <p:nvPr/>
+        </p:nvSpPr>
+        <p:spPr bwMode="auto">
+          <a:xfrm>
+            <a:off x="7911557" y="3603516"/>
+            <a:ext cx="377309" cy="419082"/>
+          </a:xfrm>
+          <a:prstGeom prst="ellipse">
+            <a:avLst/>
+          </a:prstGeom>
+          <a:solidFill>
+            <a:srgbClr val="0066FF"/>
+          </a:solidFill>
+          <a:ln w="25400">
+            <a:solidFill>
+              <a:schemeClr val="tx1"/>
+            </a:solidFill>
+            <a:round/>
+            <a:headEnd/>
+            <a:tailEnd type="none" w="lg" len="lg"/>
+          </a:ln>
+        </p:spPr>
+        <p:txBody>
+          <a:bodyPr wrap="none" anchor="ctr"/>
+          <a:lstStyle/>
+          <a:p>
+            <a:endParaRPr lang="en-US"/>
+          </a:p>
+        </p:txBody>
+      </p:sp>
+      <p:cxnSp>
+        <p:nvCxnSpPr>
+          <p:cNvPr id="17420" name="AutoShape 13"/>
+          <p:cNvCxnSpPr>
+            <a:cxnSpLocks noChangeShapeType="1"/>
+            <a:stCxn id="17411" idx="5"/>
+            <a:endCxn id="17412" idx="1"/>
+          </p:cNvCxnSpPr>
+          <p:nvPr/>
+        </p:nvCxnSpPr>
+        <p:spPr bwMode="auto">
+          <a:xfrm>
+            <a:off x="1254432" y="2103012"/>
+            <a:ext cx="1053864" cy="922460"/>
+          </a:xfrm>
+          <a:prstGeom prst="straightConnector1">
+            <a:avLst/>
+          </a:prstGeom>
+          <a:noFill/>
+          <a:ln w="25400">
+            <a:solidFill>
+              <a:schemeClr val="tx1"/>
+            </a:solidFill>
+            <a:round/>
+            <a:headEnd/>
+            <a:tailEnd type="none" w="lg" len="lg"/>
+          </a:ln>
+        </p:spPr>
+      </p:cxnSp>
+      <p:cxnSp>
+        <p:nvCxnSpPr>
+          <p:cNvPr id="17421" name="AutoShape 14"/>
+          <p:cNvCxnSpPr>
+            <a:cxnSpLocks noChangeShapeType="1"/>
+            <a:stCxn id="17412" idx="7"/>
+            <a:endCxn id="17413" idx="3"/>
+          </p:cNvCxnSpPr>
+          <p:nvPr/>
+        </p:nvCxnSpPr>
+        <p:spPr bwMode="auto">
+          <a:xfrm flipV="1">
+            <a:off x="2577183" y="2103012"/>
+            <a:ext cx="1242518" cy="922460"/>
+          </a:xfrm>
+          <a:prstGeom prst="straightConnector1">
+            <a:avLst/>
+          </a:prstGeom>
+          <a:noFill/>
+          <a:ln w="25400">
+            <a:solidFill>
+              <a:schemeClr val="tx1"/>
+            </a:solidFill>
+            <a:round/>
+            <a:headEnd/>
+            <a:tailEnd type="none" w="lg" len="lg"/>
+          </a:ln>
+        </p:spPr>
+      </p:cxnSp>
+      <p:cxnSp>
+        <p:nvCxnSpPr>
+          <p:cNvPr id="17422" name="AutoShape 15"/>
+          <p:cNvCxnSpPr>
+            <a:cxnSpLocks noChangeShapeType="1"/>
+            <a:stCxn id="17413" idx="2"/>
+            <a:endCxn id="17411" idx="6"/>
+          </p:cNvCxnSpPr>
+          <p:nvPr/>
+        </p:nvCxnSpPr>
+        <p:spPr bwMode="auto">
+          <a:xfrm flipH="1">
+            <a:off x="1308642" y="1953685"/>
+            <a:ext cx="2456848" cy="0"/>
+          </a:xfrm>
+          <a:prstGeom prst="straightConnector1">
+            <a:avLst/>
+          </a:prstGeom>
+          <a:noFill/>
+          <a:ln w="25400">
+            <a:solidFill>
+              <a:schemeClr val="tx1"/>
+            </a:solidFill>
+            <a:round/>
+            <a:headEnd/>
+            <a:tailEnd type="none" w="lg" len="lg"/>
+          </a:ln>
+        </p:spPr>
+      </p:cxnSp>
+      <p:cxnSp>
+        <p:nvCxnSpPr>
+          <p:cNvPr id="17423" name="AutoShape 16"/>
+          <p:cNvCxnSpPr>
+            <a:cxnSpLocks noChangeShapeType="1"/>
+            <a:stCxn id="17412" idx="4"/>
+            <a:endCxn id="17414" idx="0"/>
+          </p:cNvCxnSpPr>
+          <p:nvPr/>
+        </p:nvCxnSpPr>
+        <p:spPr bwMode="auto">
+          <a:xfrm>
+            <a:off x="2442740" y="3384342"/>
+            <a:ext cx="0" cy="1259652"/>
+          </a:xfrm>
+          <a:prstGeom prst="straightConnector1">
+            <a:avLst/>
+          </a:prstGeom>
+          <a:noFill/>
+          <a:ln w="25400">
+            <a:solidFill>
+              <a:schemeClr val="tx1"/>
+            </a:solidFill>
+            <a:round/>
+            <a:headEnd/>
+            <a:tailEnd type="none" w="lg" len="lg"/>
+          </a:ln>
+        </p:spPr>
+      </p:cxnSp>
+      <p:cxnSp>
+        <p:nvCxnSpPr>
+          <p:cNvPr id="17424" name="AutoShape 17"/>
+          <p:cNvCxnSpPr>
+            <a:cxnSpLocks noChangeShapeType="1"/>
+            <a:stCxn id="17414" idx="6"/>
+            <a:endCxn id="17416" idx="2"/>
+          </p:cNvCxnSpPr>
+          <p:nvPr/>
+        </p:nvCxnSpPr>
+        <p:spPr bwMode="auto">
+          <a:xfrm>
+            <a:off x="2631394" y="4853536"/>
+            <a:ext cx="1322751" cy="0"/>
+          </a:xfrm>
+          <a:prstGeom prst="straightConnector1">
+            <a:avLst/>
+          </a:prstGeom>
+          <a:noFill/>
+          <a:ln w="25400">
+            <a:solidFill>
+              <a:schemeClr val="tx1"/>
+            </a:solidFill>
+            <a:round/>
+            <a:headEnd/>
+            <a:tailEnd type="none" w="lg" len="lg"/>
+          </a:ln>
+        </p:spPr>
+      </p:cxnSp>
+      <p:cxnSp>
+        <p:nvCxnSpPr>
+          <p:cNvPr id="17425" name="AutoShape 18"/>
+          <p:cNvCxnSpPr>
+            <a:cxnSpLocks noChangeShapeType="1"/>
+            <a:stCxn id="17416" idx="7"/>
+            <a:endCxn id="17415" idx="4"/>
+          </p:cNvCxnSpPr>
+          <p:nvPr/>
+        </p:nvCxnSpPr>
+        <p:spPr bwMode="auto">
+          <a:xfrm flipV="1">
+            <a:off x="4277244" y="4022598"/>
+            <a:ext cx="622343" cy="681610"/>
+          </a:xfrm>
+          <a:prstGeom prst="straightConnector1">
+            <a:avLst/>
+          </a:prstGeom>
+          <a:noFill/>
+          <a:ln w="25400">
+            <a:solidFill>
+              <a:schemeClr val="tx1"/>
+            </a:solidFill>
+            <a:round/>
+            <a:headEnd/>
+            <a:tailEnd type="none" w="lg" len="lg"/>
+          </a:ln>
+        </p:spPr>
+      </p:cxnSp>
+      <p:cxnSp>
+        <p:nvCxnSpPr>
+          <p:cNvPr id="17426" name="AutoShape 19"/>
+          <p:cNvCxnSpPr>
+            <a:cxnSpLocks noChangeShapeType="1"/>
+            <a:stCxn id="17419" idx="3"/>
+            <a:endCxn id="17418" idx="7"/>
+          </p:cNvCxnSpPr>
+          <p:nvPr/>
+        </p:nvCxnSpPr>
+        <p:spPr bwMode="auto">
+          <a:xfrm flipH="1">
+            <a:off x="6222338" y="3962386"/>
+            <a:ext cx="1743429" cy="741822"/>
+          </a:xfrm>
+          <a:prstGeom prst="straightConnector1">
+            <a:avLst/>
+          </a:prstGeom>
+          <a:noFill/>
+          <a:ln w="25400">
+            <a:solidFill>
+              <a:schemeClr val="tx1"/>
+            </a:solidFill>
+            <a:round/>
+            <a:headEnd/>
+            <a:tailEnd type="none" w="lg" len="lg"/>
+          </a:ln>
+        </p:spPr>
+      </p:cxnSp>
+      <p:cxnSp>
+        <p:nvCxnSpPr>
+          <p:cNvPr id="17427" name="AutoShape 20"/>
+          <p:cNvCxnSpPr>
+            <a:cxnSpLocks noChangeShapeType="1"/>
+            <a:stCxn id="17417" idx="5"/>
+            <a:endCxn id="17419" idx="1"/>
+          </p:cNvCxnSpPr>
+          <p:nvPr/>
+        </p:nvCxnSpPr>
+        <p:spPr bwMode="auto">
+          <a:xfrm>
+            <a:off x="6224507" y="2103012"/>
+            <a:ext cx="1741260" cy="1560717"/>
+          </a:xfrm>
+          <a:prstGeom prst="straightConnector1">
+            <a:avLst/>
+          </a:prstGeom>
+          <a:noFill/>
+          <a:ln w="25400">
+            <a:solidFill>
+              <a:schemeClr val="tx1"/>
+            </a:solidFill>
+            <a:round/>
+            <a:headEnd/>
+            <a:tailEnd type="none" w="lg" len="lg"/>
+          </a:ln>
+        </p:spPr>
+      </p:cxnSp>
+      <p:cxnSp>
+        <p:nvCxnSpPr>
+          <p:cNvPr id="17428" name="AutoShape 21"/>
+          <p:cNvCxnSpPr>
+            <a:cxnSpLocks noChangeShapeType="1"/>
+            <a:stCxn id="17417" idx="4"/>
+            <a:endCxn id="17418" idx="0"/>
+          </p:cNvCxnSpPr>
+          <p:nvPr/>
+        </p:nvCxnSpPr>
+        <p:spPr bwMode="auto">
+          <a:xfrm flipH="1">
+            <a:off x="6087894" y="2163225"/>
+            <a:ext cx="2169" cy="2480770"/>
+          </a:xfrm>
+          <a:prstGeom prst="straightConnector1">
+            <a:avLst/>
+          </a:prstGeom>
+          <a:noFill/>
+          <a:ln w="25400">
+            <a:solidFill>
+              <a:schemeClr val="tx1"/>
+            </a:solidFill>
+            <a:round/>
+            <a:headEnd/>
+            <a:tailEnd type="none" w="lg" len="lg"/>
+          </a:ln>
+        </p:spPr>
+      </p:cxnSp>
+      <p:cxnSp>
+        <p:nvCxnSpPr>
+          <p:cNvPr id="17429" name="AutoShape 22"/>
+          <p:cNvCxnSpPr>
+            <a:cxnSpLocks noChangeShapeType="1"/>
+            <a:stCxn id="17415" idx="6"/>
+            <a:endCxn id="17419" idx="2"/>
+          </p:cNvCxnSpPr>
+          <p:nvPr/>
+        </p:nvCxnSpPr>
+        <p:spPr bwMode="auto">
+          <a:xfrm>
+            <a:off x="5088242" y="3813058"/>
+            <a:ext cx="2823315" cy="0"/>
+          </a:xfrm>
+          <a:prstGeom prst="straightConnector1">
+            <a:avLst/>
+          </a:prstGeom>
+          <a:noFill/>
+          <a:ln w="25400">
+            <a:solidFill>
+              <a:schemeClr val="tx1"/>
+            </a:solidFill>
+            <a:round/>
+            <a:headEnd/>
+            <a:tailEnd type="none" w="lg" len="lg"/>
+          </a:ln>
+        </p:spPr>
+      </p:cxnSp>
+      <p:cxnSp>
+        <p:nvCxnSpPr>
+          <p:cNvPr id="17430" name="AutoShape 24"/>
+          <p:cNvCxnSpPr>
+            <a:cxnSpLocks noChangeShapeType="1"/>
+            <a:stCxn id="17413" idx="5"/>
+            <a:endCxn id="17415" idx="1"/>
+          </p:cNvCxnSpPr>
+          <p:nvPr/>
+        </p:nvCxnSpPr>
+        <p:spPr bwMode="auto">
+          <a:xfrm>
+            <a:off x="4088588" y="2103012"/>
+            <a:ext cx="676555" cy="1560717"/>
+          </a:xfrm>
+          <a:prstGeom prst="straightConnector1">
+            <a:avLst/>
+          </a:prstGeom>
+          <a:noFill/>
+          <a:ln w="25400">
+            <a:solidFill>
+              <a:schemeClr val="tx1"/>
+            </a:solidFill>
+            <a:round/>
+            <a:headEnd/>
+            <a:tailEnd type="none" w="lg" len="lg"/>
+          </a:ln>
+        </p:spPr>
+      </p:cxnSp>
+      <p:sp>
+        <p:nvSpPr>
+          <p:cNvPr id="24" name="Slide Number Placeholder 3"/>
+          <p:cNvSpPr>
+            <a:spLocks noGrp="1"/>
+          </p:cNvSpPr>
+          <p:nvPr>
+            <p:ph type="sldNum" sz="quarter" idx="10"/>
+          </p:nvPr>
+        </p:nvSpPr>
+        <p:spPr/>
+        <p:txBody>
+          <a:bodyPr/>
+          <a:lstStyle/>
+          <a:p>
+            <a:pPr>
+              <a:defRPr/>
+            </a:pPr>
+            <a:r>
+              <a:rPr lang="en-US" dirty="0" err="1"/>
+              <a:t>lec</a:t>
+            </a:r>
+            <a:r>
+              <a:rPr lang="en-US" dirty="0" smtClean="0"/>
+              <a:t> 8M.</a:t>
+            </a:r>
+            <a:fld id="{43E12C49-E36A-496C-9DCA-6E960B9FC41B}" type="slidenum">
+              <a:rPr lang="en-US" smtClean="0"/>
+              <a:pPr>
+                <a:defRPr/>
+              </a:pPr>
+              <a:t>10</a:t>
+            </a:fld>
+            <a:endParaRPr lang="en-US" dirty="0"/>
+          </a:p>
+        </p:txBody>
+      </p:sp>
+      <p:grpSp>
+        <p:nvGrpSpPr>
+          <p:cNvPr id="27" name="Group 26"/>
+          <p:cNvGrpSpPr/>
+          <p:nvPr/>
+        </p:nvGrpSpPr>
+        <p:grpSpPr>
+          <a:xfrm>
+            <a:off x="5901028" y="1745931"/>
+            <a:ext cx="379477" cy="3318933"/>
+            <a:chOff x="6051640" y="1896543"/>
+            <a:chExt cx="379477" cy="3318933"/>
+          </a:xfrm>
+          <a:solidFill>
+            <a:srgbClr val="008000"/>
+          </a:solidFill>
+        </p:grpSpPr>
+        <p:sp>
+          <p:nvSpPr>
+            <p:cNvPr id="25" name="Oval 10"/>
+            <p:cNvSpPr>
+              <a:spLocks noChangeArrowheads="1"/>
+            </p:cNvSpPr>
+            <p:nvPr/>
+          </p:nvSpPr>
+          <p:spPr bwMode="auto">
+            <a:xfrm>
+              <a:off x="6053808" y="1896543"/>
+              <a:ext cx="377309" cy="419082"/>
+            </a:xfrm>
+            <a:prstGeom prst="ellipse">
+              <a:avLst/>
+            </a:prstGeom>
+            <a:grpFill/>
+            <a:ln w="25400">
+              <a:solidFill>
+                <a:schemeClr val="tx1"/>
+              </a:solidFill>
+              <a:round/>
+              <a:headEnd/>
+              <a:tailEnd type="none" w="lg" len="lg"/>
+            </a:ln>
+          </p:spPr>
+          <p:txBody>
+            <a:bodyPr wrap="none" anchor="ctr"/>
+            <a:lstStyle/>
+            <a:p>
+              <a:endParaRPr lang="en-US"/>
+            </a:p>
+          </p:txBody>
+        </p:sp>
+        <p:sp>
+          <p:nvSpPr>
+            <p:cNvPr id="26" name="Oval 11"/>
+            <p:cNvSpPr>
+              <a:spLocks noChangeArrowheads="1"/>
+            </p:cNvSpPr>
+            <p:nvPr/>
+          </p:nvSpPr>
+          <p:spPr bwMode="auto">
+            <a:xfrm>
+              <a:off x="6051640" y="4796394"/>
+              <a:ext cx="377309" cy="419082"/>
+            </a:xfrm>
+            <a:prstGeom prst="ellipse">
+              <a:avLst/>
+            </a:prstGeom>
+            <a:grpFill/>
+            <a:ln w="25400">
+              <a:solidFill>
+                <a:schemeClr val="tx1"/>
+              </a:solidFill>
+              <a:round/>
+              <a:headEnd/>
+              <a:tailEnd type="none" w="lg" len="lg"/>
+            </a:ln>
+          </p:spPr>
+          <p:txBody>
+            <a:bodyPr wrap="none" anchor="ctr"/>
+            <a:lstStyle/>
+            <a:p>
+              <a:endParaRPr lang="en-US"/>
+            </a:p>
+          </p:txBody>
+        </p:sp>
+      </p:grpSp>
+      <p:sp>
+        <p:nvSpPr>
+          <p:cNvPr id="28" name="TextBox 27"/>
+          <p:cNvSpPr txBox="1"/>
+          <p:nvPr/>
+        </p:nvSpPr>
+        <p:spPr>
+          <a:xfrm>
+            <a:off x="2222267" y="5604934"/>
+            <a:ext cx="4867038" cy="769441"/>
+          </a:xfrm>
+          <a:prstGeom prst="rect">
+            <a:avLst/>
+          </a:prstGeom>
+          <a:noFill/>
+        </p:spPr>
+        <p:txBody>
+          <a:bodyPr wrap="none" rtlCol="0">
+            <a:spAutoFit/>
+          </a:bodyPr>
+          <a:lstStyle/>
+          <a:p>
+            <a:r>
+              <a:rPr lang="en-US" sz="4400" dirty="0" smtClean="0">
+                <a:latin typeface="+mj-lt"/>
+              </a:rPr>
+              <a:t>2-</a:t>
+            </a:r>
+            <a:r>
+              <a:rPr lang="en-US" sz="4400" dirty="0" smtClean="0">
+                <a:solidFill>
+                  <a:srgbClr val="008000"/>
+                </a:solidFill>
+                <a:latin typeface="+mj-lt"/>
+              </a:rPr>
+              <a:t>edge</a:t>
+            </a:r>
+            <a:r>
+              <a:rPr lang="en-US" sz="4400" dirty="0" smtClean="0">
+                <a:latin typeface="+mj-lt"/>
+              </a:rPr>
+              <a:t> connected</a:t>
+            </a:r>
+            <a:endParaRPr lang="en-US" sz="4400" dirty="0">
+              <a:latin typeface="+mj-lt"/>
+            </a:endParaRPr>
+          </a:p>
+        </p:txBody>
+      </p:sp>
+      <p:grpSp>
+        <p:nvGrpSpPr>
+          <p:cNvPr id="32" name="Group 31"/>
+          <p:cNvGrpSpPr/>
+          <p:nvPr/>
+        </p:nvGrpSpPr>
+        <p:grpSpPr>
+          <a:xfrm>
+            <a:off x="6091480" y="2100834"/>
+            <a:ext cx="1877873" cy="2540983"/>
+            <a:chOff x="6240294" y="2255412"/>
+            <a:chExt cx="1877873" cy="2540983"/>
+          </a:xfrm>
+        </p:grpSpPr>
+        <p:cxnSp>
+          <p:nvCxnSpPr>
+            <p:cNvPr id="33" name="AutoShape 20"/>
+            <p:cNvCxnSpPr>
+              <a:cxnSpLocks noChangeShapeType="1"/>
+            </p:cNvCxnSpPr>
+            <p:nvPr/>
+          </p:nvCxnSpPr>
+          <p:spPr bwMode="auto">
+            <a:xfrm>
+              <a:off x="6376907" y="2255412"/>
+              <a:ext cx="1741260" cy="1560717"/>
+            </a:xfrm>
+            <a:prstGeom prst="straightConnector1">
+              <a:avLst/>
+            </a:prstGeom>
+            <a:noFill/>
+            <a:ln w="38100">
+              <a:solidFill>
+                <a:srgbClr val="008000"/>
+              </a:solidFill>
+              <a:round/>
+              <a:headEnd/>
+              <a:tailEnd type="none" w="lg" len="lg"/>
+            </a:ln>
+          </p:spPr>
+        </p:cxnSp>
+        <p:cxnSp>
+          <p:nvCxnSpPr>
+            <p:cNvPr id="34" name="AutoShape 21"/>
+            <p:cNvCxnSpPr>
+              <a:cxnSpLocks noChangeShapeType="1"/>
+            </p:cNvCxnSpPr>
+            <p:nvPr/>
+          </p:nvCxnSpPr>
+          <p:spPr bwMode="auto">
+            <a:xfrm flipH="1">
+              <a:off x="6240294" y="2315625"/>
+              <a:ext cx="2169" cy="2480770"/>
+            </a:xfrm>
+            <a:prstGeom prst="straightConnector1">
+              <a:avLst/>
+            </a:prstGeom>
+            <a:noFill/>
+            <a:ln w="38100">
+              <a:solidFill>
+                <a:srgbClr val="008000"/>
+              </a:solidFill>
+              <a:round/>
+              <a:headEnd/>
+              <a:tailEnd type="none" w="lg" len="lg"/>
+            </a:ln>
+          </p:spPr>
+        </p:cxnSp>
+      </p:grpSp>
+    </p:spTree>
+  </p:cSld>
+  <p:clrMapOvr>
+    <a:masterClrMapping/>
+  </p:clrMapOvr>
+  <p:transition xmlns:p14="http://schemas.microsoft.com/office/powerpoint/2010/main" spd="slow">
+    <p:fade thruBlk="1"/>
+  </p:transition>
+  <p:timing>
+    <p:tnLst>
+      <p:par>
+        <p:cTn xmlns:p14="http://schemas.microsoft.com/office/powerpoint/2010/main" id="1" dur="indefinite" restart="never" nodeType="tmRoot">
+          <p:childTnLst>
+            <p:seq concurrent="1" nextAc="seek">
+              <p:cTn id="2" dur="indefinite" nodeType="mainSeq">
+                <p:childTnLst>
+                  <p:par>
+                    <p:cTn id="3" fill="hold">
+                      <p:stCondLst>
+                        <p:cond delay="indefinite"/>
+                      </p:stCondLst>
+                      <p:childTnLst>
+                        <p:par>
+                          <p:cTn id="4" fill="hold">
+                            <p:stCondLst>
+                              <p:cond delay="0"/>
+                            </p:stCondLst>
+                            <p:childTnLst>
+                              <p:par>
+                                <p:cTn id="5" presetID="9" presetClass="entr" presetSubtype="0" fill="hold" nodeType="clickEffect">
+                                  <p:stCondLst>
+                                    <p:cond delay="0"/>
+                                  </p:stCondLst>
+                                  <p:childTnLst>
+                                    <p:set>
+                                      <p:cBhvr>
+                                        <p:cTn id="6" dur="1" fill="hold">
+                                          <p:stCondLst>
+                                            <p:cond delay="0"/>
+                                          </p:stCondLst>
+                                        </p:cTn>
+                                        <p:tgtEl>
+                                          <p:spTgt spid="27"/>
+                                        </p:tgtEl>
+                                        <p:attrNameLst>
+                                          <p:attrName>style.visibility</p:attrName>
+                                        </p:attrNameLst>
+                                      </p:cBhvr>
+                                      <p:to>
+                                        <p:strVal val="visible"/>
+                                      </p:to>
+                                    </p:set>
+                                    <p:animEffect transition="in" filter="dissolve">
+                                      <p:cBhvr>
+                                        <p:cTn id="7" dur="500"/>
+                                        <p:tgtEl>
+                                          <p:spTgt spid="27"/>
+                                        </p:tgtEl>
+                                      </p:cBhvr>
+                                    </p:animEffect>
+                                  </p:childTnLst>
+                                </p:cTn>
+                              </p:par>
+                            </p:childTnLst>
+                          </p:cTn>
+                        </p:par>
+                        <p:par>
+                          <p:cTn id="8" fill="hold">
+                            <p:stCondLst>
+                              <p:cond delay="500"/>
+                            </p:stCondLst>
+                            <p:childTnLst>
+                              <p:par>
+                                <p:cTn id="9" presetID="22" presetClass="entr" presetSubtype="1" fill="hold" nodeType="afterEffect">
+                                  <p:stCondLst>
+                                    <p:cond delay="0"/>
+                                  </p:stCondLst>
+                                  <p:childTnLst>
+                                    <p:set>
+                                      <p:cBhvr>
+                                        <p:cTn id="10" dur="1" fill="hold">
+                                          <p:stCondLst>
+                                            <p:cond delay="0"/>
+                                          </p:stCondLst>
+                                        </p:cTn>
+                                        <p:tgtEl>
+                                          <p:spTgt spid="32"/>
+                                        </p:tgtEl>
+                                        <p:attrNameLst>
+                                          <p:attrName>style.visibility</p:attrName>
+                                        </p:attrNameLst>
+                                      </p:cBhvr>
+                                      <p:to>
+                                        <p:strVal val="visible"/>
+                                      </p:to>
+                                    </p:set>
+                                    <p:animEffect transition="in" filter="wipe(up)">
+                                      <p:cBhvr>
+                                        <p:cTn id="11" dur="500"/>
+                                        <p:tgtEl>
+                                          <p:spTgt spid="32"/>
+                                        </p:tgtEl>
+                                      </p:cBhvr>
+                                    </p:animEffect>
+                                  </p:childTnLst>
+                                </p:cTn>
+                              </p:par>
+                            </p:childTnLst>
+                          </p:cTn>
+                        </p:par>
+                      </p:childTnLst>
+                    </p:cTn>
+                  </p:par>
+                </p:childTnLst>
+              </p:cTn>
+              <p:prevCondLst>
+                <p:cond evt="onPrev" delay="0">
+                  <p:tgtEl>
+                    <p:sldTgt/>
+                  </p:tgtEl>
+                </p:cond>
+              </p:prevCondLst>
+              <p:nextCondLst>
+                <p:cond evt="onNext" delay="0">
+                  <p:tgtEl>
+                    <p:sldTgt/>
+                  </p:tgtEl>
+                </p:cond>
+              </p:nextCondLst>
+            </p:seq>
+          </p:childTnLst>
+        </p:cTn>
+      </p:par>
+    </p:tnLst>
+  </p:timing>
+</p:sld>
+</file>
+
+<file path=ppt/slides/slide11.xml><?xml version="1.0" encoding="utf-8"?>
+<p:sld xmlns:a="http://schemas.openxmlformats.org/drawingml/2006/main" xmlns:r="http://schemas.openxmlformats.org/officeDocument/2006/relationships" xmlns:p="http://schemas.openxmlformats.org/presentationml/2006/main">
+  <p:cSld>
+    <p:spTree>
+      <p:nvGrpSpPr>
+        <p:cNvPr id="1" name=""/>
+        <p:cNvGrpSpPr/>
+        <p:nvPr/>
+      </p:nvGrpSpPr>
+      <p:grpSpPr>
+        <a:xfrm>
+          <a:off x="0" y="0"/>
+          <a:ext cx="0" cy="0"/>
+          <a:chOff x="0" y="0"/>
+          <a:chExt cx="0" cy="0"/>
+        </a:xfrm>
+      </p:grpSpPr>
+      <p:sp>
+        <p:nvSpPr>
+          <p:cNvPr id="17410" name="Rectangle 2"/>
+          <p:cNvSpPr>
+            <a:spLocks noGrp="1" noChangeArrowheads="1"/>
+          </p:cNvSpPr>
+          <p:nvPr>
+            <p:ph type="title"/>
+          </p:nvPr>
+        </p:nvSpPr>
+        <p:spPr/>
+        <p:txBody>
+          <a:bodyPr/>
+          <a:lstStyle/>
+          <a:p>
+            <a:pPr eaLnBrk="1" hangingPunct="1"/>
+            <a:r>
+              <a:rPr lang="en-US" dirty="0" smtClean="0"/>
+              <a:t>Edge Connectedness</a:t>
+            </a:r>
+          </a:p>
+        </p:txBody>
+      </p:sp>
+      <p:sp>
+        <p:nvSpPr>
+          <p:cNvPr id="17411" name="Oval 4"/>
+          <p:cNvSpPr>
+            <a:spLocks noChangeArrowheads="1"/>
+          </p:cNvSpPr>
+          <p:nvPr/>
+        </p:nvSpPr>
+        <p:spPr bwMode="auto">
+          <a:xfrm>
+            <a:off x="931333" y="1744143"/>
+            <a:ext cx="377309" cy="419082"/>
+          </a:xfrm>
+          <a:prstGeom prst="ellipse">
+            <a:avLst/>
+          </a:prstGeom>
+          <a:solidFill>
+            <a:srgbClr val="0066FF"/>
+          </a:solidFill>
+          <a:ln w="25400">
+            <a:solidFill>
+              <a:schemeClr val="tx1"/>
+            </a:solidFill>
+            <a:round/>
+            <a:headEnd/>
+            <a:tailEnd type="none" w="lg" len="lg"/>
+          </a:ln>
+        </p:spPr>
+        <p:txBody>
+          <a:bodyPr wrap="none" anchor="ctr"/>
+          <a:lstStyle/>
+          <a:p>
+            <a:endParaRPr lang="en-US"/>
+          </a:p>
+        </p:txBody>
+      </p:sp>
+      <p:sp>
+        <p:nvSpPr>
+          <p:cNvPr id="17412" name="Oval 5"/>
+          <p:cNvSpPr>
+            <a:spLocks noChangeArrowheads="1"/>
+          </p:cNvSpPr>
+          <p:nvPr/>
+        </p:nvSpPr>
+        <p:spPr bwMode="auto">
+          <a:xfrm>
+            <a:off x="2254084" y="2965261"/>
+            <a:ext cx="377309" cy="419082"/>
+          </a:xfrm>
+          <a:prstGeom prst="ellipse">
+            <a:avLst/>
+          </a:prstGeom>
+          <a:solidFill>
+            <a:srgbClr val="0066FF"/>
+          </a:solidFill>
+          <a:ln w="25400">
+            <a:solidFill>
+              <a:schemeClr val="tx1"/>
+            </a:solidFill>
+            <a:round/>
+            <a:headEnd/>
+            <a:tailEnd type="none" w="lg" len="lg"/>
+          </a:ln>
+        </p:spPr>
+        <p:txBody>
+          <a:bodyPr wrap="none" anchor="ctr"/>
+          <a:lstStyle/>
+          <a:p>
+            <a:endParaRPr lang="en-US"/>
+          </a:p>
+        </p:txBody>
+      </p:sp>
+      <p:sp>
+        <p:nvSpPr>
+          <p:cNvPr id="17413" name="Oval 6"/>
+          <p:cNvSpPr>
+            <a:spLocks noChangeArrowheads="1"/>
+          </p:cNvSpPr>
+          <p:nvPr/>
+        </p:nvSpPr>
+        <p:spPr bwMode="auto">
+          <a:xfrm>
+            <a:off x="3765491" y="1744143"/>
+            <a:ext cx="377309" cy="419082"/>
+          </a:xfrm>
+          <a:prstGeom prst="ellipse">
+            <a:avLst/>
+          </a:prstGeom>
+          <a:solidFill>
+            <a:srgbClr val="0066FF"/>
+          </a:solidFill>
+          <a:ln w="25400">
+            <a:solidFill>
+              <a:schemeClr val="tx1"/>
+            </a:solidFill>
+            <a:round/>
+            <a:headEnd/>
+            <a:tailEnd type="none" w="lg" len="lg"/>
+          </a:ln>
+        </p:spPr>
+        <p:txBody>
+          <a:bodyPr wrap="none" anchor="ctr"/>
+          <a:lstStyle/>
+          <a:p>
+            <a:endParaRPr lang="en-US"/>
+          </a:p>
+        </p:txBody>
+      </p:sp>
+      <p:sp>
+        <p:nvSpPr>
+          <p:cNvPr id="17414" name="Oval 7"/>
+          <p:cNvSpPr>
+            <a:spLocks noChangeArrowheads="1"/>
+          </p:cNvSpPr>
+          <p:nvPr/>
+        </p:nvSpPr>
+        <p:spPr bwMode="auto">
+          <a:xfrm>
+            <a:off x="2254084" y="4643994"/>
+            <a:ext cx="377309" cy="419082"/>
+          </a:xfrm>
+          <a:prstGeom prst="ellipse">
+            <a:avLst/>
+          </a:prstGeom>
+          <a:solidFill>
+            <a:srgbClr val="0066FF"/>
+          </a:solidFill>
+          <a:ln w="25400">
+            <a:solidFill>
+              <a:schemeClr val="tx1"/>
+            </a:solidFill>
+            <a:round/>
+            <a:headEnd/>
+            <a:tailEnd type="none" w="lg" len="lg"/>
+          </a:ln>
+        </p:spPr>
+        <p:txBody>
+          <a:bodyPr wrap="none" anchor="ctr"/>
+          <a:lstStyle/>
+          <a:p>
+            <a:endParaRPr lang="en-US"/>
+          </a:p>
+        </p:txBody>
+      </p:sp>
+      <p:sp>
+        <p:nvSpPr>
+          <p:cNvPr id="17415" name="Oval 8"/>
+          <p:cNvSpPr>
+            <a:spLocks noChangeArrowheads="1"/>
+          </p:cNvSpPr>
+          <p:nvPr/>
+        </p:nvSpPr>
+        <p:spPr bwMode="auto">
+          <a:xfrm>
+            <a:off x="4708763" y="3603516"/>
+            <a:ext cx="379478" cy="419082"/>
+          </a:xfrm>
+          <a:prstGeom prst="ellipse">
+            <a:avLst/>
+          </a:prstGeom>
+          <a:solidFill>
+            <a:srgbClr val="0066FF"/>
+          </a:solidFill>
+          <a:ln w="25400">
+            <a:solidFill>
+              <a:schemeClr val="tx1"/>
+            </a:solidFill>
+            <a:round/>
+            <a:headEnd/>
+            <a:tailEnd type="none" w="lg" len="lg"/>
+          </a:ln>
+        </p:spPr>
+        <p:txBody>
+          <a:bodyPr wrap="none" anchor="ctr"/>
+          <a:lstStyle/>
+          <a:p>
+            <a:endParaRPr lang="en-US"/>
+          </a:p>
+        </p:txBody>
+      </p:sp>
+      <p:sp>
+        <p:nvSpPr>
+          <p:cNvPr id="17416" name="Oval 9"/>
+          <p:cNvSpPr>
+            <a:spLocks noChangeArrowheads="1"/>
+          </p:cNvSpPr>
+          <p:nvPr/>
+        </p:nvSpPr>
+        <p:spPr bwMode="auto">
+          <a:xfrm>
+            <a:off x="3954145" y="4643994"/>
+            <a:ext cx="377309" cy="419082"/>
+          </a:xfrm>
+          <a:prstGeom prst="ellipse">
+            <a:avLst/>
+          </a:prstGeom>
+          <a:solidFill>
+            <a:srgbClr val="0066FF"/>
+          </a:solidFill>
+          <a:ln w="25400">
+            <a:solidFill>
+              <a:schemeClr val="tx1"/>
+            </a:solidFill>
+            <a:round/>
+            <a:headEnd/>
+            <a:tailEnd type="none" w="lg" len="lg"/>
+          </a:ln>
+        </p:spPr>
+        <p:txBody>
+          <a:bodyPr wrap="none" anchor="ctr"/>
+          <a:lstStyle/>
+          <a:p>
+            <a:endParaRPr lang="en-US"/>
+          </a:p>
+        </p:txBody>
+      </p:sp>
+      <p:sp>
+        <p:nvSpPr>
+          <p:cNvPr id="17417" name="Oval 10"/>
+          <p:cNvSpPr>
+            <a:spLocks noChangeArrowheads="1"/>
+          </p:cNvSpPr>
+          <p:nvPr/>
+        </p:nvSpPr>
+        <p:spPr bwMode="auto">
+          <a:xfrm>
+            <a:off x="5901408" y="1744143"/>
+            <a:ext cx="377309" cy="419082"/>
+          </a:xfrm>
+          <a:prstGeom prst="ellipse">
+            <a:avLst/>
+          </a:prstGeom>
+          <a:solidFill>
+            <a:srgbClr val="0066FF"/>
+          </a:solidFill>
+          <a:ln w="25400">
+            <a:solidFill>
+              <a:schemeClr val="tx1"/>
+            </a:solidFill>
+            <a:round/>
+            <a:headEnd/>
+            <a:tailEnd type="none" w="lg" len="lg"/>
+          </a:ln>
+        </p:spPr>
+        <p:txBody>
+          <a:bodyPr wrap="none" anchor="ctr"/>
+          <a:lstStyle/>
+          <a:p>
+            <a:endParaRPr lang="en-US"/>
+          </a:p>
+        </p:txBody>
+      </p:sp>
+      <p:sp>
+        <p:nvSpPr>
+          <p:cNvPr id="17418" name="Oval 11"/>
+          <p:cNvSpPr>
+            <a:spLocks noChangeArrowheads="1"/>
+          </p:cNvSpPr>
+          <p:nvPr/>
+        </p:nvSpPr>
+        <p:spPr bwMode="auto">
+          <a:xfrm>
+            <a:off x="5899240" y="4643994"/>
+            <a:ext cx="377309" cy="419082"/>
+          </a:xfrm>
+          <a:prstGeom prst="ellipse">
+            <a:avLst/>
+          </a:prstGeom>
+          <a:solidFill>
+            <a:srgbClr val="0066FF"/>
+          </a:solidFill>
+          <a:ln w="25400">
+            <a:solidFill>
+              <a:schemeClr val="tx1"/>
+            </a:solidFill>
+            <a:round/>
+            <a:headEnd/>
+            <a:tailEnd type="none" w="lg" len="lg"/>
+          </a:ln>
+        </p:spPr>
+        <p:txBody>
+          <a:bodyPr wrap="none" anchor="ctr"/>
+          <a:lstStyle/>
+          <a:p>
+            <a:endParaRPr lang="en-US"/>
+          </a:p>
+        </p:txBody>
+      </p:sp>
+      <p:sp>
+        <p:nvSpPr>
+          <p:cNvPr id="17419" name="Oval 12"/>
+          <p:cNvSpPr>
+            <a:spLocks noChangeArrowheads="1"/>
+          </p:cNvSpPr>
+          <p:nvPr/>
+        </p:nvSpPr>
+        <p:spPr bwMode="auto">
+          <a:xfrm>
+            <a:off x="7911557" y="3603516"/>
+            <a:ext cx="377309" cy="419082"/>
+          </a:xfrm>
+          <a:prstGeom prst="ellipse">
+            <a:avLst/>
+          </a:prstGeom>
+          <a:solidFill>
+            <a:srgbClr val="0066FF"/>
+          </a:solidFill>
+          <a:ln w="25400">
+            <a:solidFill>
+              <a:schemeClr val="tx1"/>
+            </a:solidFill>
+            <a:round/>
+            <a:headEnd/>
+            <a:tailEnd type="none" w="lg" len="lg"/>
+          </a:ln>
+        </p:spPr>
+        <p:txBody>
+          <a:bodyPr wrap="none" anchor="ctr"/>
+          <a:lstStyle/>
+          <a:p>
+            <a:endParaRPr lang="en-US"/>
+          </a:p>
+        </p:txBody>
+      </p:sp>
+      <p:cxnSp>
+        <p:nvCxnSpPr>
+          <p:cNvPr id="17420" name="AutoShape 13"/>
+          <p:cNvCxnSpPr>
+            <a:cxnSpLocks noChangeShapeType="1"/>
+            <a:stCxn id="17411" idx="5"/>
+            <a:endCxn id="17412" idx="1"/>
+          </p:cNvCxnSpPr>
+          <p:nvPr/>
+        </p:nvCxnSpPr>
+        <p:spPr bwMode="auto">
+          <a:xfrm>
+            <a:off x="1254432" y="2103012"/>
+            <a:ext cx="1053864" cy="922460"/>
+          </a:xfrm>
+          <a:prstGeom prst="straightConnector1">
+            <a:avLst/>
+          </a:prstGeom>
+          <a:noFill/>
+          <a:ln w="25400">
+            <a:solidFill>
+              <a:schemeClr val="tx1"/>
+            </a:solidFill>
+            <a:round/>
+            <a:headEnd/>
+            <a:tailEnd type="none" w="lg" len="lg"/>
+          </a:ln>
+        </p:spPr>
+      </p:cxnSp>
+      <p:cxnSp>
+        <p:nvCxnSpPr>
+          <p:cNvPr id="17421" name="AutoShape 14"/>
+          <p:cNvCxnSpPr>
+            <a:cxnSpLocks noChangeShapeType="1"/>
+            <a:stCxn id="17412" idx="7"/>
+            <a:endCxn id="17413" idx="3"/>
+          </p:cNvCxnSpPr>
+          <p:nvPr/>
+        </p:nvCxnSpPr>
+        <p:spPr bwMode="auto">
+          <a:xfrm flipV="1">
+            <a:off x="2577183" y="2103012"/>
+            <a:ext cx="1242518" cy="922460"/>
+          </a:xfrm>
+          <a:prstGeom prst="straightConnector1">
+            <a:avLst/>
+          </a:prstGeom>
+          <a:noFill/>
+          <a:ln w="25400">
+            <a:solidFill>
+              <a:schemeClr val="tx1"/>
+            </a:solidFill>
+            <a:round/>
+            <a:headEnd/>
+            <a:tailEnd type="none" w="lg" len="lg"/>
+          </a:ln>
+        </p:spPr>
+      </p:cxnSp>
+      <p:cxnSp>
+        <p:nvCxnSpPr>
+          <p:cNvPr id="17422" name="AutoShape 15"/>
+          <p:cNvCxnSpPr>
+            <a:cxnSpLocks noChangeShapeType="1"/>
+            <a:stCxn id="17413" idx="2"/>
+            <a:endCxn id="17411" idx="6"/>
+          </p:cNvCxnSpPr>
+          <p:nvPr/>
+        </p:nvCxnSpPr>
+        <p:spPr bwMode="auto">
+          <a:xfrm flipH="1">
+            <a:off x="1308642" y="1953685"/>
+            <a:ext cx="2456848" cy="0"/>
+          </a:xfrm>
+          <a:prstGeom prst="straightConnector1">
+            <a:avLst/>
+          </a:prstGeom>
+          <a:noFill/>
+          <a:ln w="25400">
+            <a:solidFill>
+              <a:schemeClr val="tx1"/>
+            </a:solidFill>
+            <a:round/>
+            <a:headEnd/>
+            <a:tailEnd type="none" w="lg" len="lg"/>
+          </a:ln>
+        </p:spPr>
+      </p:cxnSp>
+      <p:cxnSp>
+        <p:nvCxnSpPr>
+          <p:cNvPr id="17423" name="AutoShape 16"/>
+          <p:cNvCxnSpPr>
+            <a:cxnSpLocks noChangeShapeType="1"/>
+            <a:stCxn id="17412" idx="4"/>
+            <a:endCxn id="17414" idx="0"/>
+          </p:cNvCxnSpPr>
+          <p:nvPr/>
+        </p:nvCxnSpPr>
+        <p:spPr bwMode="auto">
+          <a:xfrm>
+            <a:off x="2442740" y="3384342"/>
+            <a:ext cx="0" cy="1259652"/>
+          </a:xfrm>
+          <a:prstGeom prst="straightConnector1">
+            <a:avLst/>
+          </a:prstGeom>
+          <a:noFill/>
+          <a:ln w="25400">
+            <a:solidFill>
+              <a:schemeClr val="tx1"/>
+            </a:solidFill>
+            <a:round/>
+            <a:headEnd/>
+            <a:tailEnd type="none" w="lg" len="lg"/>
+          </a:ln>
+        </p:spPr>
+      </p:cxnSp>
+      <p:cxnSp>
+        <p:nvCxnSpPr>
+          <p:cNvPr id="17424" name="AutoShape 17"/>
+          <p:cNvCxnSpPr>
+            <a:cxnSpLocks noChangeShapeType="1"/>
+            <a:stCxn id="17414" idx="6"/>
+            <a:endCxn id="17416" idx="2"/>
+          </p:cNvCxnSpPr>
+          <p:nvPr/>
+        </p:nvCxnSpPr>
+        <p:spPr bwMode="auto">
+          <a:xfrm>
+            <a:off x="2631394" y="4853536"/>
+            <a:ext cx="1322751" cy="0"/>
+          </a:xfrm>
+          <a:prstGeom prst="straightConnector1">
+            <a:avLst/>
+          </a:prstGeom>
+          <a:noFill/>
+          <a:ln w="25400">
+            <a:solidFill>
+              <a:schemeClr val="tx1"/>
+            </a:solidFill>
+            <a:round/>
+            <a:headEnd/>
+            <a:tailEnd type="none" w="lg" len="lg"/>
+          </a:ln>
+        </p:spPr>
+      </p:cxnSp>
+      <p:cxnSp>
+        <p:nvCxnSpPr>
+          <p:cNvPr id="17425" name="AutoShape 18"/>
+          <p:cNvCxnSpPr>
+            <a:cxnSpLocks noChangeShapeType="1"/>
+            <a:stCxn id="17416" idx="7"/>
+            <a:endCxn id="17415" idx="4"/>
+          </p:cNvCxnSpPr>
+          <p:nvPr/>
+        </p:nvCxnSpPr>
+        <p:spPr bwMode="auto">
+          <a:xfrm flipV="1">
+            <a:off x="4277244" y="4022598"/>
+            <a:ext cx="622343" cy="681610"/>
+          </a:xfrm>
+          <a:prstGeom prst="straightConnector1">
+            <a:avLst/>
+          </a:prstGeom>
+          <a:noFill/>
+          <a:ln w="25400">
+            <a:solidFill>
+              <a:schemeClr val="tx1"/>
+            </a:solidFill>
+            <a:round/>
+            <a:headEnd/>
+            <a:tailEnd type="none" w="lg" len="lg"/>
+          </a:ln>
+        </p:spPr>
+      </p:cxnSp>
+      <p:cxnSp>
+        <p:nvCxnSpPr>
+          <p:cNvPr id="17426" name="AutoShape 19"/>
+          <p:cNvCxnSpPr>
+            <a:cxnSpLocks noChangeShapeType="1"/>
+            <a:stCxn id="17419" idx="3"/>
+            <a:endCxn id="17418" idx="7"/>
+          </p:cNvCxnSpPr>
+          <p:nvPr/>
+        </p:nvCxnSpPr>
+        <p:spPr bwMode="auto">
+          <a:xfrm flipH="1">
+            <a:off x="6222338" y="3962386"/>
+            <a:ext cx="1743429" cy="741822"/>
+          </a:xfrm>
+          <a:prstGeom prst="straightConnector1">
+            <a:avLst/>
+          </a:prstGeom>
+          <a:noFill/>
+          <a:ln w="25400">
+            <a:solidFill>
+              <a:schemeClr val="tx1"/>
+            </a:solidFill>
+            <a:round/>
+            <a:headEnd/>
+            <a:tailEnd type="none" w="lg" len="lg"/>
+          </a:ln>
+        </p:spPr>
+      </p:cxnSp>
+      <p:cxnSp>
+        <p:nvCxnSpPr>
+          <p:cNvPr id="17429" name="AutoShape 22"/>
+          <p:cNvCxnSpPr>
+            <a:cxnSpLocks noChangeShapeType="1"/>
+            <a:stCxn id="17415" idx="6"/>
+            <a:endCxn id="17419" idx="2"/>
+          </p:cNvCxnSpPr>
+          <p:nvPr/>
+        </p:nvCxnSpPr>
+        <p:spPr bwMode="auto">
+          <a:xfrm>
+            <a:off x="5088242" y="3813058"/>
+            <a:ext cx="2823315" cy="0"/>
+          </a:xfrm>
+          <a:prstGeom prst="straightConnector1">
+            <a:avLst/>
+          </a:prstGeom>
+          <a:noFill/>
+          <a:ln w="25400">
+            <a:solidFill>
+              <a:schemeClr val="tx1"/>
+            </a:solidFill>
+            <a:round/>
+            <a:headEnd/>
+            <a:tailEnd type="none" w="lg" len="lg"/>
+          </a:ln>
+        </p:spPr>
+      </p:cxnSp>
+      <p:cxnSp>
+        <p:nvCxnSpPr>
+          <p:cNvPr id="17430" name="AutoShape 24"/>
+          <p:cNvCxnSpPr>
+            <a:cxnSpLocks noChangeShapeType="1"/>
+            <a:stCxn id="17413" idx="5"/>
+            <a:endCxn id="17415" idx="1"/>
+          </p:cNvCxnSpPr>
+          <p:nvPr/>
+        </p:nvCxnSpPr>
+        <p:spPr bwMode="auto">
+          <a:xfrm>
+            <a:off x="4088588" y="2103012"/>
+            <a:ext cx="676555" cy="1560717"/>
+          </a:xfrm>
+          <a:prstGeom prst="straightConnector1">
+            <a:avLst/>
+          </a:prstGeom>
+          <a:noFill/>
+          <a:ln w="25400">
+            <a:solidFill>
+              <a:schemeClr val="tx1"/>
+            </a:solidFill>
+            <a:round/>
+            <a:headEnd/>
+            <a:tailEnd type="none" w="lg" len="lg"/>
+          </a:ln>
+        </p:spPr>
+      </p:cxnSp>
+      <p:sp>
+        <p:nvSpPr>
+          <p:cNvPr id="24" name="Slide Number Placeholder 3"/>
+          <p:cNvSpPr>
+            <a:spLocks noGrp="1"/>
+          </p:cNvSpPr>
+          <p:nvPr>
+            <p:ph type="sldNum" sz="quarter" idx="10"/>
+          </p:nvPr>
+        </p:nvSpPr>
+        <p:spPr/>
+        <p:txBody>
+          <a:bodyPr/>
+          <a:lstStyle/>
+          <a:p>
+            <a:pPr>
+              <a:defRPr/>
+            </a:pPr>
+            <a:r>
+              <a:rPr lang="en-US" dirty="0" err="1"/>
+              <a:t>lec</a:t>
+            </a:r>
+            <a:r>
+              <a:rPr lang="en-US" dirty="0" smtClean="0"/>
+              <a:t> 8M.</a:t>
+            </a:r>
+            <a:fld id="{43E12C49-E36A-496C-9DCA-6E960B9FC41B}" type="slidenum">
+              <a:rPr lang="en-US" smtClean="0"/>
+              <a:pPr>
+                <a:defRPr/>
+              </a:pPr>
+              <a:t>11</a:t>
+            </a:fld>
+            <a:endParaRPr lang="en-US" dirty="0"/>
+          </a:p>
+        </p:txBody>
+      </p:sp>
+      <p:grpSp>
+        <p:nvGrpSpPr>
+          <p:cNvPr id="27" name="Group 26"/>
+          <p:cNvGrpSpPr/>
+          <p:nvPr/>
+        </p:nvGrpSpPr>
+        <p:grpSpPr>
+          <a:xfrm>
+            <a:off x="5901028" y="1745931"/>
+            <a:ext cx="379477" cy="3318933"/>
+            <a:chOff x="6051640" y="1896543"/>
+            <a:chExt cx="379477" cy="3318933"/>
+          </a:xfrm>
+          <a:solidFill>
+            <a:srgbClr val="008000"/>
+          </a:solidFill>
+        </p:grpSpPr>
+        <p:sp>
+          <p:nvSpPr>
+            <p:cNvPr id="25" name="Oval 10"/>
+            <p:cNvSpPr>
+              <a:spLocks noChangeArrowheads="1"/>
+            </p:cNvSpPr>
+            <p:nvPr/>
+          </p:nvSpPr>
+          <p:spPr bwMode="auto">
+            <a:xfrm>
+              <a:off x="6053808" y="1896543"/>
+              <a:ext cx="377309" cy="419082"/>
+            </a:xfrm>
+            <a:prstGeom prst="ellipse">
+              <a:avLst/>
+            </a:prstGeom>
+            <a:grpFill/>
+            <a:ln w="25400">
+              <a:solidFill>
+                <a:schemeClr val="tx1"/>
+              </a:solidFill>
+              <a:round/>
+              <a:headEnd/>
+              <a:tailEnd type="none" w="lg" len="lg"/>
+            </a:ln>
+          </p:spPr>
+          <p:txBody>
+            <a:bodyPr wrap="none" anchor="ctr"/>
+            <a:lstStyle/>
+            <a:p>
+              <a:endParaRPr lang="en-US"/>
+            </a:p>
+          </p:txBody>
+        </p:sp>
+        <p:sp>
+          <p:nvSpPr>
+            <p:cNvPr id="26" name="Oval 11"/>
+            <p:cNvSpPr>
+              <a:spLocks noChangeArrowheads="1"/>
+            </p:cNvSpPr>
+            <p:nvPr/>
+          </p:nvSpPr>
+          <p:spPr bwMode="auto">
+            <a:xfrm>
+              <a:off x="6051640" y="4796394"/>
+              <a:ext cx="377309" cy="419082"/>
+            </a:xfrm>
+            <a:prstGeom prst="ellipse">
+              <a:avLst/>
+            </a:prstGeom>
+            <a:grpFill/>
+            <a:ln w="25400">
+              <a:solidFill>
+                <a:schemeClr val="tx1"/>
+              </a:solidFill>
+              <a:round/>
+              <a:headEnd/>
+              <a:tailEnd type="none" w="lg" len="lg"/>
+            </a:ln>
+          </p:spPr>
+          <p:txBody>
+            <a:bodyPr wrap="none" anchor="ctr"/>
+            <a:lstStyle/>
+            <a:p>
+              <a:endParaRPr lang="en-US"/>
+            </a:p>
+          </p:txBody>
+        </p:sp>
+      </p:grpSp>
+      <p:sp>
+        <p:nvSpPr>
+          <p:cNvPr id="28" name="TextBox 27"/>
+          <p:cNvSpPr txBox="1"/>
+          <p:nvPr/>
+        </p:nvSpPr>
+        <p:spPr>
+          <a:xfrm>
+            <a:off x="2222267" y="5604934"/>
+            <a:ext cx="4867038" cy="769441"/>
+          </a:xfrm>
+          <a:prstGeom prst="rect">
+            <a:avLst/>
+          </a:prstGeom>
+          <a:noFill/>
+        </p:spPr>
+        <p:txBody>
+          <a:bodyPr wrap="none" rtlCol="0">
+            <a:spAutoFit/>
+          </a:bodyPr>
+          <a:lstStyle/>
+          <a:p>
+            <a:r>
+              <a:rPr lang="en-US" sz="4400" dirty="0" smtClean="0">
+                <a:latin typeface="+mj-lt"/>
+              </a:rPr>
+              <a:t>2-</a:t>
+            </a:r>
+            <a:r>
+              <a:rPr lang="en-US" sz="4400" dirty="0" smtClean="0">
+                <a:solidFill>
+                  <a:srgbClr val="008000"/>
+                </a:solidFill>
+                <a:latin typeface="+mj-lt"/>
+              </a:rPr>
+              <a:t>edge</a:t>
+            </a:r>
+            <a:r>
+              <a:rPr lang="en-US" sz="4400" dirty="0" smtClean="0">
+                <a:latin typeface="+mj-lt"/>
+              </a:rPr>
+              <a:t> connected</a:t>
+            </a:r>
+            <a:endParaRPr lang="en-US" sz="4400" dirty="0">
+              <a:latin typeface="+mj-lt"/>
+            </a:endParaRPr>
+          </a:p>
+        </p:txBody>
+      </p:sp>
+      <p:cxnSp>
+        <p:nvCxnSpPr>
+          <p:cNvPr id="36" name="Straight Connector 35"/>
+          <p:cNvCxnSpPr/>
+          <p:nvPr/>
+        </p:nvCxnSpPr>
+        <p:spPr bwMode="auto">
+          <a:xfrm>
+            <a:off x="3840480" y="1387736"/>
+            <a:ext cx="4485939" cy="2015864"/>
+          </a:xfrm>
+          <a:prstGeom prst="line">
+            <a:avLst/>
+          </a:prstGeom>
+          <a:noFill/>
+          <a:ln w="31750" cap="flat" cmpd="sng" algn="ctr">
+            <a:solidFill>
+              <a:schemeClr val="tx1"/>
+            </a:solidFill>
+            <a:prstDash val="sysDash"/>
+            <a:round/>
+            <a:headEnd type="none" w="med" len="med"/>
+            <a:tailEnd type="none" w="lg" len="lg"/>
+          </a:ln>
+          <a:effectLst/>
+        </p:spPr>
+      </p:cxnSp>
+      <p:sp>
+        <p:nvSpPr>
+          <p:cNvPr id="37" name="TextBox 36"/>
+          <p:cNvSpPr txBox="1"/>
+          <p:nvPr/>
+        </p:nvSpPr>
+        <p:spPr>
+          <a:xfrm>
+            <a:off x="6702014" y="1796527"/>
+            <a:ext cx="2125903" cy="769441"/>
+          </a:xfrm>
+          <a:prstGeom prst="rect">
+            <a:avLst/>
+          </a:prstGeom>
+          <a:noFill/>
+        </p:spPr>
+        <p:txBody>
+          <a:bodyPr wrap="none" rtlCol="0">
+            <a:spAutoFit/>
+          </a:bodyPr>
+          <a:lstStyle/>
+          <a:p>
+            <a:r>
+              <a:rPr lang="en-US" sz="4400" dirty="0" smtClean="0">
+                <a:solidFill>
+                  <a:srgbClr val="930093"/>
+                </a:solidFill>
+                <a:latin typeface="+mj-lt"/>
+              </a:rPr>
+              <a:t>no path</a:t>
+            </a:r>
+          </a:p>
+        </p:txBody>
+      </p:sp>
+    </p:spTree>
+    <p:extLst>
+      <p:ext uri="{BB962C8B-B14F-4D97-AF65-F5344CB8AC3E}">
+        <p14:creationId xmlns:p14="http://schemas.microsoft.com/office/powerpoint/2010/main" val="2533614092"/>
+      </p:ext>
+    </p:extLst>
+  </p:cSld>
+  <p:clrMapOvr>
+    <a:masterClrMapping/>
+  </p:clrMapOvr>
+  <p:transition xmlns:p14="http://schemas.microsoft.com/office/powerpoint/2010/main">
+    <p:fade/>
+  </p:transition>
+  <p:timing>
+    <p:tnLst>
+      <p:par>
+        <p:cTn xmlns:p14="http://schemas.microsoft.com/office/powerpoint/2010/main" id="1" dur="indefinite" restart="never" nodeType="tmRoot">
+          <p:childTnLst>
+            <p:seq concurrent="1" nextAc="seek">
+              <p:cTn id="2" dur="indefinite" nodeType="mainSeq">
+                <p:childTnLst>
+                  <p:par>
+                    <p:cTn id="3" fill="hold">
+                      <p:stCondLst>
+                        <p:cond delay="indefinite"/>
+                        <p:cond evt="onBegin" delay="0">
+                          <p:tn val="2"/>
+                        </p:cond>
+                      </p:stCondLst>
+                      <p:childTnLst>
+                        <p:par>
+                          <p:cTn id="4" fill="hold">
+                            <p:stCondLst>
+                              <p:cond delay="0"/>
+                            </p:stCondLst>
+                            <p:childTnLst>
+                              <p:par>
+                                <p:cTn id="5" presetID="22" presetClass="entr" presetSubtype="8" fill="hold" nodeType="afterEffect">
+                                  <p:stCondLst>
+                                    <p:cond delay="0"/>
+                                  </p:stCondLst>
+                                  <p:childTnLst>
+                                    <p:set>
+                                      <p:cBhvr>
+                                        <p:cTn id="6" dur="1" fill="hold">
+                                          <p:stCondLst>
+                                            <p:cond delay="0"/>
+                                          </p:stCondLst>
+                                        </p:cTn>
+                                        <p:tgtEl>
+                                          <p:spTgt spid="36"/>
+                                        </p:tgtEl>
+                                        <p:attrNameLst>
+                                          <p:attrName>style.visibility</p:attrName>
+                                        </p:attrNameLst>
+                                      </p:cBhvr>
+                                      <p:to>
+                                        <p:strVal val="visible"/>
+                                      </p:to>
+                                    </p:set>
+                                    <p:animEffect transition="in" filter="wipe(left)">
+                                      <p:cBhvr>
+                                        <p:cTn id="7" dur="500"/>
+                                        <p:tgtEl>
+                                          <p:spTgt spid="36"/>
+                                        </p:tgtEl>
+                                      </p:cBhvr>
+                                    </p:animEffect>
+                                  </p:childTnLst>
+                                </p:cTn>
+                              </p:par>
+                            </p:childTnLst>
+                          </p:cTn>
+                        </p:par>
+                        <p:par>
+                          <p:cTn id="8" fill="hold">
+                            <p:stCondLst>
+                              <p:cond delay="500"/>
+                            </p:stCondLst>
+                            <p:childTnLst>
+                              <p:par>
+                                <p:cTn id="9" presetID="9" presetClass="entr" presetSubtype="0" fill="hold" grpId="0" nodeType="afterEffect">
+                                  <p:stCondLst>
+                                    <p:cond delay="0"/>
+                                  </p:stCondLst>
+                                  <p:childTnLst>
+                                    <p:set>
+                                      <p:cBhvr>
+                                        <p:cTn id="10" dur="1" fill="hold">
+                                          <p:stCondLst>
+                                            <p:cond delay="0"/>
+                                          </p:stCondLst>
+                                        </p:cTn>
+                                        <p:tgtEl>
+                                          <p:spTgt spid="37"/>
+                                        </p:tgtEl>
+                                        <p:attrNameLst>
+                                          <p:attrName>style.visibility</p:attrName>
+                                        </p:attrNameLst>
+                                      </p:cBhvr>
+                                      <p:to>
+                                        <p:strVal val="visible"/>
+                                      </p:to>
+                                    </p:set>
+                                    <p:animEffect transition="in" filter="dissolve">
+                                      <p:cBhvr>
+                                        <p:cTn id="11" dur="500"/>
+                                        <p:tgtEl>
+                                          <p:spTgt spid="37"/>
+                                        </p:tgtEl>
+                                      </p:cBhvr>
+                                    </p:animEffect>
+                                  </p:childTnLst>
+                                </p:cTn>
+                              </p:par>
+                            </p:childTnLst>
+                          </p:cTn>
+                        </p:par>
+                      </p:childTnLst>
+                    </p:cTn>
+                  </p:par>
+                </p:childTnLst>
+              </p:cTn>
+              <p:prevCondLst>
+                <p:cond evt="onPrev" delay="0">
+                  <p:tgtEl>
+                    <p:sldTgt/>
+                  </p:tgtEl>
+                </p:cond>
+              </p:prevCondLst>
+              <p:nextCondLst>
+                <p:cond evt="onNext" delay="0">
+                  <p:tgtEl>
+                    <p:sldTgt/>
+                  </p:tgtEl>
+                </p:cond>
+              </p:nextCondLst>
+            </p:seq>
+          </p:childTnLst>
+        </p:cTn>
+      </p:par>
+    </p:tnLst>
+    <p:bldLst>
+      <p:bldP spid="37" grpId="0"/>
+    </p:bldLst>
+  </p:timing>
+</p:sld>
+</file>
+
+<file path=ppt/slides/slide12.xml><?xml version="1.0" encoding="utf-8"?>
+<p:sld xmlns:a="http://schemas.openxmlformats.org/drawingml/2006/main" xmlns:r="http://schemas.openxmlformats.org/officeDocument/2006/relationships" xmlns:p="http://schemas.openxmlformats.org/presentationml/2006/main">
+  <p:cSld>
+    <p:spTree>
+      <p:nvGrpSpPr>
+        <p:cNvPr id="1" name=""/>
+        <p:cNvGrpSpPr/>
+        <p:nvPr/>
+      </p:nvGrpSpPr>
+      <p:grpSpPr>
+        <a:xfrm>
+          <a:off x="0" y="0"/>
+          <a:ext cx="0" cy="0"/>
+          <a:chOff x="0" y="0"/>
+          <a:chExt cx="0" cy="0"/>
+        </a:xfrm>
+      </p:grpSpPr>
       <p:cxnSp>
         <p:nvCxnSpPr>
           <p:cNvPr id="17425" name="AutoShape 18"/>
@@ -4160,102 +6526,6 @@
           </p:spPr>
         </p:cxnSp>
       </p:grpSp>
-      <p:grpSp>
-        <p:nvGrpSpPr>
-          <p:cNvPr id="45" name="Group 44"/>
-          <p:cNvGrpSpPr/>
-          <p:nvPr/>
-        </p:nvGrpSpPr>
-        <p:grpSpPr>
-          <a:xfrm>
-            <a:off x="1290702" y="1968019"/>
-            <a:ext cx="3446917" cy="2751686"/>
-            <a:chOff x="1310430" y="1955473"/>
-            <a:chExt cx="3446917" cy="2751686"/>
-          </a:xfrm>
-        </p:grpSpPr>
-        <p:cxnSp>
-          <p:nvCxnSpPr>
-            <p:cNvPr id="48" name="AutoShape 18"/>
-            <p:cNvCxnSpPr>
-              <a:cxnSpLocks noChangeShapeType="1"/>
-            </p:cNvCxnSpPr>
-            <p:nvPr/>
-          </p:nvCxnSpPr>
-          <p:spPr bwMode="auto">
-            <a:xfrm rot="5400000" flipH="1" flipV="1">
-              <a:off x="4141207" y="4091019"/>
-              <a:ext cx="744142" cy="488138"/>
-            </a:xfrm>
-            <a:prstGeom prst="straightConnector1">
-              <a:avLst/>
-            </a:prstGeom>
-            <a:noFill/>
-            <a:ln w="57150">
-              <a:solidFill>
-                <a:schemeClr val="accent1"/>
-              </a:solidFill>
-              <a:round/>
-              <a:headEnd/>
-              <a:tailEnd type="none" w="lg" len="lg"/>
-            </a:ln>
-          </p:spPr>
-        </p:cxnSp>
-        <p:cxnSp>
-          <p:nvCxnSpPr>
-            <p:cNvPr id="46" name="AutoShape 14"/>
-            <p:cNvCxnSpPr>
-              <a:cxnSpLocks noChangeShapeType="1"/>
-            </p:cNvCxnSpPr>
-            <p:nvPr/>
-          </p:nvCxnSpPr>
-          <p:spPr bwMode="auto">
-            <a:xfrm flipV="1">
-              <a:off x="2578971" y="2083284"/>
-              <a:ext cx="1242518" cy="922460"/>
-            </a:xfrm>
-            <a:prstGeom prst="straightConnector1">
-              <a:avLst/>
-            </a:prstGeom>
-            <a:noFill/>
-            <a:ln w="57150">
-              <a:solidFill>
-                <a:schemeClr val="accent1"/>
-              </a:solidFill>
-              <a:round/>
-              <a:headEnd/>
-              <a:tailEnd type="none" w="lg" len="lg"/>
-            </a:ln>
-          </p:spPr>
-        </p:cxnSp>
-        <p:cxnSp>
-          <p:nvCxnSpPr>
-            <p:cNvPr id="47" name="AutoShape 15"/>
-            <p:cNvCxnSpPr>
-              <a:cxnSpLocks noChangeShapeType="1"/>
-            </p:cNvCxnSpPr>
-            <p:nvPr/>
-          </p:nvCxnSpPr>
-          <p:spPr bwMode="auto">
-            <a:xfrm flipH="1">
-              <a:off x="1310430" y="1955473"/>
-              <a:ext cx="2456848" cy="0"/>
-            </a:xfrm>
-            <a:prstGeom prst="straightConnector1">
-              <a:avLst/>
-            </a:prstGeom>
-            <a:noFill/>
-            <a:ln w="57150">
-              <a:solidFill>
-                <a:schemeClr val="accent1"/>
-              </a:solidFill>
-              <a:round/>
-              <a:headEnd/>
-              <a:tailEnd type="none" w="lg" len="lg"/>
-            </a:ln>
-          </p:spPr>
-        </p:cxnSp>
-      </p:grpSp>
       <p:sp>
         <p:nvSpPr>
           <p:cNvPr id="17410" name="Rectangle 2"/>
@@ -4866,7 +7136,7 @@
               <a:pPr>
                 <a:defRPr/>
               </a:pPr>
-              <a:t>10</a:t>
+              <a:t>12</a:t>
             </a:fld>
             <a:endParaRPr lang="en-US" dirty="0"/>
           </a:p>
@@ -4921,71 +7191,13 @@
           </a:p>
         </p:txBody>
       </p:sp>
-      <p:cxnSp>
-        <p:nvCxnSpPr>
-          <p:cNvPr id="26" name="Straight Connector 25"/>
-          <p:cNvCxnSpPr/>
-          <p:nvPr/>
-        </p:nvCxnSpPr>
-        <p:spPr bwMode="auto">
-          <a:xfrm>
-            <a:off x="1280160" y="1387736"/>
-            <a:ext cx="4625788" cy="3937299"/>
-          </a:xfrm>
-          <a:prstGeom prst="line">
-            <a:avLst/>
-          </a:prstGeom>
-          <a:noFill/>
-          <a:ln w="31750" cap="flat" cmpd="sng" algn="ctr">
-            <a:solidFill>
-              <a:schemeClr val="tx1"/>
-            </a:solidFill>
-            <a:prstDash val="sysDash"/>
-            <a:round/>
-            <a:headEnd type="none" w="med" len="med"/>
-            <a:tailEnd type="none" w="lg" len="lg"/>
-          </a:ln>
-          <a:effectLst/>
-        </p:spPr>
-      </p:cxnSp>
-      <p:sp>
-        <p:nvSpPr>
-          <p:cNvPr id="27" name="TextBox 26"/>
-          <p:cNvSpPr txBox="1"/>
-          <p:nvPr/>
-        </p:nvSpPr>
-        <p:spPr>
-          <a:xfrm>
-            <a:off x="1893346" y="849854"/>
-            <a:ext cx="2125903" cy="769441"/>
-          </a:xfrm>
-          <a:prstGeom prst="rect">
-            <a:avLst/>
-          </a:prstGeom>
-          <a:noFill/>
-        </p:spPr>
-        <p:txBody>
-          <a:bodyPr wrap="none" rtlCol="0">
-            <a:spAutoFit/>
-          </a:bodyPr>
-          <a:lstStyle/>
-          <a:p>
-            <a:r>
-              <a:rPr lang="en-US" sz="4400" dirty="0" smtClean="0">
-                <a:latin typeface="+mj-lt"/>
-              </a:rPr>
-              <a:t>no path</a:t>
-            </a:r>
-          </a:p>
-        </p:txBody>
-      </p:sp>
     </p:spTree>
   </p:cSld>
   <p:clrMapOvr>
     <a:masterClrMapping/>
   </p:clrMapOvr>
-  <p:transition xmlns:p14="http://schemas.microsoft.com/office/powerpoint/2010/main" spd="med">
-    <p:fade/>
+  <p:transition xmlns:p14="http://schemas.microsoft.com/office/powerpoint/2010/main" spd="slow">
+    <p:fade thruBlk="1"/>
   </p:transition>
   <p:timing>
     <p:tnLst>
@@ -5048,33 +7260,825 @@
                       </p:childTnLst>
                     </p:cTn>
                   </p:par>
+                </p:childTnLst>
+              </p:cTn>
+              <p:prevCondLst>
+                <p:cond evt="onPrev" delay="0">
+                  <p:tgtEl>
+                    <p:sldTgt/>
+                  </p:tgtEl>
+                </p:cond>
+              </p:prevCondLst>
+              <p:nextCondLst>
+                <p:cond evt="onNext" delay="0">
+                  <p:tgtEl>
+                    <p:sldTgt/>
+                  </p:tgtEl>
+                </p:cond>
+              </p:nextCondLst>
+            </p:seq>
+          </p:childTnLst>
+        </p:cTn>
+      </p:par>
+    </p:tnLst>
+  </p:timing>
+</p:sld>
+</file>
+
+<file path=ppt/slides/slide13.xml><?xml version="1.0" encoding="utf-8"?>
+<p:sld xmlns:a="http://schemas.openxmlformats.org/drawingml/2006/main" xmlns:r="http://schemas.openxmlformats.org/officeDocument/2006/relationships" xmlns:p="http://schemas.openxmlformats.org/presentationml/2006/main">
+  <p:cSld>
+    <p:spTree>
+      <p:nvGrpSpPr>
+        <p:cNvPr id="1" name=""/>
+        <p:cNvGrpSpPr/>
+        <p:nvPr/>
+      </p:nvGrpSpPr>
+      <p:grpSpPr>
+        <a:xfrm>
+          <a:off x="0" y="0"/>
+          <a:ext cx="0" cy="0"/>
+          <a:chOff x="0" y="0"/>
+          <a:chExt cx="0" cy="0"/>
+        </a:xfrm>
+      </p:grpSpPr>
+      <p:sp>
+        <p:nvSpPr>
+          <p:cNvPr id="17410" name="Rectangle 2"/>
+          <p:cNvSpPr>
+            <a:spLocks noGrp="1" noChangeArrowheads="1"/>
+          </p:cNvSpPr>
+          <p:nvPr>
+            <p:ph type="title"/>
+          </p:nvPr>
+        </p:nvSpPr>
+        <p:spPr/>
+        <p:txBody>
+          <a:bodyPr/>
+          <a:lstStyle/>
+          <a:p>
+            <a:pPr eaLnBrk="1" hangingPunct="1"/>
+            <a:r>
+              <a:rPr lang="en-US" dirty="0" smtClean="0"/>
+              <a:t>Edge Connectedness</a:t>
+            </a:r>
+          </a:p>
+        </p:txBody>
+      </p:sp>
+      <p:sp>
+        <p:nvSpPr>
+          <p:cNvPr id="17411" name="Oval 4"/>
+          <p:cNvSpPr>
+            <a:spLocks noChangeArrowheads="1"/>
+          </p:cNvSpPr>
+          <p:nvPr/>
+        </p:nvSpPr>
+        <p:spPr bwMode="auto">
+          <a:xfrm>
+            <a:off x="931333" y="1744143"/>
+            <a:ext cx="377309" cy="419082"/>
+          </a:xfrm>
+          <a:prstGeom prst="ellipse">
+            <a:avLst/>
+          </a:prstGeom>
+          <a:solidFill>
+            <a:srgbClr val="0066FF"/>
+          </a:solidFill>
+          <a:ln w="25400">
+            <a:solidFill>
+              <a:schemeClr val="tx1"/>
+            </a:solidFill>
+            <a:round/>
+            <a:headEnd/>
+            <a:tailEnd type="none" w="lg" len="lg"/>
+          </a:ln>
+        </p:spPr>
+        <p:txBody>
+          <a:bodyPr wrap="none" anchor="ctr"/>
+          <a:lstStyle/>
+          <a:p>
+            <a:endParaRPr lang="en-US"/>
+          </a:p>
+        </p:txBody>
+      </p:sp>
+      <p:sp>
+        <p:nvSpPr>
+          <p:cNvPr id="17412" name="Oval 5"/>
+          <p:cNvSpPr>
+            <a:spLocks noChangeArrowheads="1"/>
+          </p:cNvSpPr>
+          <p:nvPr/>
+        </p:nvSpPr>
+        <p:spPr bwMode="auto">
+          <a:xfrm>
+            <a:off x="2254084" y="2965261"/>
+            <a:ext cx="377309" cy="419082"/>
+          </a:xfrm>
+          <a:prstGeom prst="ellipse">
+            <a:avLst/>
+          </a:prstGeom>
+          <a:solidFill>
+            <a:srgbClr val="7030A0"/>
+          </a:solidFill>
+          <a:ln w="25400">
+            <a:solidFill>
+              <a:schemeClr val="tx1"/>
+            </a:solidFill>
+            <a:round/>
+            <a:headEnd/>
+            <a:tailEnd type="none" w="lg" len="lg"/>
+          </a:ln>
+        </p:spPr>
+        <p:txBody>
+          <a:bodyPr wrap="none" anchor="ctr"/>
+          <a:lstStyle/>
+          <a:p>
+            <a:endParaRPr lang="en-US"/>
+          </a:p>
+        </p:txBody>
+      </p:sp>
+      <p:sp>
+        <p:nvSpPr>
+          <p:cNvPr id="17413" name="Oval 6"/>
+          <p:cNvSpPr>
+            <a:spLocks noChangeArrowheads="1"/>
+          </p:cNvSpPr>
+          <p:nvPr/>
+        </p:nvSpPr>
+        <p:spPr bwMode="auto">
+          <a:xfrm>
+            <a:off x="3765491" y="1744143"/>
+            <a:ext cx="377309" cy="419082"/>
+          </a:xfrm>
+          <a:prstGeom prst="ellipse">
+            <a:avLst/>
+          </a:prstGeom>
+          <a:solidFill>
+            <a:srgbClr val="7030A0"/>
+          </a:solidFill>
+          <a:ln w="25400">
+            <a:solidFill>
+              <a:schemeClr val="tx1"/>
+            </a:solidFill>
+            <a:round/>
+            <a:headEnd/>
+            <a:tailEnd type="none" w="lg" len="lg"/>
+          </a:ln>
+        </p:spPr>
+        <p:txBody>
+          <a:bodyPr wrap="none" anchor="ctr"/>
+          <a:lstStyle/>
+          <a:p>
+            <a:endParaRPr lang="en-US"/>
+          </a:p>
+        </p:txBody>
+      </p:sp>
+      <p:sp>
+        <p:nvSpPr>
+          <p:cNvPr id="17414" name="Oval 7"/>
+          <p:cNvSpPr>
+            <a:spLocks noChangeArrowheads="1"/>
+          </p:cNvSpPr>
+          <p:nvPr/>
+        </p:nvSpPr>
+        <p:spPr bwMode="auto">
+          <a:xfrm>
+            <a:off x="2254084" y="4643994"/>
+            <a:ext cx="377309" cy="419082"/>
+          </a:xfrm>
+          <a:prstGeom prst="ellipse">
+            <a:avLst/>
+          </a:prstGeom>
+          <a:solidFill>
+            <a:srgbClr val="0066FF"/>
+          </a:solidFill>
+          <a:ln w="25400">
+            <a:solidFill>
+              <a:schemeClr val="tx1"/>
+            </a:solidFill>
+            <a:round/>
+            <a:headEnd/>
+            <a:tailEnd type="none" w="lg" len="lg"/>
+          </a:ln>
+        </p:spPr>
+        <p:txBody>
+          <a:bodyPr wrap="none" anchor="ctr"/>
+          <a:lstStyle/>
+          <a:p>
+            <a:endParaRPr lang="en-US"/>
+          </a:p>
+        </p:txBody>
+      </p:sp>
+      <p:sp>
+        <p:nvSpPr>
+          <p:cNvPr id="17415" name="Oval 8"/>
+          <p:cNvSpPr>
+            <a:spLocks noChangeArrowheads="1"/>
+          </p:cNvSpPr>
+          <p:nvPr/>
+        </p:nvSpPr>
+        <p:spPr bwMode="auto">
+          <a:xfrm>
+            <a:off x="4708763" y="3603516"/>
+            <a:ext cx="379478" cy="419082"/>
+          </a:xfrm>
+          <a:prstGeom prst="ellipse">
+            <a:avLst/>
+          </a:prstGeom>
+          <a:solidFill>
+            <a:srgbClr val="0066FF"/>
+          </a:solidFill>
+          <a:ln w="25400">
+            <a:solidFill>
+              <a:schemeClr val="tx1"/>
+            </a:solidFill>
+            <a:round/>
+            <a:headEnd/>
+            <a:tailEnd type="none" w="lg" len="lg"/>
+          </a:ln>
+        </p:spPr>
+        <p:txBody>
+          <a:bodyPr wrap="none" anchor="ctr"/>
+          <a:lstStyle/>
+          <a:p>
+            <a:endParaRPr lang="en-US"/>
+          </a:p>
+        </p:txBody>
+      </p:sp>
+      <p:sp>
+        <p:nvSpPr>
+          <p:cNvPr id="17416" name="Oval 9"/>
+          <p:cNvSpPr>
+            <a:spLocks noChangeArrowheads="1"/>
+          </p:cNvSpPr>
+          <p:nvPr/>
+        </p:nvSpPr>
+        <p:spPr bwMode="auto">
+          <a:xfrm>
+            <a:off x="3954145" y="4643994"/>
+            <a:ext cx="377309" cy="419082"/>
+          </a:xfrm>
+          <a:prstGeom prst="ellipse">
+            <a:avLst/>
+          </a:prstGeom>
+          <a:solidFill>
+            <a:srgbClr val="0066FF"/>
+          </a:solidFill>
+          <a:ln w="25400">
+            <a:solidFill>
+              <a:schemeClr val="tx1"/>
+            </a:solidFill>
+            <a:round/>
+            <a:headEnd/>
+            <a:tailEnd type="none" w="lg" len="lg"/>
+          </a:ln>
+        </p:spPr>
+        <p:txBody>
+          <a:bodyPr wrap="none" anchor="ctr"/>
+          <a:lstStyle/>
+          <a:p>
+            <a:endParaRPr lang="en-US"/>
+          </a:p>
+        </p:txBody>
+      </p:sp>
+      <p:sp>
+        <p:nvSpPr>
+          <p:cNvPr id="17417" name="Oval 10"/>
+          <p:cNvSpPr>
+            <a:spLocks noChangeArrowheads="1"/>
+          </p:cNvSpPr>
+          <p:nvPr/>
+        </p:nvSpPr>
+        <p:spPr bwMode="auto">
+          <a:xfrm>
+            <a:off x="5901408" y="1744143"/>
+            <a:ext cx="377309" cy="419082"/>
+          </a:xfrm>
+          <a:prstGeom prst="ellipse">
+            <a:avLst/>
+          </a:prstGeom>
+          <a:solidFill>
+            <a:srgbClr val="0066FF"/>
+          </a:solidFill>
+          <a:ln w="25400">
+            <a:solidFill>
+              <a:schemeClr val="tx1"/>
+            </a:solidFill>
+            <a:round/>
+            <a:headEnd/>
+            <a:tailEnd type="none" w="lg" len="lg"/>
+          </a:ln>
+        </p:spPr>
+        <p:txBody>
+          <a:bodyPr wrap="none" anchor="ctr"/>
+          <a:lstStyle/>
+          <a:p>
+            <a:endParaRPr lang="en-US"/>
+          </a:p>
+        </p:txBody>
+      </p:sp>
+      <p:sp>
+        <p:nvSpPr>
+          <p:cNvPr id="17418" name="Oval 11"/>
+          <p:cNvSpPr>
+            <a:spLocks noChangeArrowheads="1"/>
+          </p:cNvSpPr>
+          <p:nvPr/>
+        </p:nvSpPr>
+        <p:spPr bwMode="auto">
+          <a:xfrm>
+            <a:off x="5899240" y="4643994"/>
+            <a:ext cx="377309" cy="419082"/>
+          </a:xfrm>
+          <a:prstGeom prst="ellipse">
+            <a:avLst/>
+          </a:prstGeom>
+          <a:solidFill>
+            <a:srgbClr val="0066FF"/>
+          </a:solidFill>
+          <a:ln w="25400">
+            <a:solidFill>
+              <a:schemeClr val="tx1"/>
+            </a:solidFill>
+            <a:round/>
+            <a:headEnd/>
+            <a:tailEnd type="none" w="lg" len="lg"/>
+          </a:ln>
+        </p:spPr>
+        <p:txBody>
+          <a:bodyPr wrap="none" anchor="ctr"/>
+          <a:lstStyle/>
+          <a:p>
+            <a:endParaRPr lang="en-US"/>
+          </a:p>
+        </p:txBody>
+      </p:sp>
+      <p:sp>
+        <p:nvSpPr>
+          <p:cNvPr id="17419" name="Oval 12"/>
+          <p:cNvSpPr>
+            <a:spLocks noChangeArrowheads="1"/>
+          </p:cNvSpPr>
+          <p:nvPr/>
+        </p:nvSpPr>
+        <p:spPr bwMode="auto">
+          <a:xfrm>
+            <a:off x="7911557" y="3603516"/>
+            <a:ext cx="377309" cy="419082"/>
+          </a:xfrm>
+          <a:prstGeom prst="ellipse">
+            <a:avLst/>
+          </a:prstGeom>
+          <a:solidFill>
+            <a:srgbClr val="0066FF"/>
+          </a:solidFill>
+          <a:ln w="25400">
+            <a:solidFill>
+              <a:schemeClr val="tx1"/>
+            </a:solidFill>
+            <a:round/>
+            <a:headEnd/>
+            <a:tailEnd type="none" w="lg" len="lg"/>
+          </a:ln>
+        </p:spPr>
+        <p:txBody>
+          <a:bodyPr wrap="none" anchor="ctr"/>
+          <a:lstStyle/>
+          <a:p>
+            <a:endParaRPr lang="en-US"/>
+          </a:p>
+        </p:txBody>
+      </p:sp>
+      <p:cxnSp>
+        <p:nvCxnSpPr>
+          <p:cNvPr id="17420" name="AutoShape 13"/>
+          <p:cNvCxnSpPr>
+            <a:cxnSpLocks noChangeShapeType="1"/>
+            <a:stCxn id="17411" idx="5"/>
+            <a:endCxn id="17412" idx="1"/>
+          </p:cNvCxnSpPr>
+          <p:nvPr/>
+        </p:nvCxnSpPr>
+        <p:spPr bwMode="auto">
+          <a:xfrm>
+            <a:off x="1254432" y="2103012"/>
+            <a:ext cx="1053864" cy="922460"/>
+          </a:xfrm>
+          <a:prstGeom prst="straightConnector1">
+            <a:avLst/>
+          </a:prstGeom>
+          <a:noFill/>
+          <a:ln w="25400">
+            <a:solidFill>
+              <a:schemeClr val="tx1"/>
+            </a:solidFill>
+            <a:round/>
+            <a:headEnd/>
+            <a:tailEnd type="none" w="lg" len="lg"/>
+          </a:ln>
+        </p:spPr>
+      </p:cxnSp>
+      <p:cxnSp>
+        <p:nvCxnSpPr>
+          <p:cNvPr id="17423" name="AutoShape 16"/>
+          <p:cNvCxnSpPr>
+            <a:cxnSpLocks noChangeShapeType="1"/>
+            <a:stCxn id="17412" idx="4"/>
+            <a:endCxn id="17414" idx="0"/>
+          </p:cNvCxnSpPr>
+          <p:nvPr/>
+        </p:nvCxnSpPr>
+        <p:spPr bwMode="auto">
+          <a:xfrm>
+            <a:off x="2442740" y="3384342"/>
+            <a:ext cx="0" cy="1259652"/>
+          </a:xfrm>
+          <a:prstGeom prst="straightConnector1">
+            <a:avLst/>
+          </a:prstGeom>
+          <a:noFill/>
+          <a:ln w="25400">
+            <a:solidFill>
+              <a:schemeClr val="tx1"/>
+            </a:solidFill>
+            <a:round/>
+            <a:headEnd/>
+            <a:tailEnd type="none" w="lg" len="lg"/>
+          </a:ln>
+        </p:spPr>
+      </p:cxnSp>
+      <p:cxnSp>
+        <p:nvCxnSpPr>
+          <p:cNvPr id="17424" name="AutoShape 17"/>
+          <p:cNvCxnSpPr>
+            <a:cxnSpLocks noChangeShapeType="1"/>
+            <a:stCxn id="17414" idx="6"/>
+            <a:endCxn id="17416" idx="2"/>
+          </p:cNvCxnSpPr>
+          <p:nvPr/>
+        </p:nvCxnSpPr>
+        <p:spPr bwMode="auto">
+          <a:xfrm>
+            <a:off x="2631394" y="4853536"/>
+            <a:ext cx="1322751" cy="0"/>
+          </a:xfrm>
+          <a:prstGeom prst="straightConnector1">
+            <a:avLst/>
+          </a:prstGeom>
+          <a:noFill/>
+          <a:ln w="25400">
+            <a:solidFill>
+              <a:schemeClr val="tx1"/>
+            </a:solidFill>
+            <a:round/>
+            <a:headEnd/>
+            <a:tailEnd type="none" w="lg" len="lg"/>
+          </a:ln>
+        </p:spPr>
+      </p:cxnSp>
+      <p:cxnSp>
+        <p:nvCxnSpPr>
+          <p:cNvPr id="17426" name="AutoShape 19"/>
+          <p:cNvCxnSpPr>
+            <a:cxnSpLocks noChangeShapeType="1"/>
+            <a:stCxn id="17419" idx="3"/>
+            <a:endCxn id="17418" idx="7"/>
+          </p:cNvCxnSpPr>
+          <p:nvPr/>
+        </p:nvCxnSpPr>
+        <p:spPr bwMode="auto">
+          <a:xfrm flipH="1">
+            <a:off x="6222338" y="3962386"/>
+            <a:ext cx="1743429" cy="741822"/>
+          </a:xfrm>
+          <a:prstGeom prst="straightConnector1">
+            <a:avLst/>
+          </a:prstGeom>
+          <a:noFill/>
+          <a:ln w="25400">
+            <a:solidFill>
+              <a:schemeClr val="tx1"/>
+            </a:solidFill>
+            <a:round/>
+            <a:headEnd/>
+            <a:tailEnd type="none" w="lg" len="lg"/>
+          </a:ln>
+        </p:spPr>
+      </p:cxnSp>
+      <p:cxnSp>
+        <p:nvCxnSpPr>
+          <p:cNvPr id="17427" name="AutoShape 20"/>
+          <p:cNvCxnSpPr>
+            <a:cxnSpLocks noChangeShapeType="1"/>
+            <a:stCxn id="17417" idx="5"/>
+            <a:endCxn id="17419" idx="1"/>
+          </p:cNvCxnSpPr>
+          <p:nvPr/>
+        </p:nvCxnSpPr>
+        <p:spPr bwMode="auto">
+          <a:xfrm>
+            <a:off x="6224507" y="2103012"/>
+            <a:ext cx="1741260" cy="1560717"/>
+          </a:xfrm>
+          <a:prstGeom prst="straightConnector1">
+            <a:avLst/>
+          </a:prstGeom>
+          <a:noFill/>
+          <a:ln w="25400">
+            <a:solidFill>
+              <a:schemeClr val="tx1"/>
+            </a:solidFill>
+            <a:round/>
+            <a:headEnd/>
+            <a:tailEnd type="none" w="lg" len="lg"/>
+          </a:ln>
+        </p:spPr>
+      </p:cxnSp>
+      <p:cxnSp>
+        <p:nvCxnSpPr>
+          <p:cNvPr id="17428" name="AutoShape 21"/>
+          <p:cNvCxnSpPr>
+            <a:cxnSpLocks noChangeShapeType="1"/>
+            <a:stCxn id="17417" idx="4"/>
+            <a:endCxn id="17418" idx="0"/>
+          </p:cNvCxnSpPr>
+          <p:nvPr/>
+        </p:nvCxnSpPr>
+        <p:spPr bwMode="auto">
+          <a:xfrm flipH="1">
+            <a:off x="6087894" y="2163225"/>
+            <a:ext cx="2169" cy="2480770"/>
+          </a:xfrm>
+          <a:prstGeom prst="straightConnector1">
+            <a:avLst/>
+          </a:prstGeom>
+          <a:noFill/>
+          <a:ln w="25400">
+            <a:solidFill>
+              <a:schemeClr val="tx1"/>
+            </a:solidFill>
+            <a:round/>
+            <a:headEnd/>
+            <a:tailEnd type="none" w="lg" len="lg"/>
+          </a:ln>
+        </p:spPr>
+      </p:cxnSp>
+      <p:cxnSp>
+        <p:nvCxnSpPr>
+          <p:cNvPr id="17429" name="AutoShape 22"/>
+          <p:cNvCxnSpPr>
+            <a:cxnSpLocks noChangeShapeType="1"/>
+            <a:stCxn id="17415" idx="6"/>
+            <a:endCxn id="17419" idx="2"/>
+          </p:cNvCxnSpPr>
+          <p:nvPr/>
+        </p:nvCxnSpPr>
+        <p:spPr bwMode="auto">
+          <a:xfrm>
+            <a:off x="5088242" y="3813058"/>
+            <a:ext cx="2823315" cy="0"/>
+          </a:xfrm>
+          <a:prstGeom prst="straightConnector1">
+            <a:avLst/>
+          </a:prstGeom>
+          <a:noFill/>
+          <a:ln w="25400">
+            <a:solidFill>
+              <a:schemeClr val="tx1"/>
+            </a:solidFill>
+            <a:round/>
+            <a:headEnd/>
+            <a:tailEnd type="none" w="lg" len="lg"/>
+          </a:ln>
+        </p:spPr>
+      </p:cxnSp>
+      <p:cxnSp>
+        <p:nvCxnSpPr>
+          <p:cNvPr id="17430" name="AutoShape 24"/>
+          <p:cNvCxnSpPr>
+            <a:cxnSpLocks noChangeShapeType="1"/>
+            <a:stCxn id="17413" idx="5"/>
+            <a:endCxn id="17415" idx="1"/>
+          </p:cNvCxnSpPr>
+          <p:nvPr/>
+        </p:nvCxnSpPr>
+        <p:spPr bwMode="auto">
+          <a:xfrm>
+            <a:off x="4088588" y="2103012"/>
+            <a:ext cx="676555" cy="1560717"/>
+          </a:xfrm>
+          <a:prstGeom prst="straightConnector1">
+            <a:avLst/>
+          </a:prstGeom>
+          <a:noFill/>
+          <a:ln w="25400">
+            <a:solidFill>
+              <a:schemeClr val="tx1"/>
+            </a:solidFill>
+            <a:round/>
+            <a:headEnd/>
+            <a:tailEnd type="none" w="lg" len="lg"/>
+          </a:ln>
+        </p:spPr>
+      </p:cxnSp>
+      <p:sp>
+        <p:nvSpPr>
+          <p:cNvPr id="24" name="Slide Number Placeholder 3"/>
+          <p:cNvSpPr>
+            <a:spLocks noGrp="1"/>
+          </p:cNvSpPr>
+          <p:nvPr>
+            <p:ph type="sldNum" sz="quarter" idx="10"/>
+          </p:nvPr>
+        </p:nvSpPr>
+        <p:spPr/>
+        <p:txBody>
+          <a:bodyPr/>
+          <a:lstStyle/>
+          <a:p>
+            <a:pPr>
+              <a:defRPr/>
+            </a:pPr>
+            <a:r>
+              <a:rPr lang="en-US" dirty="0" err="1"/>
+              <a:t>lec</a:t>
+            </a:r>
+            <a:r>
+              <a:rPr lang="en-US" dirty="0" smtClean="0"/>
+              <a:t> 8M.</a:t>
+            </a:r>
+            <a:fld id="{43E12C49-E36A-496C-9DCA-6E960B9FC41B}" type="slidenum">
+              <a:rPr lang="en-US" smtClean="0"/>
+              <a:pPr>
+                <a:defRPr/>
+              </a:pPr>
+              <a:t>13</a:t>
+            </a:fld>
+            <a:endParaRPr lang="en-US" dirty="0"/>
+          </a:p>
+        </p:txBody>
+      </p:sp>
+      <p:sp>
+        <p:nvSpPr>
+          <p:cNvPr id="25" name="TextBox 24"/>
+          <p:cNvSpPr txBox="1"/>
+          <p:nvPr/>
+        </p:nvSpPr>
+        <p:spPr>
+          <a:xfrm>
+            <a:off x="2222267" y="5604934"/>
+            <a:ext cx="4867038" cy="769441"/>
+          </a:xfrm>
+          <a:prstGeom prst="rect">
+            <a:avLst/>
+          </a:prstGeom>
+          <a:noFill/>
+        </p:spPr>
+        <p:txBody>
+          <a:bodyPr wrap="none" rtlCol="0">
+            <a:spAutoFit/>
+          </a:bodyPr>
+          <a:lstStyle/>
+          <a:p>
+            <a:r>
+              <a:rPr lang="en-US" sz="4400" dirty="0" smtClean="0">
+                <a:latin typeface="+mj-lt"/>
+              </a:rPr>
+              <a:t>3-</a:t>
+            </a:r>
+            <a:r>
+              <a:rPr lang="en-US" sz="4400" dirty="0" smtClean="0">
+                <a:solidFill>
+                  <a:srgbClr val="7030A0"/>
+                </a:solidFill>
+                <a:latin typeface="+mj-lt"/>
+              </a:rPr>
+              <a:t>edge</a:t>
+            </a:r>
+            <a:r>
+              <a:rPr lang="en-US" sz="4400" dirty="0" smtClean="0">
+                <a:latin typeface="+mj-lt"/>
+              </a:rPr>
+              <a:t> connected</a:t>
+            </a:r>
+            <a:endParaRPr lang="en-US" sz="4400" dirty="0">
+              <a:latin typeface="+mj-lt"/>
+            </a:endParaRPr>
+          </a:p>
+        </p:txBody>
+      </p:sp>
+      <p:cxnSp>
+        <p:nvCxnSpPr>
+          <p:cNvPr id="26" name="Straight Connector 25"/>
+          <p:cNvCxnSpPr/>
+          <p:nvPr/>
+        </p:nvCxnSpPr>
+        <p:spPr bwMode="auto">
+          <a:xfrm>
+            <a:off x="1280160" y="1387736"/>
+            <a:ext cx="4625788" cy="3937299"/>
+          </a:xfrm>
+          <a:prstGeom prst="line">
+            <a:avLst/>
+          </a:prstGeom>
+          <a:noFill/>
+          <a:ln w="31750" cap="flat" cmpd="sng" algn="ctr">
+            <a:solidFill>
+              <a:schemeClr val="tx1"/>
+            </a:solidFill>
+            <a:prstDash val="sysDash"/>
+            <a:round/>
+            <a:headEnd type="none" w="med" len="med"/>
+            <a:tailEnd type="none" w="lg" len="lg"/>
+          </a:ln>
+          <a:effectLst/>
+        </p:spPr>
+      </p:cxnSp>
+      <p:sp>
+        <p:nvSpPr>
+          <p:cNvPr id="27" name="TextBox 26"/>
+          <p:cNvSpPr txBox="1"/>
+          <p:nvPr/>
+        </p:nvSpPr>
+        <p:spPr>
+          <a:xfrm>
+            <a:off x="1893346" y="849854"/>
+            <a:ext cx="2125903" cy="769441"/>
+          </a:xfrm>
+          <a:prstGeom prst="rect">
+            <a:avLst/>
+          </a:prstGeom>
+          <a:noFill/>
+        </p:spPr>
+        <p:txBody>
+          <a:bodyPr wrap="none" rtlCol="0">
+            <a:spAutoFit/>
+          </a:bodyPr>
+          <a:lstStyle/>
+          <a:p>
+            <a:r>
+              <a:rPr lang="en-US" sz="4400" dirty="0" smtClean="0">
+                <a:solidFill>
+                  <a:srgbClr val="930093"/>
+                </a:solidFill>
+                <a:latin typeface="+mj-lt"/>
+              </a:rPr>
+              <a:t>no path</a:t>
+            </a:r>
+          </a:p>
+        </p:txBody>
+      </p:sp>
+    </p:spTree>
+    <p:extLst>
+      <p:ext uri="{BB962C8B-B14F-4D97-AF65-F5344CB8AC3E}">
+        <p14:creationId xmlns:p14="http://schemas.microsoft.com/office/powerpoint/2010/main" val="2932554445"/>
+      </p:ext>
+    </p:extLst>
+  </p:cSld>
+  <p:clrMapOvr>
+    <a:masterClrMapping/>
+  </p:clrMapOvr>
+  <p:transition xmlns:p14="http://schemas.microsoft.com/office/powerpoint/2010/main">
+    <p:fade/>
+  </p:transition>
+  <p:timing>
+    <p:tnLst>
+      <p:par>
+        <p:cTn xmlns:p14="http://schemas.microsoft.com/office/powerpoint/2010/main" id="1" dur="indefinite" restart="never" nodeType="tmRoot">
+          <p:childTnLst>
+            <p:seq concurrent="1" nextAc="seek">
+              <p:cTn id="2" dur="indefinite" nodeType="mainSeq">
+                <p:childTnLst>
                   <p:par>
-                    <p:cTn id="8" fill="hold">
+                    <p:cTn id="3" fill="hold">
                       <p:stCondLst>
                         <p:cond delay="indefinite"/>
+                        <p:cond evt="onBegin" delay="0">
+                          <p:tn val="2"/>
+                        </p:cond>
                       </p:stCondLst>
                       <p:childTnLst>
                         <p:par>
-                          <p:cTn id="9" fill="hold">
+                          <p:cTn id="4" fill="hold">
                             <p:stCondLst>
                               <p:cond delay="0"/>
                             </p:stCondLst>
                             <p:childTnLst>
                               <p:par>
-                                <p:cTn id="10" presetID="9" presetClass="entr" presetSubtype="0" fill="hold" nodeType="clickEffect">
+                                <p:cTn id="5" presetID="22" presetClass="entr" presetSubtype="1" fill="hold" nodeType="afterEffect">
                                   <p:stCondLst>
-                                    <p:cond delay="0"/>
+                                    <p:cond delay="500"/>
                                   </p:stCondLst>
                                   <p:childTnLst>
                                     <p:set>
                                       <p:cBhvr>
-                                        <p:cTn id="11" dur="1" fill="hold">
+                                        <p:cTn id="6" dur="1" fill="hold">
                                           <p:stCondLst>
                                             <p:cond delay="0"/>
                                           </p:stCondLst>
                                         </p:cTn>
                                         <p:tgtEl>
-                                          <p:spTgt spid="45"/>
+                                          <p:spTgt spid="26"/>
                                         </p:tgtEl>
                                         <p:attrNameLst>
                                           <p:attrName>style.visibility</p:attrName>
@@ -5084,26 +8088,35 @@
                                         <p:strVal val="visible"/>
                                       </p:to>
                                     </p:set>
-                                    <p:animEffect transition="in" filter="dissolve">
+                                    <p:animEffect transition="in" filter="wipe(up)">
                                       <p:cBhvr>
-                                        <p:cTn id="12" dur="500"/>
+                                        <p:cTn id="7" dur="500"/>
                                         <p:tgtEl>
-                                          <p:spTgt spid="45"/>
+                                          <p:spTgt spid="26"/>
                                         </p:tgtEl>
                                       </p:cBhvr>
                                     </p:animEffect>
                                   </p:childTnLst>
                                 </p:cTn>
                               </p:par>
+                            </p:childTnLst>
+                          </p:cTn>
+                        </p:par>
+                        <p:par>
+                          <p:cTn id="8" fill="hold">
+                            <p:stCondLst>
+                              <p:cond delay="1000"/>
+                            </p:stCondLst>
+                            <p:childTnLst>
                               <p:par>
-                                <p:cTn id="13" presetID="9" presetClass="entr" presetSubtype="0" fill="hold" grpId="0" nodeType="withEffect">
+                                <p:cTn id="9" presetID="9" presetClass="entr" presetSubtype="0" fill="hold" grpId="0" nodeType="afterEffect">
                                   <p:stCondLst>
                                     <p:cond delay="0"/>
                                   </p:stCondLst>
                                   <p:childTnLst>
                                     <p:set>
                                       <p:cBhvr>
-                                        <p:cTn id="14" dur="1" fill="hold">
+                                        <p:cTn id="10" dur="1" fill="hold">
                                           <p:stCondLst>
                                             <p:cond delay="0"/>
                                           </p:stCondLst>
@@ -5121,53 +8134,9 @@
                                     </p:set>
                                     <p:animEffect transition="in" filter="dissolve">
                                       <p:cBhvr>
-                                        <p:cTn id="15" dur="500"/>
+                                        <p:cTn id="11" dur="500"/>
                                         <p:tgtEl>
                                           <p:spTgt spid="27"/>
-                                        </p:tgtEl>
-                                      </p:cBhvr>
-                                    </p:animEffect>
-                                  </p:childTnLst>
-                                </p:cTn>
-                              </p:par>
-                            </p:childTnLst>
-                          </p:cTn>
-                        </p:par>
-                        <p:par>
-                          <p:cTn id="16" fill="hold">
-                            <p:stCondLst>
-                              <p:cond delay="500"/>
-                            </p:stCondLst>
-                            <p:childTnLst>
-                              <p:par>
-                                <p:cTn id="17" presetID="9" presetClass="entr" presetSubtype="0" fill="hold" nodeType="afterEffect">
-                                  <p:stCondLst>
-                                    <p:cond delay="500"/>
-                                  </p:stCondLst>
-                                  <p:childTnLst>
-                                    <p:set>
-                                      <p:cBhvr>
-                                        <p:cTn id="18" dur="1" fill="hold">
-                                          <p:stCondLst>
-                                            <p:cond delay="0"/>
-                                          </p:stCondLst>
-                                        </p:cTn>
-                                        <p:tgtEl>
-                                          <p:spTgt spid="26"/>
-                                        </p:tgtEl>
-                                        <p:attrNameLst>
-                                          <p:attrName>style.visibility</p:attrName>
-                                        </p:attrNameLst>
-                                      </p:cBhvr>
-                                      <p:to>
-                                        <p:strVal val="visible"/>
-                                      </p:to>
-                                    </p:set>
-                                    <p:animEffect transition="in" filter="dissolve">
-                                      <p:cBhvr>
-                                        <p:cTn id="19" dur="1000"/>
-                                        <p:tgtEl>
-                                          <p:spTgt spid="26"/>
                                         </p:tgtEl>
                                       </p:cBhvr>
                                     </p:animEffect>
@@ -5208,7 +8177,7 @@
 </p:sld>
 </file>
 
-<file path=ppt/slides/slide11.xml><?xml version="1.0" encoding="utf-8"?>
+<file path=ppt/slides/slide14.xml><?xml version="1.0" encoding="utf-8"?>
 <p:sld xmlns:a="http://schemas.openxmlformats.org/drawingml/2006/main" xmlns:r="http://schemas.openxmlformats.org/officeDocument/2006/relationships" xmlns:p="http://schemas.openxmlformats.org/presentationml/2006/main">
   <p:cSld>
     <p:spTree>
@@ -5281,8 +8250,8 @@
         </p:nvSpPr>
         <p:spPr>
           <a:xfrm>
-            <a:off x="227806" y="1816720"/>
-            <a:ext cx="8764588" cy="3161672"/>
+            <a:off x="221385" y="1354940"/>
+            <a:ext cx="8777430" cy="4017797"/>
           </a:xfrm>
         </p:spPr>
         <p:txBody>
@@ -5295,39 +8264,99 @@
               </a:lnSpc>
             </a:pPr>
             <a:r>
-              <a:rPr lang="en-US" sz="4800" i="1" dirty="0" smtClean="0"/>
-              <a:t>Def: </a:t>
-            </a:r>
-            <a:r>
-              <a:rPr lang="en-US" sz="4800" dirty="0" smtClean="0"/>
-              <a:t>A whole </a:t>
+              <a:rPr lang="en-US" sz="4800" dirty="0" smtClean="0">
+                <a:solidFill>
+                  <a:srgbClr val="930093"/>
+                </a:solidFill>
+              </a:rPr>
+              <a:t>Def:</a:t>
             </a:r>
             <a:r>
               <a:rPr lang="en-US" sz="5400" i="1" dirty="0" smtClean="0"/>
+              <a:t> </a:t>
+            </a:r>
+            <a:r>
+              <a:rPr lang="en-US" sz="5400" dirty="0" smtClean="0"/>
+              <a:t>A </a:t>
+            </a:r>
+            <a:r>
+              <a:rPr lang="en-US" sz="6000" dirty="0" smtClean="0">
+                <a:solidFill>
+                  <a:srgbClr val="930093"/>
+                </a:solidFill>
+              </a:rPr>
               <a:t>graph</a:t>
             </a:r>
             <a:r>
-              <a:rPr lang="en-US" sz="5400" dirty="0" smtClean="0"/>
+              <a:rPr lang="en-US" sz="6000" dirty="0" smtClean="0"/>
               <a:t> is</a:t>
             </a:r>
-            <a:r>
-              <a:rPr lang="en-US" sz="5400" dirty="0" smtClean="0">
+            <a:endParaRPr lang="en-US" sz="6000" dirty="0">
+              <a:solidFill>
+                <a:srgbClr val="0033CC"/>
+              </a:solidFill>
+            </a:endParaRPr>
+          </a:p>
+          <a:p>
+            <a:pPr algn="ctr" eaLnBrk="1" hangingPunct="1">
+              <a:lnSpc>
+                <a:spcPct val="90000"/>
+              </a:lnSpc>
+            </a:pPr>
+            <a:r>
+              <a:rPr lang="en-US" sz="6000" dirty="0" smtClean="0">
                 <a:solidFill>
                   <a:srgbClr val="0033CC"/>
                 </a:solidFill>
               </a:rPr>
-              <a:t> k-edge connected </a:t>
-            </a:r>
-            <a:r>
-              <a:rPr lang="en-US" sz="5400" dirty="0" err="1" smtClean="0"/>
+              <a:t>k</a:t>
+            </a:r>
+            <a:r>
+              <a:rPr lang="en-US" sz="6000" dirty="0" smtClean="0">
+                <a:solidFill>
+                  <a:srgbClr val="0033CC"/>
+                </a:solidFill>
+              </a:rPr>
+              <a:t>-edge connected </a:t>
+            </a:r>
+            <a:endParaRPr lang="en-US" sz="6000" dirty="0" smtClean="0">
+              <a:solidFill>
+                <a:srgbClr val="0033CC"/>
+              </a:solidFill>
+            </a:endParaRPr>
+          </a:p>
+          <a:p>
+            <a:pPr eaLnBrk="1" hangingPunct="1">
+              <a:lnSpc>
+                <a:spcPct val="90000"/>
+              </a:lnSpc>
+            </a:pPr>
+            <a:r>
+              <a:rPr lang="en-US" sz="6000" dirty="0" err="1" smtClean="0"/>
               <a:t>iff</a:t>
             </a:r>
             <a:r>
-              <a:rPr lang="en-US" sz="5400" dirty="0" smtClean="0"/>
-              <a:t> every two vertices are </a:t>
-            </a:r>
-            <a:r>
-              <a:rPr lang="en-US" sz="5400" dirty="0" smtClean="0">
+              <a:rPr lang="en-US" sz="6000" dirty="0" smtClean="0"/>
+              <a:t> </a:t>
+            </a:r>
+            <a:r>
+              <a:rPr lang="en-US" sz="6000" dirty="0" smtClean="0"/>
+              <a:t>every two vertices </a:t>
+            </a:r>
+            <a:endParaRPr lang="en-US" sz="6000" dirty="0" smtClean="0"/>
+          </a:p>
+          <a:p>
+            <a:pPr eaLnBrk="1" hangingPunct="1">
+              <a:lnSpc>
+                <a:spcPct val="90000"/>
+              </a:lnSpc>
+            </a:pPr>
+            <a:r>
+              <a:rPr lang="en-US" sz="6000" dirty="0" smtClean="0"/>
+              <a:t>are </a:t>
+            </a:r>
+            <a:r>
+              <a:rPr lang="en-US" sz="6000" dirty="0" smtClean="0">
                 <a:solidFill>
                   <a:schemeClr val="accent1">
                     <a:lumMod val="50000"/>
@@ -5337,7 +8366,7 @@
               <a:t>k</a:t>
             </a:r>
             <a:r>
-              <a:rPr lang="en-US" sz="5400" dirty="0" smtClean="0"/>
+              <a:rPr lang="en-US" sz="6000" dirty="0" smtClean="0"/>
               <a:t>-edge connected.</a:t>
             </a:r>
           </a:p>
@@ -5374,7 +8403,7 @@
               <a:pPr>
                 <a:defRPr/>
               </a:pPr>
-              <a:t>11</a:t>
+              <a:t>14</a:t>
             </a:fld>
             <a:endParaRPr lang="en-US" dirty="0"/>
           </a:p>
@@ -5398,7 +8427,7 @@
 </p:sld>
 </file>
 
-<file path=ppt/slides/slide12.xml><?xml version="1.0" encoding="utf-8"?>
+<file path=ppt/slides/slide15.xml><?xml version="1.0" encoding="utf-8"?>
 <p:sld xmlns:a="http://schemas.openxmlformats.org/drawingml/2006/main" xmlns:r="http://schemas.openxmlformats.org/officeDocument/2006/relationships" xmlns:p="http://schemas.openxmlformats.org/presentationml/2006/main">
   <p:cSld>
     <p:spTree>
@@ -5446,7 +8475,7 @@
               <a:pPr>
                 <a:defRPr/>
               </a:pPr>
-              <a:t>12</a:t>
+              <a:t>15</a:t>
             </a:fld>
             <a:endParaRPr lang="en-US" dirty="0"/>
           </a:p>
@@ -5603,7 +8632,7 @@
 </p:sld>
 </file>
 
-<file path=ppt/slides/slide13.xml><?xml version="1.0" encoding="utf-8"?>
+<file path=ppt/slides/slide16.xml><?xml version="1.0" encoding="utf-8"?>
 <p:sld xmlns:a="http://schemas.openxmlformats.org/drawingml/2006/main" xmlns:r="http://schemas.openxmlformats.org/officeDocument/2006/relationships" xmlns:p="http://schemas.openxmlformats.org/presentationml/2006/main">
   <p:cSld>
     <p:spTree>
@@ -6448,7 +9477,7 @@
               <a:pPr>
                 <a:defRPr/>
               </a:pPr>
-              <a:t>13</a:t>
+              <a:t>16</a:t>
             </a:fld>
             <a:endParaRPr lang="en-US" dirty="0"/>
           </a:p>
@@ -6902,7 +9931,7 @@
 </p:sld>
 </file>
 
-<file path=ppt/slides/slide14.xml><?xml version="1.0" encoding="utf-8"?>
+<file path=ppt/slides/slide17.xml><?xml version="1.0" encoding="utf-8"?>
 <p:sld xmlns:a="http://schemas.openxmlformats.org/drawingml/2006/main" xmlns:r="http://schemas.openxmlformats.org/officeDocument/2006/relationships" xmlns:p="http://schemas.openxmlformats.org/presentationml/2006/main">
   <p:cSld>
     <p:spTree>
@@ -6935,14 +9964,14 @@
           <a:lstStyle/>
           <a:p>
             <a:r>
-              <a:rPr lang="en-US" dirty="0" err="1" smtClean="0"/>
+              <a:rPr lang="en-US" sz="4400" dirty="0" err="1" smtClean="0"/>
               <a:t>Menger’s</a:t>
             </a:r>
             <a:r>
-              <a:rPr lang="en-US" dirty="0" smtClean="0"/>
+              <a:rPr lang="en-US" sz="4400" dirty="0" smtClean="0"/>
               <a:t> Theorem</a:t>
             </a:r>
-            <a:endParaRPr lang="en-US" dirty="0"/>
+            <a:endParaRPr lang="en-US" sz="4400" dirty="0"/>
           </a:p>
         </p:txBody>
       </p:sp>
@@ -6997,7 +10026,7 @@
             <a:r>
               <a:rPr lang="en-US" sz="6000" dirty="0" smtClean="0">
                 <a:solidFill>
-                  <a:srgbClr val="660066"/>
+                  <a:srgbClr val="930093"/>
                 </a:solidFill>
               </a:rPr>
               <a:t>edge-disjoint</a:t>
@@ -7037,7 +10066,7 @@
               <a:pPr>
                 <a:defRPr/>
               </a:pPr>
-              <a:t>14</a:t>
+              <a:t>17</a:t>
             </a:fld>
             <a:endParaRPr lang="en-US" dirty="0"/>
           </a:p>
@@ -7053,10 +10082,17 @@
   <p:clrMapOvr>
     <a:masterClrMapping/>
   </p:clrMapOvr>
+  <p:timing>
+    <p:tnLst>
+      <p:par>
+        <p:cTn xmlns:p14="http://schemas.microsoft.com/office/powerpoint/2010/main" id="1" dur="indefinite" restart="never" nodeType="tmRoot"/>
+      </p:par>
+    </p:tnLst>
+  </p:timing>
 </p:sld>
 </file>
 
-<file path=ppt/slides/slide15.xml><?xml version="1.0" encoding="utf-8"?>
+<file path=ppt/slides/slide18.xml><?xml version="1.0" encoding="utf-8"?>
 <p:sld xmlns:a="http://schemas.openxmlformats.org/drawingml/2006/main" xmlns:r="http://schemas.openxmlformats.org/officeDocument/2006/relationships" xmlns:p="http://schemas.openxmlformats.org/presentationml/2006/main" show="0">
   <p:cSld>
     <p:spTree>
@@ -7451,7 +10487,7 @@
               <a:pPr>
                 <a:defRPr/>
               </a:pPr>
-              <a:t>15</a:t>
+              <a:t>18</a:t>
             </a:fld>
             <a:endParaRPr lang="en-US" dirty="0"/>
           </a:p>
@@ -9466,7 +12502,7 @@
                             </p:stCondLst>
                             <p:childTnLst>
                               <p:par>
-                                <p:cTn id="18" presetID="1" presetClass="entr" presetSubtype="0" fill="hold" grpId="0" nodeType="clickEffect">
+                                <p:cTn id="18" presetID="9" presetClass="entr" presetSubtype="0" fill="hold" grpId="0" nodeType="clickEffect">
                                   <p:stCondLst>
                                     <p:cond delay="0"/>
                                   </p:stCondLst>
@@ -9493,18 +12529,30 @@
                                         <p:strVal val="visible"/>
                                       </p:to>
                                     </p:set>
+                                    <p:animEffect transition="in" filter="dissolve">
+                                      <p:cBhvr>
+                                        <p:cTn id="20" dur="500"/>
+                                        <p:tgtEl>
+                                          <p:spTgt spid="767019">
+                                            <p:txEl>
+                                              <p:pRg st="0" end="0"/>
+                                            </p:txEl>
+                                          </p:spTgt>
+                                        </p:tgtEl>
+                                      </p:cBhvr>
+                                    </p:animEffect>
                                   </p:childTnLst>
                                 </p:cTn>
                               </p:par>
                               <p:par>
-                                <p:cTn id="20" presetID="1" presetClass="entr" presetSubtype="0" fill="hold" grpId="0" nodeType="withEffect">
+                                <p:cTn id="21" presetID="9" presetClass="entr" presetSubtype="0" fill="hold" grpId="0" nodeType="withEffect">
                                   <p:stCondLst>
                                     <p:cond delay="0"/>
                                   </p:stCondLst>
                                   <p:childTnLst>
                                     <p:set>
                                       <p:cBhvr>
-                                        <p:cTn id="21" dur="1" fill="hold">
+                                        <p:cTn id="22" dur="1" fill="hold">
                                           <p:stCondLst>
                                             <p:cond delay="0"/>
                                           </p:stCondLst>
@@ -9524,6 +12572,18 @@
                                         <p:strVal val="visible"/>
                                       </p:to>
                                     </p:set>
+                                    <p:animEffect transition="in" filter="dissolve">
+                                      <p:cBhvr>
+                                        <p:cTn id="23" dur="500"/>
+                                        <p:tgtEl>
+                                          <p:spTgt spid="767019">
+                                            <p:txEl>
+                                              <p:pRg st="1" end="1"/>
+                                            </p:txEl>
+                                          </p:spTgt>
+                                        </p:tgtEl>
+                                      </p:cBhvr>
+                                    </p:animEffect>
                                   </p:childTnLst>
                                 </p:cTn>
                               </p:par>
@@ -9697,17 +12757,23 @@
           <p:cNvGraphicFramePr>
             <a:graphicFrameLocks noChangeAspect="1"/>
           </p:cNvGraphicFramePr>
-          <p:nvPr/>
+          <p:nvPr>
+            <p:extLst>
+              <p:ext uri="{D42A27DB-BD31-4B8C-83A1-F6EECF244321}">
+                <p14:modId xmlns:p14="http://schemas.microsoft.com/office/powerpoint/2010/main" val="2195756495"/>
+              </p:ext>
+            </p:extLst>
+          </p:nvPr>
         </p:nvGraphicFramePr>
         <p:xfrm>
-          <a:off x="447675" y="3414713"/>
-          <a:ext cx="8324850" cy="1219200"/>
+          <a:off x="323341" y="3148282"/>
+          <a:ext cx="8579218" cy="1256453"/>
         </p:xfrm>
         <a:graphic>
           <a:graphicData uri="http://schemas.openxmlformats.org/presentationml/2006/ole">
             <mc:AlternateContent xmlns:mc="http://schemas.openxmlformats.org/markup-compatibility/2006">
               <mc:Choice xmlns:v="urn:schemas-microsoft-com:vml" Requires="v">
-                <p:oleObj spid="_x0000_s5148" name="Equation" r:id="rId4" imgW="1904760" imgH="279360" progId="Equation.DSMT4">
+                <p:oleObj spid="_x0000_s5151" name="Equation" r:id="rId4" imgW="1904760" imgH="279360" progId="Equation.DSMT4">
                   <p:embed/>
                 </p:oleObj>
               </mc:Choice>
@@ -9737,22 +12803,14 @@
                     </p:blipFill>
                     <p:spPr bwMode="auto">
                       <a:xfrm>
-                        <a:off x="447675" y="3414713"/>
-                        <a:ext cx="8324850" cy="1219200"/>
+                        <a:off x="323341" y="3148282"/>
+                        <a:ext cx="8579218" cy="1256453"/>
                       </a:xfrm>
                       <a:prstGeom prst="rect">
                         <a:avLst/>
                       </a:prstGeom>
                       <a:noFill/>
-                      <a:extLst>
-                        <a:ext uri="{909E8E84-426E-40dd-AFC4-6F175D3DCCD1}">
-                          <a14:hiddenFill xmlns:a14="http://schemas.microsoft.com/office/drawing/2010/main">
-                            <a:solidFill>
-                              <a:srgbClr val="FFFFFF"/>
-                            </a:solidFill>
-                          </a14:hiddenFill>
-                        </a:ext>
-                      </a:extLst>
+                      <a:extLst/>
                     </p:spPr>
                   </p:pic>
                 </p:oleObj>
@@ -9792,6 +12850,62 @@
               <a:t>4</a:t>
             </a:fld>
             <a:endParaRPr lang="en-US" dirty="0"/>
+          </a:p>
+        </p:txBody>
+      </p:sp>
+      <p:sp>
+        <p:nvSpPr>
+          <p:cNvPr id="2" name="TextBox 1"/>
+          <p:cNvSpPr txBox="1"/>
+          <p:nvPr/>
+        </p:nvSpPr>
+        <p:spPr>
+          <a:xfrm>
+            <a:off x="3019875" y="4342586"/>
+            <a:ext cx="3180450" cy="1323439"/>
+          </a:xfrm>
+          <a:prstGeom prst="rect">
+            <a:avLst/>
+          </a:prstGeom>
+          <a:noFill/>
+        </p:spPr>
+        <p:txBody>
+          <a:bodyPr wrap="none" rtlCol="0">
+            <a:spAutoFit/>
+          </a:bodyPr>
+          <a:lstStyle/>
+          <a:p>
+            <a:r>
+              <a:rPr lang="en-US" sz="8000" b="1" dirty="0" smtClean="0">
+                <a:latin typeface="Euclid Symbol" charset="2"/>
+                <a:cs typeface="Euclid Symbol" charset="2"/>
+              </a:rPr>
+              <a:t>=</a:t>
+            </a:r>
+            <a:r>
+              <a:rPr lang="en-US" sz="8000" dirty="0" smtClean="0">
+                <a:latin typeface="+mj-lt"/>
+              </a:rPr>
+              <a:t> E(</a:t>
+            </a:r>
+            <a:r>
+              <a:rPr lang="en-US" sz="8000" dirty="0" smtClean="0">
+                <a:solidFill>
+                  <a:srgbClr val="0033CC"/>
+                </a:solidFill>
+                <a:latin typeface="+mj-lt"/>
+              </a:rPr>
+              <a:t>v</a:t>
+            </a:r>
+            <a:r>
+              <a:rPr lang="en-US" sz="8000" dirty="0" smtClean="0">
+                <a:latin typeface="+mj-lt"/>
+              </a:rPr>
+              <a:t>)</a:t>
+            </a:r>
+            <a:endParaRPr lang="en-US" sz="8000" dirty="0" smtClean="0">
+              <a:latin typeface="+mj-lt"/>
+            </a:endParaRPr>
           </a:p>
         </p:txBody>
       </p:sp>
@@ -9864,6 +12978,59 @@
                       </p:childTnLst>
                     </p:cTn>
                   </p:par>
+                  <p:par>
+                    <p:cTn id="8" fill="hold">
+                      <p:stCondLst>
+                        <p:cond delay="indefinite"/>
+                      </p:stCondLst>
+                      <p:childTnLst>
+                        <p:par>
+                          <p:cTn id="9" fill="hold">
+                            <p:stCondLst>
+                              <p:cond delay="0"/>
+                            </p:stCondLst>
+                            <p:childTnLst>
+                              <p:par>
+                                <p:cTn id="10" presetID="22" presetClass="entr" presetSubtype="8" fill="hold" grpId="0" nodeType="clickEffect">
+                                  <p:stCondLst>
+                                    <p:cond delay="0"/>
+                                  </p:stCondLst>
+                                  <p:childTnLst>
+                                    <p:set>
+                                      <p:cBhvr>
+                                        <p:cTn id="11" dur="1" fill="hold">
+                                          <p:stCondLst>
+                                            <p:cond delay="0"/>
+                                          </p:stCondLst>
+                                        </p:cTn>
+                                        <p:tgtEl>
+                                          <p:spTgt spid="2"/>
+                                        </p:tgtEl>
+                                        <p:attrNameLst>
+                                          <p:attrName>style.visibility</p:attrName>
+                                        </p:attrNameLst>
+                                      </p:cBhvr>
+                                      <p:to>
+                                        <p:strVal val="visible"/>
+                                      </p:to>
+                                    </p:set>
+                                    <p:animEffect transition="in" filter="wipe(left)">
+                                      <p:cBhvr>
+                                        <p:cTn id="12" dur="500"/>
+                                        <p:tgtEl>
+                                          <p:spTgt spid="2"/>
+                                        </p:tgtEl>
+                                      </p:cBhvr>
+                                    </p:animEffect>
+                                  </p:childTnLst>
+                                </p:cTn>
+                              </p:par>
+                            </p:childTnLst>
+                          </p:cTn>
+                        </p:par>
+                      </p:childTnLst>
+                    </p:cTn>
+                  </p:par>
                 </p:childTnLst>
               </p:cTn>
               <p:prevCondLst>
@@ -9885,6 +13052,9 @@
         </p:cTn>
       </p:par>
     </p:tnLst>
+    <p:bldLst>
+      <p:bldP spid="2" grpId="0"/>
+    </p:bldLst>
   </p:timing>
 </p:sld>
 </file>
@@ -10112,8 +13282,16 @@
               <a:buNone/>
             </a:pPr>
             <a:r>
+              <a:rPr lang="en-US" sz="5400" dirty="0" smtClean="0">
+                <a:solidFill>
+                  <a:srgbClr val="930093"/>
+                </a:solidFill>
+              </a:rPr>
+              <a:t>Def:</a:t>
+            </a:r>
+            <a:r>
               <a:rPr lang="en-US" sz="5400" i="1" dirty="0" smtClean="0"/>
-              <a:t>Def: </a:t>
+              <a:t> </a:t>
             </a:r>
             <a:r>
               <a:rPr lang="en-US" sz="5400" dirty="0" smtClean="0"/>
@@ -10466,7 +13644,7 @@
 </file>
 
 <file path=ppt/slides/slide7.xml><?xml version="1.0" encoding="utf-8"?>
-<p:sld xmlns:a="http://schemas.openxmlformats.org/drawingml/2006/main" xmlns:r="http://schemas.openxmlformats.org/officeDocument/2006/relationships" xmlns:p="http://schemas.openxmlformats.org/presentationml/2006/main">
+<p:sld xmlns:a="http://schemas.openxmlformats.org/drawingml/2006/main" xmlns:r="http://schemas.openxmlformats.org/officeDocument/2006/relationships" xmlns:p="http://schemas.openxmlformats.org/presentationml/2006/main" show="0">
   <p:cSld>
     <p:spTree>
       <p:nvGrpSpPr>
@@ -11205,7 +14383,18 @@
   <p:clrMapOvr>
     <a:masterClrMapping/>
   </p:clrMapOvr>
-  <p:transition xmlns:p14="http://schemas.microsoft.com/office/powerpoint/2010/main"/>
+  <mc:AlternateContent xmlns:mc="http://schemas.openxmlformats.org/markup-compatibility/2006">
+    <mc:Choice xmlns:p14="http://schemas.microsoft.com/office/powerpoint/2010/main" Requires="p14">
+      <p:transition spd="med" p14:dur="700">
+        <p:fade/>
+      </p:transition>
+    </mc:Choice>
+    <mc:Fallback>
+      <p:transition xmlns:p14="http://schemas.microsoft.com/office/powerpoint/2010/main" spd="med">
+        <p:fade/>
+      </p:transition>
+    </mc:Fallback>
+  </mc:AlternateContent>
   <p:timing>
     <p:tnLst>
       <p:par>
@@ -11233,20 +14422,738 @@
           <a:chExt cx="0" cy="0"/>
         </a:xfrm>
       </p:grpSpPr>
-      <p:sp useBgFill="1">
-        <p:nvSpPr>
-          <p:cNvPr id="43" name="TextBox 42"/>
+      <p:cxnSp>
+        <p:nvCxnSpPr>
+          <p:cNvPr id="17429" name="AutoShape 22"/>
+          <p:cNvCxnSpPr>
+            <a:cxnSpLocks noChangeShapeType="1"/>
+          </p:cNvCxnSpPr>
+          <p:nvPr/>
+        </p:nvCxnSpPr>
+        <p:spPr bwMode="auto">
+          <a:xfrm>
+            <a:off x="5079361" y="3804177"/>
+            <a:ext cx="2823315" cy="0"/>
+          </a:xfrm>
+          <a:prstGeom prst="straightConnector1">
+            <a:avLst/>
+          </a:prstGeom>
+          <a:noFill/>
+          <a:ln w="25400">
+            <a:solidFill>
+              <a:schemeClr val="tx1"/>
+            </a:solidFill>
+            <a:round/>
+            <a:headEnd/>
+            <a:tailEnd type="none" w="lg" len="lg"/>
+          </a:ln>
+        </p:spPr>
+      </p:cxnSp>
+      <p:sp>
+        <p:nvSpPr>
+          <p:cNvPr id="17411" name="Oval 4"/>
+          <p:cNvSpPr>
+            <a:spLocks noChangeArrowheads="1"/>
+          </p:cNvSpPr>
+          <p:nvPr/>
+        </p:nvSpPr>
+        <p:spPr bwMode="auto">
+          <a:xfrm>
+            <a:off x="931333" y="1744143"/>
+            <a:ext cx="377309" cy="419082"/>
+          </a:xfrm>
+          <a:prstGeom prst="ellipse">
+            <a:avLst/>
+          </a:prstGeom>
+          <a:solidFill>
+            <a:srgbClr val="0066FF"/>
+          </a:solidFill>
+          <a:ln w="25400">
+            <a:solidFill>
+              <a:schemeClr val="tx1"/>
+            </a:solidFill>
+            <a:round/>
+            <a:headEnd/>
+            <a:tailEnd type="none" w="lg" len="lg"/>
+          </a:ln>
+        </p:spPr>
+        <p:txBody>
+          <a:bodyPr wrap="none" anchor="ctr"/>
+          <a:lstStyle/>
+          <a:p>
+            <a:endParaRPr lang="en-US"/>
+          </a:p>
+        </p:txBody>
+      </p:sp>
+      <p:sp>
+        <p:nvSpPr>
+          <p:cNvPr id="17412" name="Oval 5"/>
+          <p:cNvSpPr>
+            <a:spLocks noChangeArrowheads="1"/>
+          </p:cNvSpPr>
+          <p:nvPr/>
+        </p:nvSpPr>
+        <p:spPr bwMode="auto">
+          <a:xfrm>
+            <a:off x="2254084" y="2965261"/>
+            <a:ext cx="377309" cy="419082"/>
+          </a:xfrm>
+          <a:prstGeom prst="ellipse">
+            <a:avLst/>
+          </a:prstGeom>
+          <a:solidFill>
+            <a:srgbClr val="0066FF"/>
+          </a:solidFill>
+          <a:ln w="25400">
+            <a:solidFill>
+              <a:schemeClr val="tx1"/>
+            </a:solidFill>
+            <a:round/>
+            <a:headEnd/>
+            <a:tailEnd type="none" w="lg" len="lg"/>
+          </a:ln>
+        </p:spPr>
+        <p:txBody>
+          <a:bodyPr wrap="none" anchor="ctr"/>
+          <a:lstStyle/>
+          <a:p>
+            <a:endParaRPr lang="en-US"/>
+          </a:p>
+        </p:txBody>
+      </p:sp>
+      <p:sp>
+        <p:nvSpPr>
+          <p:cNvPr id="17413" name="Oval 6"/>
+          <p:cNvSpPr>
+            <a:spLocks noChangeArrowheads="1"/>
+          </p:cNvSpPr>
+          <p:nvPr/>
+        </p:nvSpPr>
+        <p:spPr bwMode="auto">
+          <a:xfrm>
+            <a:off x="3765491" y="1744143"/>
+            <a:ext cx="377309" cy="419082"/>
+          </a:xfrm>
+          <a:prstGeom prst="ellipse">
+            <a:avLst/>
+          </a:prstGeom>
+          <a:solidFill>
+            <a:srgbClr val="0066FF"/>
+          </a:solidFill>
+          <a:ln w="25400">
+            <a:solidFill>
+              <a:schemeClr val="tx1"/>
+            </a:solidFill>
+            <a:round/>
+            <a:headEnd/>
+            <a:tailEnd type="none" w="lg" len="lg"/>
+          </a:ln>
+        </p:spPr>
+        <p:txBody>
+          <a:bodyPr wrap="none" anchor="ctr"/>
+          <a:lstStyle/>
+          <a:p>
+            <a:endParaRPr lang="en-US"/>
+          </a:p>
+        </p:txBody>
+      </p:sp>
+      <p:sp>
+        <p:nvSpPr>
+          <p:cNvPr id="17414" name="Oval 7"/>
+          <p:cNvSpPr>
+            <a:spLocks noChangeArrowheads="1"/>
+          </p:cNvSpPr>
+          <p:nvPr/>
+        </p:nvSpPr>
+        <p:spPr bwMode="auto">
+          <a:xfrm>
+            <a:off x="2254084" y="4643994"/>
+            <a:ext cx="377309" cy="419082"/>
+          </a:xfrm>
+          <a:prstGeom prst="ellipse">
+            <a:avLst/>
+          </a:prstGeom>
+          <a:solidFill>
+            <a:srgbClr val="0066FF"/>
+          </a:solidFill>
+          <a:ln w="25400">
+            <a:solidFill>
+              <a:schemeClr val="tx1"/>
+            </a:solidFill>
+            <a:round/>
+            <a:headEnd/>
+            <a:tailEnd type="none" w="lg" len="lg"/>
+          </a:ln>
+        </p:spPr>
+        <p:txBody>
+          <a:bodyPr wrap="none" anchor="ctr"/>
+          <a:lstStyle/>
+          <a:p>
+            <a:endParaRPr lang="en-US"/>
+          </a:p>
+        </p:txBody>
+      </p:sp>
+      <p:sp>
+        <p:nvSpPr>
+          <p:cNvPr id="17415" name="Oval 8"/>
+          <p:cNvSpPr>
+            <a:spLocks noChangeArrowheads="1"/>
+          </p:cNvSpPr>
+          <p:nvPr/>
+        </p:nvSpPr>
+        <p:spPr bwMode="auto">
+          <a:xfrm>
+            <a:off x="4708763" y="3603516"/>
+            <a:ext cx="379478" cy="419082"/>
+          </a:xfrm>
+          <a:prstGeom prst="ellipse">
+            <a:avLst/>
+          </a:prstGeom>
+          <a:solidFill>
+            <a:srgbClr val="0066FF"/>
+          </a:solidFill>
+          <a:ln w="25400">
+            <a:solidFill>
+              <a:schemeClr val="tx1"/>
+            </a:solidFill>
+            <a:round/>
+            <a:headEnd/>
+            <a:tailEnd type="none" w="lg" len="lg"/>
+          </a:ln>
+        </p:spPr>
+        <p:txBody>
+          <a:bodyPr wrap="none" anchor="ctr"/>
+          <a:lstStyle/>
+          <a:p>
+            <a:endParaRPr lang="en-US"/>
+          </a:p>
+        </p:txBody>
+      </p:sp>
+      <p:sp>
+        <p:nvSpPr>
+          <p:cNvPr id="17416" name="Oval 9"/>
+          <p:cNvSpPr>
+            <a:spLocks noChangeArrowheads="1"/>
+          </p:cNvSpPr>
+          <p:nvPr/>
+        </p:nvSpPr>
+        <p:spPr bwMode="auto">
+          <a:xfrm>
+            <a:off x="3954145" y="4643994"/>
+            <a:ext cx="377309" cy="419082"/>
+          </a:xfrm>
+          <a:prstGeom prst="ellipse">
+            <a:avLst/>
+          </a:prstGeom>
+          <a:solidFill>
+            <a:srgbClr val="0066FF"/>
+          </a:solidFill>
+          <a:ln w="25400">
+            <a:solidFill>
+              <a:schemeClr val="tx1"/>
+            </a:solidFill>
+            <a:round/>
+            <a:headEnd/>
+            <a:tailEnd type="none" w="lg" len="lg"/>
+          </a:ln>
+        </p:spPr>
+        <p:txBody>
+          <a:bodyPr wrap="none" anchor="ctr"/>
+          <a:lstStyle/>
+          <a:p>
+            <a:endParaRPr lang="en-US"/>
+          </a:p>
+        </p:txBody>
+      </p:sp>
+      <p:sp>
+        <p:nvSpPr>
+          <p:cNvPr id="17417" name="Oval 10"/>
+          <p:cNvSpPr>
+            <a:spLocks noChangeArrowheads="1"/>
+          </p:cNvSpPr>
+          <p:nvPr/>
+        </p:nvSpPr>
+        <p:spPr bwMode="auto">
+          <a:xfrm>
+            <a:off x="5901408" y="1744143"/>
+            <a:ext cx="377309" cy="419082"/>
+          </a:xfrm>
+          <a:prstGeom prst="ellipse">
+            <a:avLst/>
+          </a:prstGeom>
+          <a:solidFill>
+            <a:srgbClr val="0066FF"/>
+          </a:solidFill>
+          <a:ln w="25400">
+            <a:solidFill>
+              <a:schemeClr val="tx1"/>
+            </a:solidFill>
+            <a:round/>
+            <a:headEnd/>
+            <a:tailEnd type="none" w="lg" len="lg"/>
+          </a:ln>
+        </p:spPr>
+        <p:txBody>
+          <a:bodyPr wrap="none" anchor="ctr"/>
+          <a:lstStyle/>
+          <a:p>
+            <a:endParaRPr lang="en-US"/>
+          </a:p>
+        </p:txBody>
+      </p:sp>
+      <p:sp>
+        <p:nvSpPr>
+          <p:cNvPr id="17418" name="Oval 11"/>
+          <p:cNvSpPr>
+            <a:spLocks noChangeArrowheads="1"/>
+          </p:cNvSpPr>
+          <p:nvPr/>
+        </p:nvSpPr>
+        <p:spPr bwMode="auto">
+          <a:xfrm>
+            <a:off x="5899240" y="4643994"/>
+            <a:ext cx="377309" cy="419082"/>
+          </a:xfrm>
+          <a:prstGeom prst="ellipse">
+            <a:avLst/>
+          </a:prstGeom>
+          <a:solidFill>
+            <a:srgbClr val="0066FF"/>
+          </a:solidFill>
+          <a:ln w="25400">
+            <a:solidFill>
+              <a:schemeClr val="tx1"/>
+            </a:solidFill>
+            <a:round/>
+            <a:headEnd/>
+            <a:tailEnd type="none" w="lg" len="lg"/>
+          </a:ln>
+        </p:spPr>
+        <p:txBody>
+          <a:bodyPr wrap="none" anchor="ctr"/>
+          <a:lstStyle/>
+          <a:p>
+            <a:endParaRPr lang="en-US"/>
+          </a:p>
+        </p:txBody>
+      </p:sp>
+      <p:sp>
+        <p:nvSpPr>
+          <p:cNvPr id="17419" name="Oval 12"/>
+          <p:cNvSpPr>
+            <a:spLocks noChangeArrowheads="1"/>
+          </p:cNvSpPr>
+          <p:nvPr/>
+        </p:nvSpPr>
+        <p:spPr bwMode="auto">
+          <a:xfrm>
+            <a:off x="7911557" y="3603516"/>
+            <a:ext cx="377309" cy="419082"/>
+          </a:xfrm>
+          <a:prstGeom prst="ellipse">
+            <a:avLst/>
+          </a:prstGeom>
+          <a:solidFill>
+            <a:srgbClr val="0066FF"/>
+          </a:solidFill>
+          <a:ln w="25400">
+            <a:solidFill>
+              <a:schemeClr val="tx1"/>
+            </a:solidFill>
+            <a:round/>
+            <a:headEnd/>
+            <a:tailEnd type="none" w="lg" len="lg"/>
+          </a:ln>
+        </p:spPr>
+        <p:txBody>
+          <a:bodyPr wrap="none" anchor="ctr"/>
+          <a:lstStyle/>
+          <a:p>
+            <a:endParaRPr lang="en-US"/>
+          </a:p>
+        </p:txBody>
+      </p:sp>
+      <p:cxnSp>
+        <p:nvCxnSpPr>
+          <p:cNvPr id="17420" name="AutoShape 13"/>
+          <p:cNvCxnSpPr>
+            <a:cxnSpLocks noChangeShapeType="1"/>
+            <a:stCxn id="17411" idx="5"/>
+            <a:endCxn id="17412" idx="1"/>
+          </p:cNvCxnSpPr>
+          <p:nvPr/>
+        </p:nvCxnSpPr>
+        <p:spPr bwMode="auto">
+          <a:xfrm>
+            <a:off x="1254432" y="2103012"/>
+            <a:ext cx="1053864" cy="922460"/>
+          </a:xfrm>
+          <a:prstGeom prst="straightConnector1">
+            <a:avLst/>
+          </a:prstGeom>
+          <a:noFill/>
+          <a:ln w="25400">
+            <a:solidFill>
+              <a:schemeClr val="tx1"/>
+            </a:solidFill>
+            <a:round/>
+            <a:headEnd/>
+            <a:tailEnd type="none" w="lg" len="lg"/>
+          </a:ln>
+        </p:spPr>
+      </p:cxnSp>
+      <p:cxnSp>
+        <p:nvCxnSpPr>
+          <p:cNvPr id="17421" name="AutoShape 14"/>
+          <p:cNvCxnSpPr>
+            <a:cxnSpLocks noChangeShapeType="1"/>
+            <a:stCxn id="17412" idx="7"/>
+            <a:endCxn id="17413" idx="3"/>
+          </p:cNvCxnSpPr>
+          <p:nvPr/>
+        </p:nvCxnSpPr>
+        <p:spPr bwMode="auto">
+          <a:xfrm flipV="1">
+            <a:off x="2577183" y="2103012"/>
+            <a:ext cx="1242518" cy="922460"/>
+          </a:xfrm>
+          <a:prstGeom prst="straightConnector1">
+            <a:avLst/>
+          </a:prstGeom>
+          <a:noFill/>
+          <a:ln w="25400">
+            <a:solidFill>
+              <a:schemeClr val="tx1"/>
+            </a:solidFill>
+            <a:round/>
+            <a:headEnd/>
+            <a:tailEnd type="none" w="lg" len="lg"/>
+          </a:ln>
+        </p:spPr>
+      </p:cxnSp>
+      <p:cxnSp>
+        <p:nvCxnSpPr>
+          <p:cNvPr id="17422" name="AutoShape 15"/>
+          <p:cNvCxnSpPr>
+            <a:cxnSpLocks noChangeShapeType="1"/>
+            <a:stCxn id="17413" idx="2"/>
+            <a:endCxn id="17411" idx="6"/>
+          </p:cNvCxnSpPr>
+          <p:nvPr/>
+        </p:nvCxnSpPr>
+        <p:spPr bwMode="auto">
+          <a:xfrm flipH="1">
+            <a:off x="1308642" y="1953685"/>
+            <a:ext cx="2456848" cy="0"/>
+          </a:xfrm>
+          <a:prstGeom prst="straightConnector1">
+            <a:avLst/>
+          </a:prstGeom>
+          <a:noFill/>
+          <a:ln w="25400">
+            <a:solidFill>
+              <a:schemeClr val="tx1"/>
+            </a:solidFill>
+            <a:round/>
+            <a:headEnd/>
+            <a:tailEnd type="none" w="lg" len="lg"/>
+          </a:ln>
+        </p:spPr>
+      </p:cxnSp>
+      <p:cxnSp>
+        <p:nvCxnSpPr>
+          <p:cNvPr id="17423" name="AutoShape 16"/>
+          <p:cNvCxnSpPr>
+            <a:cxnSpLocks noChangeShapeType="1"/>
+            <a:stCxn id="17412" idx="4"/>
+            <a:endCxn id="17414" idx="0"/>
+          </p:cNvCxnSpPr>
+          <p:nvPr/>
+        </p:nvCxnSpPr>
+        <p:spPr bwMode="auto">
+          <a:xfrm>
+            <a:off x="2442740" y="3384342"/>
+            <a:ext cx="0" cy="1259652"/>
+          </a:xfrm>
+          <a:prstGeom prst="straightConnector1">
+            <a:avLst/>
+          </a:prstGeom>
+          <a:noFill/>
+          <a:ln w="25400">
+            <a:solidFill>
+              <a:schemeClr val="tx1"/>
+            </a:solidFill>
+            <a:round/>
+            <a:headEnd/>
+            <a:tailEnd type="none" w="lg" len="lg"/>
+          </a:ln>
+        </p:spPr>
+      </p:cxnSp>
+      <p:cxnSp>
+        <p:nvCxnSpPr>
+          <p:cNvPr id="17424" name="AutoShape 17"/>
+          <p:cNvCxnSpPr>
+            <a:cxnSpLocks noChangeShapeType="1"/>
+            <a:stCxn id="17414" idx="6"/>
+            <a:endCxn id="17416" idx="2"/>
+          </p:cNvCxnSpPr>
+          <p:nvPr/>
+        </p:nvCxnSpPr>
+        <p:spPr bwMode="auto">
+          <a:xfrm>
+            <a:off x="2631394" y="4853536"/>
+            <a:ext cx="1322751" cy="0"/>
+          </a:xfrm>
+          <a:prstGeom prst="straightConnector1">
+            <a:avLst/>
+          </a:prstGeom>
+          <a:noFill/>
+          <a:ln w="25400">
+            <a:solidFill>
+              <a:schemeClr val="tx1"/>
+            </a:solidFill>
+            <a:round/>
+            <a:headEnd/>
+            <a:tailEnd type="none" w="lg" len="lg"/>
+          </a:ln>
+        </p:spPr>
+      </p:cxnSp>
+      <p:cxnSp>
+        <p:nvCxnSpPr>
+          <p:cNvPr id="17425" name="AutoShape 18"/>
+          <p:cNvCxnSpPr>
+            <a:cxnSpLocks noChangeShapeType="1"/>
+            <a:stCxn id="17416" idx="7"/>
+            <a:endCxn id="17415" idx="4"/>
+          </p:cNvCxnSpPr>
+          <p:nvPr/>
+        </p:nvCxnSpPr>
+        <p:spPr bwMode="auto">
+          <a:xfrm flipV="1">
+            <a:off x="4277244" y="4022598"/>
+            <a:ext cx="622343" cy="681610"/>
+          </a:xfrm>
+          <a:prstGeom prst="straightConnector1">
+            <a:avLst/>
+          </a:prstGeom>
+          <a:noFill/>
+          <a:ln w="25400">
+            <a:solidFill>
+              <a:schemeClr val="tx1"/>
+            </a:solidFill>
+            <a:round/>
+            <a:headEnd/>
+            <a:tailEnd type="none" w="lg" len="lg"/>
+          </a:ln>
+        </p:spPr>
+      </p:cxnSp>
+      <p:cxnSp>
+        <p:nvCxnSpPr>
+          <p:cNvPr id="17426" name="AutoShape 19"/>
+          <p:cNvCxnSpPr>
+            <a:cxnSpLocks noChangeShapeType="1"/>
+            <a:stCxn id="17419" idx="3"/>
+            <a:endCxn id="17418" idx="7"/>
+          </p:cNvCxnSpPr>
+          <p:nvPr/>
+        </p:nvCxnSpPr>
+        <p:spPr bwMode="auto">
+          <a:xfrm flipH="1">
+            <a:off x="6222338" y="3962386"/>
+            <a:ext cx="1743429" cy="741822"/>
+          </a:xfrm>
+          <a:prstGeom prst="straightConnector1">
+            <a:avLst/>
+          </a:prstGeom>
+          <a:noFill/>
+          <a:ln w="25400">
+            <a:solidFill>
+              <a:schemeClr val="tx1"/>
+            </a:solidFill>
+            <a:round/>
+            <a:headEnd/>
+            <a:tailEnd type="none" w="lg" len="lg"/>
+          </a:ln>
+        </p:spPr>
+      </p:cxnSp>
+      <p:cxnSp>
+        <p:nvCxnSpPr>
+          <p:cNvPr id="17427" name="AutoShape 20"/>
+          <p:cNvCxnSpPr>
+            <a:cxnSpLocks noChangeShapeType="1"/>
+            <a:stCxn id="17417" idx="5"/>
+            <a:endCxn id="17419" idx="1"/>
+          </p:cNvCxnSpPr>
+          <p:nvPr/>
+        </p:nvCxnSpPr>
+        <p:spPr bwMode="auto">
+          <a:xfrm>
+            <a:off x="6224507" y="2103012"/>
+            <a:ext cx="1741260" cy="1560717"/>
+          </a:xfrm>
+          <a:prstGeom prst="straightConnector1">
+            <a:avLst/>
+          </a:prstGeom>
+          <a:noFill/>
+          <a:ln w="25400">
+            <a:solidFill>
+              <a:schemeClr val="tx1"/>
+            </a:solidFill>
+            <a:round/>
+            <a:headEnd/>
+            <a:tailEnd type="none" w="lg" len="lg"/>
+          </a:ln>
+        </p:spPr>
+      </p:cxnSp>
+      <p:cxnSp>
+        <p:nvCxnSpPr>
+          <p:cNvPr id="17428" name="AutoShape 21"/>
+          <p:cNvCxnSpPr>
+            <a:cxnSpLocks noChangeShapeType="1"/>
+            <a:stCxn id="17417" idx="4"/>
+            <a:endCxn id="17418" idx="0"/>
+          </p:cNvCxnSpPr>
+          <p:nvPr/>
+        </p:nvCxnSpPr>
+        <p:spPr bwMode="auto">
+          <a:xfrm flipH="1">
+            <a:off x="6087894" y="2163225"/>
+            <a:ext cx="2169" cy="2480770"/>
+          </a:xfrm>
+          <a:prstGeom prst="straightConnector1">
+            <a:avLst/>
+          </a:prstGeom>
+          <a:noFill/>
+          <a:ln w="25400">
+            <a:solidFill>
+              <a:schemeClr val="tx1"/>
+            </a:solidFill>
+            <a:round/>
+            <a:headEnd/>
+            <a:tailEnd type="none" w="lg" len="lg"/>
+          </a:ln>
+        </p:spPr>
+      </p:cxnSp>
+      <p:cxnSp>
+        <p:nvCxnSpPr>
+          <p:cNvPr id="17430" name="AutoShape 24"/>
+          <p:cNvCxnSpPr>
+            <a:cxnSpLocks noChangeShapeType="1"/>
+            <a:stCxn id="17413" idx="5"/>
+            <a:endCxn id="17415" idx="1"/>
+          </p:cNvCxnSpPr>
+          <p:nvPr/>
+        </p:nvCxnSpPr>
+        <p:spPr bwMode="auto">
+          <a:xfrm>
+            <a:off x="4088588" y="2103012"/>
+            <a:ext cx="676555" cy="1560717"/>
+          </a:xfrm>
+          <a:prstGeom prst="straightConnector1">
+            <a:avLst/>
+          </a:prstGeom>
+          <a:noFill/>
+          <a:ln w="25400">
+            <a:solidFill>
+              <a:schemeClr val="tx1"/>
+            </a:solidFill>
+            <a:round/>
+            <a:headEnd/>
+            <a:tailEnd type="none" w="lg" len="lg"/>
+          </a:ln>
+        </p:spPr>
+      </p:cxnSp>
+      <p:sp>
+        <p:nvSpPr>
+          <p:cNvPr id="17410" name="Rectangle 2"/>
+          <p:cNvSpPr>
+            <a:spLocks noGrp="1" noChangeArrowheads="1"/>
+          </p:cNvSpPr>
+          <p:nvPr>
+            <p:ph type="title"/>
+          </p:nvPr>
+        </p:nvSpPr>
+        <p:spPr/>
+        <p:txBody>
+          <a:bodyPr/>
+          <a:lstStyle/>
+          <a:p>
+            <a:pPr eaLnBrk="1" hangingPunct="1"/>
+            <a:r>
+              <a:rPr lang="en-US" dirty="0" smtClean="0">
+                <a:solidFill>
+                  <a:schemeClr val="tx1"/>
+                </a:solidFill>
+              </a:rPr>
+              <a:t>k-edge</a:t>
+            </a:r>
+            <a:r>
+              <a:rPr lang="en-US" dirty="0" smtClean="0">
+                <a:solidFill>
+                  <a:srgbClr val="0033CC"/>
+                </a:solidFill>
+              </a:rPr>
+              <a:t> </a:t>
+            </a:r>
+            <a:r>
+              <a:rPr lang="en-US" dirty="0" smtClean="0"/>
+              <a:t>Connectedness</a:t>
+            </a:r>
+          </a:p>
+        </p:txBody>
+      </p:sp>
+      <p:sp>
+        <p:nvSpPr>
+          <p:cNvPr id="24" name="Slide Number Placeholder 3"/>
+          <p:cNvSpPr>
+            <a:spLocks noGrp="1"/>
+          </p:cNvSpPr>
+          <p:nvPr>
+            <p:ph type="sldNum" sz="quarter" idx="10"/>
+          </p:nvPr>
+        </p:nvSpPr>
+        <p:spPr/>
+        <p:txBody>
+          <a:bodyPr/>
+          <a:lstStyle/>
+          <a:p>
+            <a:pPr>
+              <a:defRPr/>
+            </a:pPr>
+            <a:r>
+              <a:rPr lang="en-US" dirty="0" err="1"/>
+              <a:t>lec</a:t>
+            </a:r>
+            <a:r>
+              <a:rPr lang="en-US" dirty="0" smtClean="0"/>
+              <a:t> 8M.</a:t>
+            </a:r>
+            <a:fld id="{43E12C49-E36A-496C-9DCA-6E960B9FC41B}" type="slidenum">
+              <a:rPr lang="en-US" smtClean="0"/>
+              <a:pPr>
+                <a:defRPr/>
+              </a:pPr>
+              <a:t>8</a:t>
+            </a:fld>
+            <a:endParaRPr lang="en-US" dirty="0"/>
+          </a:p>
+        </p:txBody>
+      </p:sp>
+      <p:sp>
+        <p:nvSpPr>
+          <p:cNvPr id="30" name="TextBox 29"/>
           <p:cNvSpPr txBox="1"/>
           <p:nvPr/>
         </p:nvSpPr>
         <p:spPr>
           <a:xfrm>
-            <a:off x="5669280" y="5077609"/>
-            <a:ext cx="3108543" cy="707886"/>
+            <a:off x="2222267" y="5604934"/>
+            <a:ext cx="4775666" cy="769441"/>
           </a:xfrm>
           <a:prstGeom prst="rect">
             <a:avLst/>
           </a:prstGeom>
+          <a:noFill/>
         </p:spPr>
         <p:txBody>
           <a:bodyPr wrap="none" rtlCol="0">
@@ -11255,60 +15162,52 @@
           <a:lstStyle/>
           <a:p>
             <a:r>
-              <a:rPr lang="en-US" dirty="0" smtClean="0">
+              <a:rPr lang="en-US" sz="4400" dirty="0" smtClean="0">
                 <a:latin typeface="+mj-lt"/>
               </a:rPr>
-              <a:t>                   </a:t>
-            </a:r>
+              <a:t>1-</a:t>
+            </a:r>
+            <a:r>
+              <a:rPr lang="en-US" sz="4400" dirty="0" smtClean="0">
+                <a:solidFill>
+                  <a:srgbClr val="FF00FF"/>
+                </a:solidFill>
+                <a:latin typeface="+mj-lt"/>
+              </a:rPr>
+              <a:t>edge</a:t>
+            </a:r>
+            <a:r>
+              <a:rPr lang="en-US" sz="4400" dirty="0" smtClean="0">
+                <a:latin typeface="+mj-lt"/>
+              </a:rPr>
+              <a:t> connected</a:t>
+            </a:r>
+            <a:endParaRPr lang="en-US" sz="4400" dirty="0">
+              <a:latin typeface="+mj-lt"/>
+            </a:endParaRPr>
           </a:p>
         </p:txBody>
       </p:sp>
       <p:grpSp>
         <p:nvGrpSpPr>
-          <p:cNvPr id="2" name="Group 25"/>
+          <p:cNvPr id="33" name="Group 32"/>
           <p:cNvGrpSpPr/>
           <p:nvPr/>
         </p:nvGrpSpPr>
         <p:grpSpPr>
           <a:xfrm>
-            <a:off x="931333" y="1744143"/>
-            <a:ext cx="7357533" cy="3318933"/>
-            <a:chOff x="931333" y="1744143"/>
-            <a:chExt cx="7357533" cy="3318933"/>
-          </a:xfrm>
+            <a:off x="4710551" y="3605304"/>
+            <a:ext cx="3580103" cy="419082"/>
+            <a:chOff x="4861163" y="3755916"/>
+            <a:chExt cx="3580103" cy="419082"/>
+          </a:xfrm>
+          <a:solidFill>
+            <a:srgbClr val="FF00FF"/>
+          </a:solidFill>
         </p:grpSpPr>
-        <p:cxnSp>
-          <p:nvCxnSpPr>
-            <p:cNvPr id="17429" name="AutoShape 22"/>
-            <p:cNvCxnSpPr>
-              <a:cxnSpLocks noChangeShapeType="1"/>
-              <a:stCxn id="17415" idx="6"/>
-              <a:endCxn id="17419" idx="2"/>
-            </p:cNvCxnSpPr>
-            <p:nvPr/>
-          </p:nvCxnSpPr>
-          <p:spPr bwMode="auto">
-            <a:xfrm>
-              <a:off x="5088242" y="3813058"/>
-              <a:ext cx="2823315" cy="0"/>
-            </a:xfrm>
-            <a:prstGeom prst="straightConnector1">
-              <a:avLst/>
-            </a:prstGeom>
-            <a:noFill/>
-            <a:ln w="25400">
-              <a:solidFill>
-                <a:schemeClr val="tx1"/>
-              </a:solidFill>
-              <a:round/>
-              <a:headEnd/>
-              <a:tailEnd type="none" w="lg" len="lg"/>
-            </a:ln>
-          </p:spPr>
-        </p:cxnSp>
         <p:sp>
           <p:nvSpPr>
-            <p:cNvPr id="17411" name="Oval 4"/>
+            <p:cNvPr id="29" name="Oval 8"/>
             <p:cNvSpPr>
               <a:spLocks noChangeArrowheads="1"/>
             </p:cNvSpPr>
@@ -11316,15 +15215,13 @@
           </p:nvSpPr>
           <p:spPr bwMode="auto">
             <a:xfrm>
-              <a:off x="931333" y="1744143"/>
-              <a:ext cx="377309" cy="419082"/>
+              <a:off x="4861163" y="3755916"/>
+              <a:ext cx="379478" cy="419082"/>
             </a:xfrm>
             <a:prstGeom prst="ellipse">
               <a:avLst/>
             </a:prstGeom>
-            <a:solidFill>
-              <a:srgbClr val="0066FF"/>
-            </a:solidFill>
+            <a:grpFill/>
             <a:ln w="25400">
               <a:solidFill>
                 <a:schemeClr val="tx1"/>
@@ -11344,7 +15241,7 @@
         </p:sp>
         <p:sp>
           <p:nvSpPr>
-            <p:cNvPr id="17412" name="Oval 5"/>
+            <p:cNvPr id="32" name="Oval 12"/>
             <p:cNvSpPr>
               <a:spLocks noChangeArrowheads="1"/>
             </p:cNvSpPr>
@@ -11352,15 +15249,13 @@
           </p:nvSpPr>
           <p:spPr bwMode="auto">
             <a:xfrm>
-              <a:off x="2254084" y="2965261"/>
+              <a:off x="8063957" y="3755916"/>
               <a:ext cx="377309" cy="419082"/>
             </a:xfrm>
             <a:prstGeom prst="ellipse">
               <a:avLst/>
             </a:prstGeom>
-            <a:solidFill>
-              <a:srgbClr val="0066FF"/>
-            </a:solidFill>
+            <a:grpFill/>
             <a:ln w="25400">
               <a:solidFill>
                 <a:schemeClr val="tx1"/>
@@ -11378,549 +15273,156 @@
             </a:p>
           </p:txBody>
         </p:sp>
-        <p:sp>
-          <p:nvSpPr>
-            <p:cNvPr id="17413" name="Oval 6"/>
-            <p:cNvSpPr>
-              <a:spLocks noChangeArrowheads="1"/>
-            </p:cNvSpPr>
-            <p:nvPr/>
-          </p:nvSpPr>
-          <p:spPr bwMode="auto">
-            <a:xfrm>
-              <a:off x="3765491" y="1744143"/>
-              <a:ext cx="377309" cy="419082"/>
-            </a:xfrm>
-            <a:prstGeom prst="ellipse">
-              <a:avLst/>
-            </a:prstGeom>
-            <a:solidFill>
-              <a:srgbClr val="0066FF"/>
-            </a:solidFill>
-            <a:ln w="25400">
-              <a:solidFill>
-                <a:schemeClr val="tx1"/>
-              </a:solidFill>
-              <a:round/>
-              <a:headEnd/>
-              <a:tailEnd type="none" w="lg" len="lg"/>
-            </a:ln>
-          </p:spPr>
-          <p:txBody>
-            <a:bodyPr wrap="none" anchor="ctr"/>
-            <a:lstStyle/>
-            <a:p>
-              <a:endParaRPr lang="en-US"/>
-            </a:p>
-          </p:txBody>
-        </p:sp>
-        <p:sp>
-          <p:nvSpPr>
-            <p:cNvPr id="17414" name="Oval 7"/>
-            <p:cNvSpPr>
-              <a:spLocks noChangeArrowheads="1"/>
-            </p:cNvSpPr>
-            <p:nvPr/>
-          </p:nvSpPr>
-          <p:spPr bwMode="auto">
-            <a:xfrm>
-              <a:off x="2254084" y="4643994"/>
-              <a:ext cx="377309" cy="419082"/>
-            </a:xfrm>
-            <a:prstGeom prst="ellipse">
-              <a:avLst/>
-            </a:prstGeom>
-            <a:solidFill>
-              <a:srgbClr val="0066FF"/>
-            </a:solidFill>
-            <a:ln w="25400">
-              <a:solidFill>
-                <a:schemeClr val="tx1"/>
-              </a:solidFill>
-              <a:round/>
-              <a:headEnd/>
-              <a:tailEnd type="none" w="lg" len="lg"/>
-            </a:ln>
-          </p:spPr>
-          <p:txBody>
-            <a:bodyPr wrap="none" anchor="ctr"/>
-            <a:lstStyle/>
-            <a:p>
-              <a:endParaRPr lang="en-US"/>
-            </a:p>
-          </p:txBody>
-        </p:sp>
-        <p:sp>
-          <p:nvSpPr>
-            <p:cNvPr id="17415" name="Oval 8"/>
-            <p:cNvSpPr>
-              <a:spLocks noChangeArrowheads="1"/>
-            </p:cNvSpPr>
-            <p:nvPr/>
-          </p:nvSpPr>
-          <p:spPr bwMode="auto">
-            <a:xfrm>
-              <a:off x="4708763" y="3603516"/>
-              <a:ext cx="379478" cy="419082"/>
-            </a:xfrm>
-            <a:prstGeom prst="ellipse">
-              <a:avLst/>
-            </a:prstGeom>
-            <a:solidFill>
-              <a:srgbClr val="0066FF"/>
-            </a:solidFill>
-            <a:ln w="25400">
-              <a:solidFill>
-                <a:schemeClr val="tx1"/>
-              </a:solidFill>
-              <a:round/>
-              <a:headEnd/>
-              <a:tailEnd type="none" w="lg" len="lg"/>
-            </a:ln>
-          </p:spPr>
-          <p:txBody>
-            <a:bodyPr wrap="none" anchor="ctr"/>
-            <a:lstStyle/>
-            <a:p>
-              <a:endParaRPr lang="en-US"/>
-            </a:p>
-          </p:txBody>
-        </p:sp>
-        <p:sp>
-          <p:nvSpPr>
-            <p:cNvPr id="17416" name="Oval 9"/>
-            <p:cNvSpPr>
-              <a:spLocks noChangeArrowheads="1"/>
-            </p:cNvSpPr>
-            <p:nvPr/>
-          </p:nvSpPr>
-          <p:spPr bwMode="auto">
-            <a:xfrm>
-              <a:off x="3954145" y="4643994"/>
-              <a:ext cx="377309" cy="419082"/>
-            </a:xfrm>
-            <a:prstGeom prst="ellipse">
-              <a:avLst/>
-            </a:prstGeom>
-            <a:solidFill>
-              <a:srgbClr val="0066FF"/>
-            </a:solidFill>
-            <a:ln w="25400">
-              <a:solidFill>
-                <a:schemeClr val="tx1"/>
-              </a:solidFill>
-              <a:round/>
-              <a:headEnd/>
-              <a:tailEnd type="none" w="lg" len="lg"/>
-            </a:ln>
-          </p:spPr>
-          <p:txBody>
-            <a:bodyPr wrap="none" anchor="ctr"/>
-            <a:lstStyle/>
-            <a:p>
-              <a:endParaRPr lang="en-US"/>
-            </a:p>
-          </p:txBody>
-        </p:sp>
-        <p:sp>
-          <p:nvSpPr>
-            <p:cNvPr id="17417" name="Oval 10"/>
-            <p:cNvSpPr>
-              <a:spLocks noChangeArrowheads="1"/>
-            </p:cNvSpPr>
-            <p:nvPr/>
-          </p:nvSpPr>
-          <p:spPr bwMode="auto">
-            <a:xfrm>
-              <a:off x="5901408" y="1744143"/>
-              <a:ext cx="377309" cy="419082"/>
-            </a:xfrm>
-            <a:prstGeom prst="ellipse">
-              <a:avLst/>
-            </a:prstGeom>
-            <a:solidFill>
-              <a:srgbClr val="0066FF"/>
-            </a:solidFill>
-            <a:ln w="25400">
-              <a:solidFill>
-                <a:schemeClr val="tx1"/>
-              </a:solidFill>
-              <a:round/>
-              <a:headEnd/>
-              <a:tailEnd type="none" w="lg" len="lg"/>
-            </a:ln>
-          </p:spPr>
-          <p:txBody>
-            <a:bodyPr wrap="none" anchor="ctr"/>
-            <a:lstStyle/>
-            <a:p>
-              <a:endParaRPr lang="en-US"/>
-            </a:p>
-          </p:txBody>
-        </p:sp>
-        <p:sp>
-          <p:nvSpPr>
-            <p:cNvPr id="17418" name="Oval 11"/>
-            <p:cNvSpPr>
-              <a:spLocks noChangeArrowheads="1"/>
-            </p:cNvSpPr>
-            <p:nvPr/>
-          </p:nvSpPr>
-          <p:spPr bwMode="auto">
-            <a:xfrm>
-              <a:off x="5899240" y="4643994"/>
-              <a:ext cx="377309" cy="419082"/>
-            </a:xfrm>
-            <a:prstGeom prst="ellipse">
-              <a:avLst/>
-            </a:prstGeom>
-            <a:solidFill>
-              <a:srgbClr val="0066FF"/>
-            </a:solidFill>
-            <a:ln w="25400">
-              <a:solidFill>
-                <a:schemeClr val="tx1"/>
-              </a:solidFill>
-              <a:round/>
-              <a:headEnd/>
-              <a:tailEnd type="none" w="lg" len="lg"/>
-            </a:ln>
-          </p:spPr>
-          <p:txBody>
-            <a:bodyPr wrap="none" anchor="ctr"/>
-            <a:lstStyle/>
-            <a:p>
-              <a:endParaRPr lang="en-US"/>
-            </a:p>
-          </p:txBody>
-        </p:sp>
-        <p:sp>
-          <p:nvSpPr>
-            <p:cNvPr id="17419" name="Oval 12"/>
-            <p:cNvSpPr>
-              <a:spLocks noChangeArrowheads="1"/>
-            </p:cNvSpPr>
-            <p:nvPr/>
-          </p:nvSpPr>
-          <p:spPr bwMode="auto">
-            <a:xfrm>
-              <a:off x="7911557" y="3603516"/>
-              <a:ext cx="377309" cy="419082"/>
-            </a:xfrm>
-            <a:prstGeom prst="ellipse">
-              <a:avLst/>
-            </a:prstGeom>
-            <a:solidFill>
-              <a:srgbClr val="0066FF"/>
-            </a:solidFill>
-            <a:ln w="25400">
-              <a:solidFill>
-                <a:schemeClr val="tx1"/>
-              </a:solidFill>
-              <a:round/>
-              <a:headEnd/>
-              <a:tailEnd type="none" w="lg" len="lg"/>
-            </a:ln>
-          </p:spPr>
-          <p:txBody>
-            <a:bodyPr wrap="none" anchor="ctr"/>
-            <a:lstStyle/>
-            <a:p>
-              <a:endParaRPr lang="en-US"/>
-            </a:p>
-          </p:txBody>
-        </p:sp>
-        <p:cxnSp>
-          <p:nvCxnSpPr>
-            <p:cNvPr id="17420" name="AutoShape 13"/>
-            <p:cNvCxnSpPr>
-              <a:cxnSpLocks noChangeShapeType="1"/>
-              <a:stCxn id="17411" idx="5"/>
-              <a:endCxn id="17412" idx="1"/>
-            </p:cNvCxnSpPr>
-            <p:nvPr/>
-          </p:nvCxnSpPr>
-          <p:spPr bwMode="auto">
-            <a:xfrm>
-              <a:off x="1254432" y="2103012"/>
-              <a:ext cx="1053864" cy="922460"/>
-            </a:xfrm>
-            <a:prstGeom prst="straightConnector1">
-              <a:avLst/>
-            </a:prstGeom>
-            <a:noFill/>
-            <a:ln w="25400">
-              <a:solidFill>
-                <a:schemeClr val="tx1"/>
-              </a:solidFill>
-              <a:round/>
-              <a:headEnd/>
-              <a:tailEnd type="none" w="lg" len="lg"/>
-            </a:ln>
-          </p:spPr>
-        </p:cxnSp>
-        <p:cxnSp>
-          <p:nvCxnSpPr>
-            <p:cNvPr id="17421" name="AutoShape 14"/>
-            <p:cNvCxnSpPr>
-              <a:cxnSpLocks noChangeShapeType="1"/>
-              <a:stCxn id="17412" idx="7"/>
-              <a:endCxn id="17413" idx="3"/>
-            </p:cNvCxnSpPr>
-            <p:nvPr/>
-          </p:nvCxnSpPr>
-          <p:spPr bwMode="auto">
-            <a:xfrm flipV="1">
-              <a:off x="2577183" y="2103012"/>
-              <a:ext cx="1242518" cy="922460"/>
-            </a:xfrm>
-            <a:prstGeom prst="straightConnector1">
-              <a:avLst/>
-            </a:prstGeom>
-            <a:noFill/>
-            <a:ln w="25400">
-              <a:solidFill>
-                <a:schemeClr val="tx1"/>
-              </a:solidFill>
-              <a:round/>
-              <a:headEnd/>
-              <a:tailEnd type="none" w="lg" len="lg"/>
-            </a:ln>
-          </p:spPr>
-        </p:cxnSp>
-        <p:cxnSp>
-          <p:nvCxnSpPr>
-            <p:cNvPr id="17422" name="AutoShape 15"/>
-            <p:cNvCxnSpPr>
-              <a:cxnSpLocks noChangeShapeType="1"/>
-              <a:stCxn id="17413" idx="2"/>
-              <a:endCxn id="17411" idx="6"/>
-            </p:cNvCxnSpPr>
-            <p:nvPr/>
-          </p:nvCxnSpPr>
-          <p:spPr bwMode="auto">
-            <a:xfrm flipH="1">
-              <a:off x="1308642" y="1953685"/>
-              <a:ext cx="2456848" cy="0"/>
-            </a:xfrm>
-            <a:prstGeom prst="straightConnector1">
-              <a:avLst/>
-            </a:prstGeom>
-            <a:noFill/>
-            <a:ln w="25400">
-              <a:solidFill>
-                <a:schemeClr val="tx1"/>
-              </a:solidFill>
-              <a:round/>
-              <a:headEnd/>
-              <a:tailEnd type="none" w="lg" len="lg"/>
-            </a:ln>
-          </p:spPr>
-        </p:cxnSp>
-        <p:cxnSp>
-          <p:nvCxnSpPr>
-            <p:cNvPr id="17423" name="AutoShape 16"/>
-            <p:cNvCxnSpPr>
-              <a:cxnSpLocks noChangeShapeType="1"/>
-              <a:stCxn id="17412" idx="4"/>
-              <a:endCxn id="17414" idx="0"/>
-            </p:cNvCxnSpPr>
-            <p:nvPr/>
-          </p:nvCxnSpPr>
-          <p:spPr bwMode="auto">
-            <a:xfrm>
-              <a:off x="2442740" y="3384342"/>
-              <a:ext cx="0" cy="1259652"/>
-            </a:xfrm>
-            <a:prstGeom prst="straightConnector1">
-              <a:avLst/>
-            </a:prstGeom>
-            <a:noFill/>
-            <a:ln w="25400">
-              <a:solidFill>
-                <a:schemeClr val="tx1"/>
-              </a:solidFill>
-              <a:round/>
-              <a:headEnd/>
-              <a:tailEnd type="none" w="lg" len="lg"/>
-            </a:ln>
-          </p:spPr>
-        </p:cxnSp>
-        <p:cxnSp>
-          <p:nvCxnSpPr>
-            <p:cNvPr id="17424" name="AutoShape 17"/>
-            <p:cNvCxnSpPr>
-              <a:cxnSpLocks noChangeShapeType="1"/>
-              <a:stCxn id="17414" idx="6"/>
-              <a:endCxn id="17416" idx="2"/>
-            </p:cNvCxnSpPr>
-            <p:nvPr/>
-          </p:nvCxnSpPr>
-          <p:spPr bwMode="auto">
-            <a:xfrm>
-              <a:off x="2631394" y="4853536"/>
-              <a:ext cx="1322751" cy="0"/>
-            </a:xfrm>
-            <a:prstGeom prst="straightConnector1">
-              <a:avLst/>
-            </a:prstGeom>
-            <a:noFill/>
-            <a:ln w="25400">
-              <a:solidFill>
-                <a:schemeClr val="tx1"/>
-              </a:solidFill>
-              <a:round/>
-              <a:headEnd/>
-              <a:tailEnd type="none" w="lg" len="lg"/>
-            </a:ln>
-          </p:spPr>
-        </p:cxnSp>
-        <p:cxnSp>
-          <p:nvCxnSpPr>
-            <p:cNvPr id="17425" name="AutoShape 18"/>
-            <p:cNvCxnSpPr>
-              <a:cxnSpLocks noChangeShapeType="1"/>
-              <a:stCxn id="17416" idx="7"/>
-              <a:endCxn id="17415" idx="4"/>
-            </p:cNvCxnSpPr>
-            <p:nvPr/>
-          </p:nvCxnSpPr>
-          <p:spPr bwMode="auto">
-            <a:xfrm flipV="1">
-              <a:off x="4277244" y="4022598"/>
-              <a:ext cx="622343" cy="681610"/>
-            </a:xfrm>
-            <a:prstGeom prst="straightConnector1">
-              <a:avLst/>
-            </a:prstGeom>
-            <a:noFill/>
-            <a:ln w="25400">
-              <a:solidFill>
-                <a:schemeClr val="tx1"/>
-              </a:solidFill>
-              <a:round/>
-              <a:headEnd/>
-              <a:tailEnd type="none" w="lg" len="lg"/>
-            </a:ln>
-          </p:spPr>
-        </p:cxnSp>
-        <p:cxnSp>
-          <p:nvCxnSpPr>
-            <p:cNvPr id="17426" name="AutoShape 19"/>
-            <p:cNvCxnSpPr>
-              <a:cxnSpLocks noChangeShapeType="1"/>
-              <a:stCxn id="17419" idx="3"/>
-              <a:endCxn id="17418" idx="7"/>
-            </p:cNvCxnSpPr>
-            <p:nvPr/>
-          </p:nvCxnSpPr>
-          <p:spPr bwMode="auto">
-            <a:xfrm flipH="1">
-              <a:off x="6222338" y="3962386"/>
-              <a:ext cx="1743429" cy="741822"/>
-            </a:xfrm>
-            <a:prstGeom prst="straightConnector1">
-              <a:avLst/>
-            </a:prstGeom>
-            <a:noFill/>
-            <a:ln w="25400">
-              <a:solidFill>
-                <a:schemeClr val="tx1"/>
-              </a:solidFill>
-              <a:round/>
-              <a:headEnd/>
-              <a:tailEnd type="none" w="lg" len="lg"/>
-            </a:ln>
-          </p:spPr>
-        </p:cxnSp>
-        <p:cxnSp>
-          <p:nvCxnSpPr>
-            <p:cNvPr id="17427" name="AutoShape 20"/>
-            <p:cNvCxnSpPr>
-              <a:cxnSpLocks noChangeShapeType="1"/>
-              <a:stCxn id="17417" idx="5"/>
-              <a:endCxn id="17419" idx="1"/>
-            </p:cNvCxnSpPr>
-            <p:nvPr/>
-          </p:nvCxnSpPr>
-          <p:spPr bwMode="auto">
-            <a:xfrm>
-              <a:off x="6224507" y="2103012"/>
-              <a:ext cx="1741260" cy="1560717"/>
-            </a:xfrm>
-            <a:prstGeom prst="straightConnector1">
-              <a:avLst/>
-            </a:prstGeom>
-            <a:noFill/>
-            <a:ln w="25400">
-              <a:solidFill>
-                <a:schemeClr val="tx1"/>
-              </a:solidFill>
-              <a:round/>
-              <a:headEnd/>
-              <a:tailEnd type="none" w="lg" len="lg"/>
-            </a:ln>
-          </p:spPr>
-        </p:cxnSp>
-        <p:cxnSp>
-          <p:nvCxnSpPr>
-            <p:cNvPr id="17428" name="AutoShape 21"/>
-            <p:cNvCxnSpPr>
-              <a:cxnSpLocks noChangeShapeType="1"/>
-              <a:stCxn id="17417" idx="4"/>
-              <a:endCxn id="17418" idx="0"/>
-            </p:cNvCxnSpPr>
-            <p:nvPr/>
-          </p:nvCxnSpPr>
-          <p:spPr bwMode="auto">
-            <a:xfrm flipH="1">
-              <a:off x="6087894" y="2163225"/>
-              <a:ext cx="2169" cy="2480770"/>
-            </a:xfrm>
-            <a:prstGeom prst="straightConnector1">
-              <a:avLst/>
-            </a:prstGeom>
-            <a:noFill/>
-            <a:ln w="25400">
-              <a:solidFill>
-                <a:schemeClr val="tx1"/>
-              </a:solidFill>
-              <a:round/>
-              <a:headEnd/>
-              <a:tailEnd type="none" w="lg" len="lg"/>
-            </a:ln>
-          </p:spPr>
-        </p:cxnSp>
-        <p:cxnSp>
-          <p:nvCxnSpPr>
-            <p:cNvPr id="17430" name="AutoShape 24"/>
-            <p:cNvCxnSpPr>
-              <a:cxnSpLocks noChangeShapeType="1"/>
-              <a:stCxn id="17413" idx="5"/>
-              <a:endCxn id="17415" idx="1"/>
-            </p:cNvCxnSpPr>
-            <p:nvPr/>
-          </p:nvCxnSpPr>
-          <p:spPr bwMode="auto">
-            <a:xfrm>
-              <a:off x="4088588" y="2103012"/>
-              <a:ext cx="676555" cy="1560717"/>
-            </a:xfrm>
-            <a:prstGeom prst="straightConnector1">
-              <a:avLst/>
-            </a:prstGeom>
-            <a:noFill/>
-            <a:ln w="25400">
-              <a:solidFill>
-                <a:schemeClr val="tx1"/>
-              </a:solidFill>
-              <a:round/>
-              <a:headEnd/>
-              <a:tailEnd type="none" w="lg" len="lg"/>
-            </a:ln>
-          </p:spPr>
-        </p:cxnSp>
       </p:grpSp>
+    </p:spTree>
+  </p:cSld>
+  <p:clrMapOvr>
+    <a:masterClrMapping/>
+  </p:clrMapOvr>
+  <p:transition xmlns:p14="http://schemas.microsoft.com/office/powerpoint/2010/main">
+    <p:fade/>
+  </p:transition>
+  <p:timing>
+    <p:tnLst>
+      <p:par>
+        <p:cTn xmlns:p14="http://schemas.microsoft.com/office/powerpoint/2010/main" id="1" dur="indefinite" restart="never" nodeType="tmRoot">
+          <p:childTnLst>
+            <p:seq concurrent="1" nextAc="seek">
+              <p:cTn id="2" dur="indefinite" nodeType="mainSeq">
+                <p:childTnLst>
+                  <p:par>
+                    <p:cTn id="3" fill="hold">
+                      <p:stCondLst>
+                        <p:cond delay="indefinite"/>
+                      </p:stCondLst>
+                      <p:childTnLst>
+                        <p:par>
+                          <p:cTn id="4" fill="hold">
+                            <p:stCondLst>
+                              <p:cond delay="0"/>
+                            </p:stCondLst>
+                            <p:childTnLst>
+                              <p:par>
+                                <p:cTn id="5" presetID="9" presetClass="entr" presetSubtype="0" fill="hold" grpId="0" nodeType="clickEffect">
+                                  <p:stCondLst>
+                                    <p:cond delay="0"/>
+                                  </p:stCondLst>
+                                  <p:childTnLst>
+                                    <p:set>
+                                      <p:cBhvr>
+                                        <p:cTn id="6" dur="1" fill="hold">
+                                          <p:stCondLst>
+                                            <p:cond delay="0"/>
+                                          </p:stCondLst>
+                                        </p:cTn>
+                                        <p:tgtEl>
+                                          <p:spTgt spid="30"/>
+                                        </p:tgtEl>
+                                        <p:attrNameLst>
+                                          <p:attrName>style.visibility</p:attrName>
+                                        </p:attrNameLst>
+                                      </p:cBhvr>
+                                      <p:to>
+                                        <p:strVal val="visible"/>
+                                      </p:to>
+                                    </p:set>
+                                    <p:animEffect transition="in" filter="dissolve">
+                                      <p:cBhvr>
+                                        <p:cTn id="7" dur="500"/>
+                                        <p:tgtEl>
+                                          <p:spTgt spid="30"/>
+                                        </p:tgtEl>
+                                      </p:cBhvr>
+                                    </p:animEffect>
+                                  </p:childTnLst>
+                                </p:cTn>
+                              </p:par>
+                              <p:par>
+                                <p:cTn id="8" presetID="9" presetClass="entr" presetSubtype="0" fill="hold" nodeType="withEffect">
+                                  <p:stCondLst>
+                                    <p:cond delay="0"/>
+                                  </p:stCondLst>
+                                  <p:childTnLst>
+                                    <p:set>
+                                      <p:cBhvr>
+                                        <p:cTn id="9" dur="1" fill="hold">
+                                          <p:stCondLst>
+                                            <p:cond delay="0"/>
+                                          </p:stCondLst>
+                                        </p:cTn>
+                                        <p:tgtEl>
+                                          <p:spTgt spid="33"/>
+                                        </p:tgtEl>
+                                        <p:attrNameLst>
+                                          <p:attrName>style.visibility</p:attrName>
+                                        </p:attrNameLst>
+                                      </p:cBhvr>
+                                      <p:to>
+                                        <p:strVal val="visible"/>
+                                      </p:to>
+                                    </p:set>
+                                    <p:animEffect transition="in" filter="dissolve">
+                                      <p:cBhvr>
+                                        <p:cTn id="10" dur="500"/>
+                                        <p:tgtEl>
+                                          <p:spTgt spid="33"/>
+                                        </p:tgtEl>
+                                      </p:cBhvr>
+                                    </p:animEffect>
+                                  </p:childTnLst>
+                                </p:cTn>
+                              </p:par>
+                            </p:childTnLst>
+                          </p:cTn>
+                        </p:par>
+                      </p:childTnLst>
+                    </p:cTn>
+                  </p:par>
+                </p:childTnLst>
+              </p:cTn>
+              <p:prevCondLst>
+                <p:cond evt="onPrev" delay="0">
+                  <p:tgtEl>
+                    <p:sldTgt/>
+                  </p:tgtEl>
+                </p:cond>
+              </p:prevCondLst>
+              <p:nextCondLst>
+                <p:cond evt="onNext" delay="0">
+                  <p:tgtEl>
+                    <p:sldTgt/>
+                  </p:tgtEl>
+                </p:cond>
+              </p:nextCondLst>
+            </p:seq>
+          </p:childTnLst>
+        </p:cTn>
+      </p:par>
+    </p:tnLst>
+    <p:bldLst>
+      <p:bldP spid="30" grpId="0"/>
+    </p:bldLst>
+  </p:timing>
+</p:sld>
+</file>
+
+<file path=ppt/slides/slide9.xml><?xml version="1.0" encoding="utf-8"?>
+<p:sld xmlns:a="http://schemas.openxmlformats.org/drawingml/2006/main" xmlns:r="http://schemas.openxmlformats.org/officeDocument/2006/relationships" xmlns:p="http://schemas.openxmlformats.org/presentationml/2006/main">
+  <p:cSld>
+    <p:spTree>
+      <p:nvGrpSpPr>
+        <p:cNvPr id="1" name=""/>
+        <p:cNvGrpSpPr/>
+        <p:nvPr/>
+      </p:nvGrpSpPr>
+      <p:grpSpPr>
+        <a:xfrm>
+          <a:off x="0" y="0"/>
+          <a:ext cx="0" cy="0"/>
+          <a:chOff x="0" y="0"/>
+          <a:chExt cx="0" cy="0"/>
+        </a:xfrm>
+      </p:grpSpPr>
       <p:cxnSp>
         <p:nvCxnSpPr>
           <p:cNvPr id="31" name="AutoShape 22"/>
@@ -11931,7 +15433,7 @@
         </p:nvCxnSpPr>
         <p:spPr bwMode="auto">
           <a:xfrm>
-            <a:off x="5079776" y="3813067"/>
+            <a:off x="5079776" y="3795305"/>
             <a:ext cx="2823315" cy="0"/>
           </a:xfrm>
           <a:prstGeom prst="straightConnector1">
@@ -11950,6 +15452,620 @@
       </p:cxnSp>
       <p:sp>
         <p:nvSpPr>
+          <p:cNvPr id="17411" name="Oval 4"/>
+          <p:cNvSpPr>
+            <a:spLocks noChangeArrowheads="1"/>
+          </p:cNvSpPr>
+          <p:nvPr/>
+        </p:nvSpPr>
+        <p:spPr bwMode="auto">
+          <a:xfrm>
+            <a:off x="931333" y="1744143"/>
+            <a:ext cx="377309" cy="419082"/>
+          </a:xfrm>
+          <a:prstGeom prst="ellipse">
+            <a:avLst/>
+          </a:prstGeom>
+          <a:solidFill>
+            <a:srgbClr val="0066FF"/>
+          </a:solidFill>
+          <a:ln w="25400">
+            <a:solidFill>
+              <a:schemeClr val="tx1"/>
+            </a:solidFill>
+            <a:round/>
+            <a:headEnd/>
+            <a:tailEnd type="none" w="lg" len="lg"/>
+          </a:ln>
+        </p:spPr>
+        <p:txBody>
+          <a:bodyPr wrap="none" anchor="ctr"/>
+          <a:lstStyle/>
+          <a:p>
+            <a:endParaRPr lang="en-US"/>
+          </a:p>
+        </p:txBody>
+      </p:sp>
+      <p:sp>
+        <p:nvSpPr>
+          <p:cNvPr id="17412" name="Oval 5"/>
+          <p:cNvSpPr>
+            <a:spLocks noChangeArrowheads="1"/>
+          </p:cNvSpPr>
+          <p:nvPr/>
+        </p:nvSpPr>
+        <p:spPr bwMode="auto">
+          <a:xfrm>
+            <a:off x="2254084" y="2965261"/>
+            <a:ext cx="377309" cy="419082"/>
+          </a:xfrm>
+          <a:prstGeom prst="ellipse">
+            <a:avLst/>
+          </a:prstGeom>
+          <a:solidFill>
+            <a:srgbClr val="0066FF"/>
+          </a:solidFill>
+          <a:ln w="25400">
+            <a:solidFill>
+              <a:schemeClr val="tx1"/>
+            </a:solidFill>
+            <a:round/>
+            <a:headEnd/>
+            <a:tailEnd type="none" w="lg" len="lg"/>
+          </a:ln>
+        </p:spPr>
+        <p:txBody>
+          <a:bodyPr wrap="none" anchor="ctr"/>
+          <a:lstStyle/>
+          <a:p>
+            <a:endParaRPr lang="en-US"/>
+          </a:p>
+        </p:txBody>
+      </p:sp>
+      <p:sp>
+        <p:nvSpPr>
+          <p:cNvPr id="17413" name="Oval 6"/>
+          <p:cNvSpPr>
+            <a:spLocks noChangeArrowheads="1"/>
+          </p:cNvSpPr>
+          <p:nvPr/>
+        </p:nvSpPr>
+        <p:spPr bwMode="auto">
+          <a:xfrm>
+            <a:off x="3765491" y="1744143"/>
+            <a:ext cx="377309" cy="419082"/>
+          </a:xfrm>
+          <a:prstGeom prst="ellipse">
+            <a:avLst/>
+          </a:prstGeom>
+          <a:solidFill>
+            <a:srgbClr val="0066FF"/>
+          </a:solidFill>
+          <a:ln w="25400">
+            <a:solidFill>
+              <a:schemeClr val="tx1"/>
+            </a:solidFill>
+            <a:round/>
+            <a:headEnd/>
+            <a:tailEnd type="none" w="lg" len="lg"/>
+          </a:ln>
+        </p:spPr>
+        <p:txBody>
+          <a:bodyPr wrap="none" anchor="ctr"/>
+          <a:lstStyle/>
+          <a:p>
+            <a:endParaRPr lang="en-US"/>
+          </a:p>
+        </p:txBody>
+      </p:sp>
+      <p:sp>
+        <p:nvSpPr>
+          <p:cNvPr id="17414" name="Oval 7"/>
+          <p:cNvSpPr>
+            <a:spLocks noChangeArrowheads="1"/>
+          </p:cNvSpPr>
+          <p:nvPr/>
+        </p:nvSpPr>
+        <p:spPr bwMode="auto">
+          <a:xfrm>
+            <a:off x="2254084" y="4643994"/>
+            <a:ext cx="377309" cy="419082"/>
+          </a:xfrm>
+          <a:prstGeom prst="ellipse">
+            <a:avLst/>
+          </a:prstGeom>
+          <a:solidFill>
+            <a:srgbClr val="0066FF"/>
+          </a:solidFill>
+          <a:ln w="25400">
+            <a:solidFill>
+              <a:schemeClr val="tx1"/>
+            </a:solidFill>
+            <a:round/>
+            <a:headEnd/>
+            <a:tailEnd type="none" w="lg" len="lg"/>
+          </a:ln>
+        </p:spPr>
+        <p:txBody>
+          <a:bodyPr wrap="none" anchor="ctr"/>
+          <a:lstStyle/>
+          <a:p>
+            <a:endParaRPr lang="en-US"/>
+          </a:p>
+        </p:txBody>
+      </p:sp>
+      <p:sp>
+        <p:nvSpPr>
+          <p:cNvPr id="17415" name="Oval 8"/>
+          <p:cNvSpPr>
+            <a:spLocks noChangeArrowheads="1"/>
+          </p:cNvSpPr>
+          <p:nvPr/>
+        </p:nvSpPr>
+        <p:spPr bwMode="auto">
+          <a:xfrm>
+            <a:off x="4708763" y="3603516"/>
+            <a:ext cx="379478" cy="419082"/>
+          </a:xfrm>
+          <a:prstGeom prst="ellipse">
+            <a:avLst/>
+          </a:prstGeom>
+          <a:solidFill>
+            <a:srgbClr val="0066FF"/>
+          </a:solidFill>
+          <a:ln w="25400">
+            <a:solidFill>
+              <a:schemeClr val="tx1"/>
+            </a:solidFill>
+            <a:round/>
+            <a:headEnd/>
+            <a:tailEnd type="none" w="lg" len="lg"/>
+          </a:ln>
+        </p:spPr>
+        <p:txBody>
+          <a:bodyPr wrap="none" anchor="ctr"/>
+          <a:lstStyle/>
+          <a:p>
+            <a:endParaRPr lang="en-US"/>
+          </a:p>
+        </p:txBody>
+      </p:sp>
+      <p:sp>
+        <p:nvSpPr>
+          <p:cNvPr id="17416" name="Oval 9"/>
+          <p:cNvSpPr>
+            <a:spLocks noChangeArrowheads="1"/>
+          </p:cNvSpPr>
+          <p:nvPr/>
+        </p:nvSpPr>
+        <p:spPr bwMode="auto">
+          <a:xfrm>
+            <a:off x="3954145" y="4643994"/>
+            <a:ext cx="377309" cy="419082"/>
+          </a:xfrm>
+          <a:prstGeom prst="ellipse">
+            <a:avLst/>
+          </a:prstGeom>
+          <a:solidFill>
+            <a:srgbClr val="0066FF"/>
+          </a:solidFill>
+          <a:ln w="25400">
+            <a:solidFill>
+              <a:schemeClr val="tx1"/>
+            </a:solidFill>
+            <a:round/>
+            <a:headEnd/>
+            <a:tailEnd type="none" w="lg" len="lg"/>
+          </a:ln>
+        </p:spPr>
+        <p:txBody>
+          <a:bodyPr wrap="none" anchor="ctr"/>
+          <a:lstStyle/>
+          <a:p>
+            <a:endParaRPr lang="en-US"/>
+          </a:p>
+        </p:txBody>
+      </p:sp>
+      <p:sp>
+        <p:nvSpPr>
+          <p:cNvPr id="17417" name="Oval 10"/>
+          <p:cNvSpPr>
+            <a:spLocks noChangeArrowheads="1"/>
+          </p:cNvSpPr>
+          <p:nvPr/>
+        </p:nvSpPr>
+        <p:spPr bwMode="auto">
+          <a:xfrm>
+            <a:off x="5901408" y="1744143"/>
+            <a:ext cx="377309" cy="419082"/>
+          </a:xfrm>
+          <a:prstGeom prst="ellipse">
+            <a:avLst/>
+          </a:prstGeom>
+          <a:solidFill>
+            <a:srgbClr val="0066FF"/>
+          </a:solidFill>
+          <a:ln w="25400">
+            <a:solidFill>
+              <a:schemeClr val="tx1"/>
+            </a:solidFill>
+            <a:round/>
+            <a:headEnd/>
+            <a:tailEnd type="none" w="lg" len="lg"/>
+          </a:ln>
+        </p:spPr>
+        <p:txBody>
+          <a:bodyPr wrap="none" anchor="ctr"/>
+          <a:lstStyle/>
+          <a:p>
+            <a:endParaRPr lang="en-US"/>
+          </a:p>
+        </p:txBody>
+      </p:sp>
+      <p:sp>
+        <p:nvSpPr>
+          <p:cNvPr id="17418" name="Oval 11"/>
+          <p:cNvSpPr>
+            <a:spLocks noChangeArrowheads="1"/>
+          </p:cNvSpPr>
+          <p:nvPr/>
+        </p:nvSpPr>
+        <p:spPr bwMode="auto">
+          <a:xfrm>
+            <a:off x="5899240" y="4643994"/>
+            <a:ext cx="377309" cy="419082"/>
+          </a:xfrm>
+          <a:prstGeom prst="ellipse">
+            <a:avLst/>
+          </a:prstGeom>
+          <a:solidFill>
+            <a:srgbClr val="0066FF"/>
+          </a:solidFill>
+          <a:ln w="25400">
+            <a:solidFill>
+              <a:schemeClr val="tx1"/>
+            </a:solidFill>
+            <a:round/>
+            <a:headEnd/>
+            <a:tailEnd type="none" w="lg" len="lg"/>
+          </a:ln>
+        </p:spPr>
+        <p:txBody>
+          <a:bodyPr wrap="none" anchor="ctr"/>
+          <a:lstStyle/>
+          <a:p>
+            <a:endParaRPr lang="en-US"/>
+          </a:p>
+        </p:txBody>
+      </p:sp>
+      <p:sp>
+        <p:nvSpPr>
+          <p:cNvPr id="17419" name="Oval 12"/>
+          <p:cNvSpPr>
+            <a:spLocks noChangeArrowheads="1"/>
+          </p:cNvSpPr>
+          <p:nvPr/>
+        </p:nvSpPr>
+        <p:spPr bwMode="auto">
+          <a:xfrm>
+            <a:off x="7911557" y="3603516"/>
+            <a:ext cx="377309" cy="419082"/>
+          </a:xfrm>
+          <a:prstGeom prst="ellipse">
+            <a:avLst/>
+          </a:prstGeom>
+          <a:solidFill>
+            <a:srgbClr val="0066FF"/>
+          </a:solidFill>
+          <a:ln w="25400">
+            <a:solidFill>
+              <a:schemeClr val="tx1"/>
+            </a:solidFill>
+            <a:round/>
+            <a:headEnd/>
+            <a:tailEnd type="none" w="lg" len="lg"/>
+          </a:ln>
+        </p:spPr>
+        <p:txBody>
+          <a:bodyPr wrap="none" anchor="ctr"/>
+          <a:lstStyle/>
+          <a:p>
+            <a:endParaRPr lang="en-US"/>
+          </a:p>
+        </p:txBody>
+      </p:sp>
+      <p:cxnSp>
+        <p:nvCxnSpPr>
+          <p:cNvPr id="17420" name="AutoShape 13"/>
+          <p:cNvCxnSpPr>
+            <a:cxnSpLocks noChangeShapeType="1"/>
+            <a:stCxn id="17411" idx="5"/>
+            <a:endCxn id="17412" idx="1"/>
+          </p:cNvCxnSpPr>
+          <p:nvPr/>
+        </p:nvCxnSpPr>
+        <p:spPr bwMode="auto">
+          <a:xfrm>
+            <a:off x="1254432" y="2103012"/>
+            <a:ext cx="1053864" cy="922460"/>
+          </a:xfrm>
+          <a:prstGeom prst="straightConnector1">
+            <a:avLst/>
+          </a:prstGeom>
+          <a:noFill/>
+          <a:ln w="25400">
+            <a:solidFill>
+              <a:schemeClr val="tx1"/>
+            </a:solidFill>
+            <a:round/>
+            <a:headEnd/>
+            <a:tailEnd type="none" w="lg" len="lg"/>
+          </a:ln>
+        </p:spPr>
+      </p:cxnSp>
+      <p:cxnSp>
+        <p:nvCxnSpPr>
+          <p:cNvPr id="17421" name="AutoShape 14"/>
+          <p:cNvCxnSpPr>
+            <a:cxnSpLocks noChangeShapeType="1"/>
+            <a:stCxn id="17412" idx="7"/>
+            <a:endCxn id="17413" idx="3"/>
+          </p:cNvCxnSpPr>
+          <p:nvPr/>
+        </p:nvCxnSpPr>
+        <p:spPr bwMode="auto">
+          <a:xfrm flipV="1">
+            <a:off x="2577183" y="2103012"/>
+            <a:ext cx="1242518" cy="922460"/>
+          </a:xfrm>
+          <a:prstGeom prst="straightConnector1">
+            <a:avLst/>
+          </a:prstGeom>
+          <a:noFill/>
+          <a:ln w="25400">
+            <a:solidFill>
+              <a:schemeClr val="tx1"/>
+            </a:solidFill>
+            <a:round/>
+            <a:headEnd/>
+            <a:tailEnd type="none" w="lg" len="lg"/>
+          </a:ln>
+        </p:spPr>
+      </p:cxnSp>
+      <p:cxnSp>
+        <p:nvCxnSpPr>
+          <p:cNvPr id="17422" name="AutoShape 15"/>
+          <p:cNvCxnSpPr>
+            <a:cxnSpLocks noChangeShapeType="1"/>
+            <a:stCxn id="17413" idx="2"/>
+            <a:endCxn id="17411" idx="6"/>
+          </p:cNvCxnSpPr>
+          <p:nvPr/>
+        </p:nvCxnSpPr>
+        <p:spPr bwMode="auto">
+          <a:xfrm flipH="1">
+            <a:off x="1308642" y="1953685"/>
+            <a:ext cx="2456848" cy="0"/>
+          </a:xfrm>
+          <a:prstGeom prst="straightConnector1">
+            <a:avLst/>
+          </a:prstGeom>
+          <a:noFill/>
+          <a:ln w="25400">
+            <a:solidFill>
+              <a:schemeClr val="tx1"/>
+            </a:solidFill>
+            <a:round/>
+            <a:headEnd/>
+            <a:tailEnd type="none" w="lg" len="lg"/>
+          </a:ln>
+        </p:spPr>
+      </p:cxnSp>
+      <p:cxnSp>
+        <p:nvCxnSpPr>
+          <p:cNvPr id="17423" name="AutoShape 16"/>
+          <p:cNvCxnSpPr>
+            <a:cxnSpLocks noChangeShapeType="1"/>
+            <a:stCxn id="17412" idx="4"/>
+            <a:endCxn id="17414" idx="0"/>
+          </p:cNvCxnSpPr>
+          <p:nvPr/>
+        </p:nvCxnSpPr>
+        <p:spPr bwMode="auto">
+          <a:xfrm>
+            <a:off x="2442740" y="3384342"/>
+            <a:ext cx="0" cy="1259652"/>
+          </a:xfrm>
+          <a:prstGeom prst="straightConnector1">
+            <a:avLst/>
+          </a:prstGeom>
+          <a:noFill/>
+          <a:ln w="25400">
+            <a:solidFill>
+              <a:schemeClr val="tx1"/>
+            </a:solidFill>
+            <a:round/>
+            <a:headEnd/>
+            <a:tailEnd type="none" w="lg" len="lg"/>
+          </a:ln>
+        </p:spPr>
+      </p:cxnSp>
+      <p:cxnSp>
+        <p:nvCxnSpPr>
+          <p:cNvPr id="17424" name="AutoShape 17"/>
+          <p:cNvCxnSpPr>
+            <a:cxnSpLocks noChangeShapeType="1"/>
+            <a:stCxn id="17414" idx="6"/>
+            <a:endCxn id="17416" idx="2"/>
+          </p:cNvCxnSpPr>
+          <p:nvPr/>
+        </p:nvCxnSpPr>
+        <p:spPr bwMode="auto">
+          <a:xfrm>
+            <a:off x="2631394" y="4853536"/>
+            <a:ext cx="1322751" cy="0"/>
+          </a:xfrm>
+          <a:prstGeom prst="straightConnector1">
+            <a:avLst/>
+          </a:prstGeom>
+          <a:noFill/>
+          <a:ln w="25400">
+            <a:solidFill>
+              <a:schemeClr val="tx1"/>
+            </a:solidFill>
+            <a:round/>
+            <a:headEnd/>
+            <a:tailEnd type="none" w="lg" len="lg"/>
+          </a:ln>
+        </p:spPr>
+      </p:cxnSp>
+      <p:cxnSp>
+        <p:nvCxnSpPr>
+          <p:cNvPr id="17425" name="AutoShape 18"/>
+          <p:cNvCxnSpPr>
+            <a:cxnSpLocks noChangeShapeType="1"/>
+            <a:stCxn id="17416" idx="7"/>
+            <a:endCxn id="17415" idx="4"/>
+          </p:cNvCxnSpPr>
+          <p:nvPr/>
+        </p:nvCxnSpPr>
+        <p:spPr bwMode="auto">
+          <a:xfrm flipV="1">
+            <a:off x="4277244" y="4022598"/>
+            <a:ext cx="622343" cy="681610"/>
+          </a:xfrm>
+          <a:prstGeom prst="straightConnector1">
+            <a:avLst/>
+          </a:prstGeom>
+          <a:noFill/>
+          <a:ln w="25400">
+            <a:solidFill>
+              <a:schemeClr val="tx1"/>
+            </a:solidFill>
+            <a:round/>
+            <a:headEnd/>
+            <a:tailEnd type="none" w="lg" len="lg"/>
+          </a:ln>
+        </p:spPr>
+      </p:cxnSp>
+      <p:cxnSp>
+        <p:nvCxnSpPr>
+          <p:cNvPr id="17426" name="AutoShape 19"/>
+          <p:cNvCxnSpPr>
+            <a:cxnSpLocks noChangeShapeType="1"/>
+            <a:stCxn id="17419" idx="3"/>
+            <a:endCxn id="17418" idx="7"/>
+          </p:cNvCxnSpPr>
+          <p:nvPr/>
+        </p:nvCxnSpPr>
+        <p:spPr bwMode="auto">
+          <a:xfrm flipH="1">
+            <a:off x="6222338" y="3962386"/>
+            <a:ext cx="1743429" cy="741822"/>
+          </a:xfrm>
+          <a:prstGeom prst="straightConnector1">
+            <a:avLst/>
+          </a:prstGeom>
+          <a:noFill/>
+          <a:ln w="25400">
+            <a:solidFill>
+              <a:schemeClr val="tx1"/>
+            </a:solidFill>
+            <a:round/>
+            <a:headEnd/>
+            <a:tailEnd type="none" w="lg" len="lg"/>
+          </a:ln>
+        </p:spPr>
+      </p:cxnSp>
+      <p:cxnSp>
+        <p:nvCxnSpPr>
+          <p:cNvPr id="17427" name="AutoShape 20"/>
+          <p:cNvCxnSpPr>
+            <a:cxnSpLocks noChangeShapeType="1"/>
+            <a:stCxn id="17417" idx="5"/>
+            <a:endCxn id="17419" idx="1"/>
+          </p:cNvCxnSpPr>
+          <p:nvPr/>
+        </p:nvCxnSpPr>
+        <p:spPr bwMode="auto">
+          <a:xfrm>
+            <a:off x="6224507" y="2103012"/>
+            <a:ext cx="1741260" cy="1560717"/>
+          </a:xfrm>
+          <a:prstGeom prst="straightConnector1">
+            <a:avLst/>
+          </a:prstGeom>
+          <a:noFill/>
+          <a:ln w="25400">
+            <a:solidFill>
+              <a:schemeClr val="tx1"/>
+            </a:solidFill>
+            <a:round/>
+            <a:headEnd/>
+            <a:tailEnd type="none" w="lg" len="lg"/>
+          </a:ln>
+        </p:spPr>
+      </p:cxnSp>
+      <p:cxnSp>
+        <p:nvCxnSpPr>
+          <p:cNvPr id="17428" name="AutoShape 21"/>
+          <p:cNvCxnSpPr>
+            <a:cxnSpLocks noChangeShapeType="1"/>
+            <a:stCxn id="17417" idx="4"/>
+            <a:endCxn id="17418" idx="0"/>
+          </p:cNvCxnSpPr>
+          <p:nvPr/>
+        </p:nvCxnSpPr>
+        <p:spPr bwMode="auto">
+          <a:xfrm flipH="1">
+            <a:off x="6087894" y="2163225"/>
+            <a:ext cx="2169" cy="2480770"/>
+          </a:xfrm>
+          <a:prstGeom prst="straightConnector1">
+            <a:avLst/>
+          </a:prstGeom>
+          <a:noFill/>
+          <a:ln w="25400">
+            <a:solidFill>
+              <a:schemeClr val="tx1"/>
+            </a:solidFill>
+            <a:round/>
+            <a:headEnd/>
+            <a:tailEnd type="none" w="lg" len="lg"/>
+          </a:ln>
+        </p:spPr>
+      </p:cxnSp>
+      <p:cxnSp>
+        <p:nvCxnSpPr>
+          <p:cNvPr id="17430" name="AutoShape 24"/>
+          <p:cNvCxnSpPr>
+            <a:cxnSpLocks noChangeShapeType="1"/>
+            <a:stCxn id="17413" idx="5"/>
+            <a:endCxn id="17415" idx="1"/>
+          </p:cNvCxnSpPr>
+          <p:nvPr/>
+        </p:nvCxnSpPr>
+        <p:spPr bwMode="auto">
+          <a:xfrm>
+            <a:off x="4088588" y="2103012"/>
+            <a:ext cx="676555" cy="1560717"/>
+          </a:xfrm>
+          <a:prstGeom prst="straightConnector1">
+            <a:avLst/>
+          </a:prstGeom>
+          <a:noFill/>
+          <a:ln w="25400">
+            <a:solidFill>
+              <a:schemeClr val="tx1"/>
+            </a:solidFill>
+            <a:round/>
+            <a:headEnd/>
+            <a:tailEnd type="none" w="lg" len="lg"/>
+          </a:ln>
+        </p:spPr>
+      </p:cxnSp>
+      <p:sp>
+        <p:nvSpPr>
           <p:cNvPr id="17410" name="Rectangle 2"/>
           <p:cNvSpPr>
             <a:spLocks noGrp="1" noChangeArrowheads="1"/>
@@ -12018,7 +16134,7 @@
               <a:pPr>
                 <a:defRPr/>
               </a:pPr>
-              <a:t>8</a:t>
+              <a:t>9</a:t>
             </a:fld>
             <a:endParaRPr lang="en-US" dirty="0"/>
           </a:p>
@@ -12073,33 +16189,6 @@
           </a:p>
         </p:txBody>
       </p:sp>
-      <p:cxnSp>
-        <p:nvCxnSpPr>
-          <p:cNvPr id="41" name="AutoShape 22"/>
-          <p:cNvCxnSpPr>
-            <a:cxnSpLocks noChangeShapeType="1"/>
-          </p:cNvCxnSpPr>
-          <p:nvPr/>
-        </p:nvCxnSpPr>
-        <p:spPr bwMode="auto">
-          <a:xfrm>
-            <a:off x="5103080" y="3804097"/>
-            <a:ext cx="2823315" cy="0"/>
-          </a:xfrm>
-          <a:prstGeom prst="straightConnector1">
-            <a:avLst/>
-          </a:prstGeom>
-          <a:noFill/>
-          <a:ln w="44450">
-            <a:solidFill>
-              <a:schemeClr val="accent1"/>
-            </a:solidFill>
-            <a:round/>
-            <a:headEnd/>
-            <a:tailEnd type="none" w="lg" len="lg"/>
-          </a:ln>
-        </p:spPr>
-      </p:cxnSp>
       <p:grpSp>
         <p:nvGrpSpPr>
           <p:cNvPr id="33" name="Group 32"/>
@@ -12237,6 +16326,9 @@
           <a:p>
             <a:r>
               <a:rPr lang="en-US" sz="4400" dirty="0" smtClean="0">
+                <a:solidFill>
+                  <a:srgbClr val="930093"/>
+                </a:solidFill>
                 <a:latin typeface="+mj-lt"/>
               </a:rPr>
               <a:t>no path</a:t>
@@ -12246,7 +16338,7 @@
       </p:sp>
       <p:grpSp>
         <p:nvGrpSpPr>
-          <p:cNvPr id="40" name="Group 39"/>
+          <p:cNvPr id="42" name="Group 41"/>
           <p:cNvGrpSpPr/>
           <p:nvPr/>
         </p:nvGrpSpPr>
@@ -12260,7 +16352,7 @@
         </p:grpSpPr>
         <p:sp>
           <p:nvSpPr>
-            <p:cNvPr id="37" name="TextBox 36"/>
+            <p:cNvPr id="44" name="TextBox 43"/>
             <p:cNvSpPr txBox="1"/>
             <p:nvPr/>
           </p:nvSpPr>
@@ -12291,7 +16383,7 @@
         </p:sp>
         <p:cxnSp>
           <p:nvCxnSpPr>
-            <p:cNvPr id="39" name="Straight Connector 38"/>
+            <p:cNvPr id="45" name="Straight Connector 44"/>
             <p:cNvCxnSpPr/>
             <p:nvPr/>
           </p:nvCxnSpPr>
@@ -12317,20 +16409,21 @@
           </p:spPr>
         </p:cxnSp>
       </p:grpSp>
-      <p:sp useBgFill="1">
-        <p:nvSpPr>
-          <p:cNvPr id="38" name="TextBox 37"/>
+      <p:sp>
+        <p:nvSpPr>
+          <p:cNvPr id="6" name="TextBox 5"/>
           <p:cNvSpPr txBox="1"/>
           <p:nvPr/>
         </p:nvSpPr>
         <p:spPr>
           <a:xfrm>
-            <a:off x="5821680" y="5068639"/>
-            <a:ext cx="3108543" cy="707886"/>
+            <a:off x="7371150" y="3889678"/>
+            <a:ext cx="184666" cy="769441"/>
           </a:xfrm>
           <a:prstGeom prst="rect">
             <a:avLst/>
           </a:prstGeom>
+          <a:noFill/>
         </p:spPr>
         <p:txBody>
           <a:bodyPr wrap="none" rtlCol="0">
@@ -12338,16 +16431,18 @@
           </a:bodyPr>
           <a:lstStyle/>
           <a:p>
-            <a:r>
-              <a:rPr lang="en-US" dirty="0" smtClean="0">
-                <a:latin typeface="+mj-lt"/>
-              </a:rPr>
-              <a:t>                   </a:t>
-            </a:r>
+            <a:endParaRPr lang="en-US" sz="4400" dirty="0" smtClean="0">
+              <a:latin typeface="+mj-lt"/>
+            </a:endParaRPr>
           </a:p>
         </p:txBody>
       </p:sp>
     </p:spTree>
+    <p:extLst>
+      <p:ext uri="{BB962C8B-B14F-4D97-AF65-F5344CB8AC3E}">
+        <p14:creationId xmlns:p14="http://schemas.microsoft.com/office/powerpoint/2010/main" val="3649857708"/>
+      </p:ext>
+    </p:extLst>
   </p:cSld>
   <p:clrMapOvr>
     <a:masterClrMapping/>
@@ -12367,6 +16462,9 @@
                     <p:cTn id="3" fill="hold">
                       <p:stCondLst>
                         <p:cond delay="indefinite"/>
+                        <p:cond evt="onBegin" delay="0">
+                          <p:tn val="2"/>
+                        </p:cond>
                       </p:stCondLst>
                       <p:childTnLst>
                         <p:par>
@@ -12376,7 +16474,7 @@
                             </p:stCondLst>
                             <p:childTnLst>
                               <p:par>
-                                <p:cTn id="5" presetID="10" presetClass="entr" presetSubtype="0" fill="hold" grpId="0" nodeType="clickEffect">
+                                <p:cTn id="5" presetID="9" presetClass="entr" presetSubtype="0" fill="hold" nodeType="afterEffect">
                                   <p:stCondLst>
                                     <p:cond delay="0"/>
                                   </p:stCondLst>
@@ -12389,7 +16487,7 @@
                                           </p:stCondLst>
                                         </p:cTn>
                                         <p:tgtEl>
-                                          <p:spTgt spid="30"/>
+                                          <p:spTgt spid="42"/>
                                         </p:tgtEl>
                                         <p:attrNameLst>
                                           <p:attrName>style.visibility</p:attrName>
@@ -12399,11 +16497,11 @@
                                         <p:strVal val="visible"/>
                                       </p:to>
                                     </p:set>
-                                    <p:animEffect transition="in" filter="fade">
+                                    <p:animEffect transition="in" filter="dissolve">
                                       <p:cBhvr>
                                         <p:cTn id="7" dur="500"/>
                                         <p:tgtEl>
-                                          <p:spTgt spid="30"/>
+                                          <p:spTgt spid="42"/>
                                         </p:tgtEl>
                                       </p:cBhvr>
                                     </p:animEffect>
@@ -12429,37 +16527,37 @@
                             </p:stCondLst>
                             <p:childTnLst>
                               <p:par>
-                                <p:cTn id="10" presetID="10" presetClass="entr" presetSubtype="0" fill="hold" nodeType="clickEffect">
+                                <p:cTn id="10" presetID="9" presetClass="exit" presetSubtype="0" fill="hold" nodeType="clickEffect">
                                   <p:stCondLst>
                                     <p:cond delay="0"/>
                                   </p:stCondLst>
                                   <p:childTnLst>
+                                    <p:animEffect transition="out" filter="dissolve">
+                                      <p:cBhvr>
+                                        <p:cTn id="11" dur="500"/>
+                                        <p:tgtEl>
+                                          <p:spTgt spid="31"/>
+                                        </p:tgtEl>
+                                      </p:cBhvr>
+                                    </p:animEffect>
                                     <p:set>
                                       <p:cBhvr>
-                                        <p:cTn id="11" dur="1" fill="hold">
+                                        <p:cTn id="12" dur="1" fill="hold">
                                           <p:stCondLst>
-                                            <p:cond delay="0"/>
+                                            <p:cond delay="499"/>
                                           </p:stCondLst>
                                         </p:cTn>
                                         <p:tgtEl>
-                                          <p:spTgt spid="33"/>
+                                          <p:spTgt spid="31"/>
                                         </p:tgtEl>
                                         <p:attrNameLst>
                                           <p:attrName>style.visibility</p:attrName>
                                         </p:attrNameLst>
                                       </p:cBhvr>
                                       <p:to>
-                                        <p:strVal val="visible"/>
+                                        <p:strVal val="hidden"/>
                                       </p:to>
                                     </p:set>
-                                    <p:animEffect transition="in" filter="fade">
-                                      <p:cBhvr>
-                                        <p:cTn id="12" dur="500"/>
-                                        <p:tgtEl>
-                                          <p:spTgt spid="33"/>
-                                        </p:tgtEl>
-                                      </p:cBhvr>
-                                    </p:animEffect>
                                   </p:childTnLst>
                                 </p:cTn>
                               </p:par>
@@ -12473,37 +16571,37 @@
                             </p:stCondLst>
                             <p:childTnLst>
                               <p:par>
-                                <p:cTn id="14" presetID="22" presetClass="entr" presetSubtype="8" fill="hold" nodeType="afterEffect">
+                                <p:cTn id="14" presetID="9" presetClass="exit" presetSubtype="0" fill="hold" nodeType="afterEffect">
                                   <p:stCondLst>
                                     <p:cond delay="0"/>
                                   </p:stCondLst>
                                   <p:childTnLst>
+                                    <p:animEffect transition="out" filter="dissolve">
+                                      <p:cBhvr>
+                                        <p:cTn id="15" dur="1000"/>
+                                        <p:tgtEl>
+                                          <p:spTgt spid="42"/>
+                                        </p:tgtEl>
+                                      </p:cBhvr>
+                                    </p:animEffect>
                                     <p:set>
                                       <p:cBhvr>
-                                        <p:cTn id="15" dur="1" fill="hold">
+                                        <p:cTn id="16" dur="1" fill="hold">
                                           <p:stCondLst>
-                                            <p:cond delay="0"/>
+                                            <p:cond delay="999"/>
                                           </p:stCondLst>
                                         </p:cTn>
                                         <p:tgtEl>
-                                          <p:spTgt spid="31"/>
+                                          <p:spTgt spid="42"/>
                                         </p:tgtEl>
                                         <p:attrNameLst>
                                           <p:attrName>style.visibility</p:attrName>
                                         </p:attrNameLst>
                                       </p:cBhvr>
                                       <p:to>
-                                        <p:strVal val="visible"/>
+                                        <p:strVal val="hidden"/>
                                       </p:to>
                                     </p:set>
-                                    <p:animEffect transition="in" filter="wipe(left)">
-                                      <p:cBhvr>
-                                        <p:cTn id="16" dur="500"/>
-                                        <p:tgtEl>
-                                          <p:spTgt spid="31"/>
-                                        </p:tgtEl>
-                                      </p:cBhvr>
-                                    </p:animEffect>
                                   </p:childTnLst>
                                 </p:cTn>
                               </p:par>
@@ -12513,11 +16611,11 @@
                         <p:par>
                           <p:cTn id="17" fill="hold">
                             <p:stCondLst>
-                              <p:cond delay="1000"/>
+                              <p:cond delay="1500"/>
                             </p:stCondLst>
                             <p:childTnLst>
                               <p:par>
-                                <p:cTn id="18" presetID="1" presetClass="entr" presetSubtype="0" fill="hold" nodeType="afterEffect">
+                                <p:cTn id="18" presetID="22" presetClass="entr" presetSubtype="1" fill="hold" nodeType="afterEffect">
                                   <p:stCondLst>
                                     <p:cond delay="0"/>
                                   </p:stCondLst>
@@ -12525,183 +16623,6 @@
                                     <p:set>
                                       <p:cBhvr>
                                         <p:cTn id="19" dur="1" fill="hold">
-                                          <p:stCondLst>
-                                            <p:cond delay="0"/>
-                                          </p:stCondLst>
-                                        </p:cTn>
-                                        <p:tgtEl>
-                                          <p:spTgt spid="40"/>
-                                        </p:tgtEl>
-                                        <p:attrNameLst>
-                                          <p:attrName>style.visibility</p:attrName>
-                                        </p:attrNameLst>
-                                      </p:cBhvr>
-                                      <p:to>
-                                        <p:strVal val="visible"/>
-                                      </p:to>
-                                    </p:set>
-                                  </p:childTnLst>
-                                </p:cTn>
-                              </p:par>
-                            </p:childTnLst>
-                          </p:cTn>
-                        </p:par>
-                      </p:childTnLst>
-                    </p:cTn>
-                  </p:par>
-                  <p:par>
-                    <p:cTn id="20" fill="hold">
-                      <p:stCondLst>
-                        <p:cond delay="indefinite"/>
-                      </p:stCondLst>
-                      <p:childTnLst>
-                        <p:par>
-                          <p:cTn id="21" fill="hold">
-                            <p:stCondLst>
-                              <p:cond delay="0"/>
-                            </p:stCondLst>
-                            <p:childTnLst>
-                              <p:par>
-                                <p:cTn id="22" presetID="9" presetClass="entr" presetSubtype="0" fill="hold" nodeType="clickEffect">
-                                  <p:stCondLst>
-                                    <p:cond delay="0"/>
-                                  </p:stCondLst>
-                                  <p:childTnLst>
-                                    <p:set>
-                                      <p:cBhvr>
-                                        <p:cTn id="23" dur="1" fill="hold">
-                                          <p:stCondLst>
-                                            <p:cond delay="0"/>
-                                          </p:stCondLst>
-                                        </p:cTn>
-                                        <p:tgtEl>
-                                          <p:spTgt spid="41"/>
-                                        </p:tgtEl>
-                                        <p:attrNameLst>
-                                          <p:attrName>style.visibility</p:attrName>
-                                        </p:attrNameLst>
-                                      </p:cBhvr>
-                                      <p:to>
-                                        <p:strVal val="visible"/>
-                                      </p:to>
-                                    </p:set>
-                                    <p:animEffect transition="in" filter="dissolve">
-                                      <p:cBhvr>
-                                        <p:cTn id="24" dur="1000"/>
-                                        <p:tgtEl>
-                                          <p:spTgt spid="41"/>
-                                        </p:tgtEl>
-                                      </p:cBhvr>
-                                    </p:animEffect>
-                                  </p:childTnLst>
-                                </p:cTn>
-                              </p:par>
-                            </p:childTnLst>
-                          </p:cTn>
-                        </p:par>
-                        <p:par>
-                          <p:cTn id="25" fill="hold">
-                            <p:stCondLst>
-                              <p:cond delay="1000"/>
-                            </p:stCondLst>
-                            <p:childTnLst>
-                              <p:par>
-                                <p:cTn id="26" presetID="5" presetClass="entr" presetSubtype="10" fill="hold" grpId="0" nodeType="afterEffect">
-                                  <p:stCondLst>
-                                    <p:cond delay="0"/>
-                                  </p:stCondLst>
-                                  <p:childTnLst>
-                                    <p:set>
-                                      <p:cBhvr>
-                                        <p:cTn id="27" dur="1" fill="hold">
-                                          <p:stCondLst>
-                                            <p:cond delay="0"/>
-                                          </p:stCondLst>
-                                        </p:cTn>
-                                        <p:tgtEl>
-                                          <p:spTgt spid="43"/>
-                                        </p:tgtEl>
-                                        <p:attrNameLst>
-                                          <p:attrName>style.visibility</p:attrName>
-                                        </p:attrNameLst>
-                                      </p:cBhvr>
-                                      <p:to>
-                                        <p:strVal val="visible"/>
-                                      </p:to>
-                                    </p:set>
-                                    <p:animEffect transition="in" filter="checkerboard(across)">
-                                      <p:cBhvr>
-                                        <p:cTn id="28" dur="500"/>
-                                        <p:tgtEl>
-                                          <p:spTgt spid="43"/>
-                                        </p:tgtEl>
-                                      </p:cBhvr>
-                                    </p:animEffect>
-                                  </p:childTnLst>
-                                </p:cTn>
-                              </p:par>
-                              <p:par>
-                                <p:cTn id="29" presetID="10" presetClass="entr" presetSubtype="0" fill="hold" grpId="0" nodeType="withEffect">
-                                  <p:stCondLst>
-                                    <p:cond delay="0"/>
-                                  </p:stCondLst>
-                                  <p:childTnLst>
-                                    <p:set>
-                                      <p:cBhvr>
-                                        <p:cTn id="30" dur="1" fill="hold">
-                                          <p:stCondLst>
-                                            <p:cond delay="0"/>
-                                          </p:stCondLst>
-                                        </p:cTn>
-                                        <p:tgtEl>
-                                          <p:spTgt spid="38"/>
-                                        </p:tgtEl>
-                                        <p:attrNameLst>
-                                          <p:attrName>style.visibility</p:attrName>
-                                        </p:attrNameLst>
-                                      </p:cBhvr>
-                                      <p:to>
-                                        <p:strVal val="visible"/>
-                                      </p:to>
-                                    </p:set>
-                                    <p:animEffect transition="in" filter="fade">
-                                      <p:cBhvr>
-                                        <p:cTn id="31" dur="500"/>
-                                        <p:tgtEl>
-                                          <p:spTgt spid="38"/>
-                                        </p:tgtEl>
-                                      </p:cBhvr>
-                                    </p:animEffect>
-                                  </p:childTnLst>
-                                </p:cTn>
-                              </p:par>
-                            </p:childTnLst>
-                          </p:cTn>
-                        </p:par>
-                      </p:childTnLst>
-                    </p:cTn>
-                  </p:par>
-                  <p:par>
-                    <p:cTn id="32" fill="hold">
-                      <p:stCondLst>
-                        <p:cond delay="indefinite"/>
-                      </p:stCondLst>
-                      <p:childTnLst>
-                        <p:par>
-                          <p:cTn id="33" fill="hold">
-                            <p:stCondLst>
-                              <p:cond delay="0"/>
-                            </p:stCondLst>
-                            <p:childTnLst>
-                              <p:par>
-                                <p:cTn id="34" presetID="1" presetClass="entr" presetSubtype="0" fill="hold" nodeType="clickEffect">
-                                  <p:stCondLst>
-                                    <p:cond delay="0"/>
-                                  </p:stCondLst>
-                                  <p:childTnLst>
-                                    <p:set>
-                                      <p:cBhvr>
-                                        <p:cTn id="35" dur="1" fill="hold">
                                           <p:stCondLst>
                                             <p:cond delay="0"/>
                                           </p:stCondLst>
@@ -12717,18 +16638,35 @@
                                         <p:strVal val="visible"/>
                                       </p:to>
                                     </p:set>
+                                    <p:animEffect transition="in" filter="wipe(up)">
+                                      <p:cBhvr>
+                                        <p:cTn id="20" dur="1000"/>
+                                        <p:tgtEl>
+                                          <p:spTgt spid="35"/>
+                                        </p:tgtEl>
+                                      </p:cBhvr>
+                                    </p:animEffect>
                                   </p:childTnLst>
                                 </p:cTn>
                               </p:par>
+                            </p:childTnLst>
+                          </p:cTn>
+                        </p:par>
+                        <p:par>
+                          <p:cTn id="21" fill="hold">
+                            <p:stCondLst>
+                              <p:cond delay="2500"/>
+                            </p:stCondLst>
+                            <p:childTnLst>
                               <p:par>
-                                <p:cTn id="36" presetID="9" presetClass="entr" presetSubtype="0" fill="hold" grpId="0" nodeType="withEffect">
+                                <p:cTn id="22" presetID="9" presetClass="entr" presetSubtype="0" fill="hold" grpId="0" nodeType="afterEffect">
                                   <p:stCondLst>
                                     <p:cond delay="0"/>
                                   </p:stCondLst>
                                   <p:childTnLst>
                                     <p:set>
                                       <p:cBhvr>
-                                        <p:cTn id="37" dur="1" fill="hold">
+                                        <p:cTn id="23" dur="1" fill="hold">
                                           <p:stCondLst>
                                             <p:cond delay="0"/>
                                           </p:stCondLst>
@@ -12746,7 +16684,7 @@
                                     </p:set>
                                     <p:animEffect transition="in" filter="dissolve">
                                       <p:cBhvr>
-                                        <p:cTn id="38" dur="1000"/>
+                                        <p:cTn id="24" dur="500"/>
                                         <p:tgtEl>
                                           <p:spTgt spid="36"/>
                                         </p:tgtEl>
@@ -12783,1334 +16721,7 @@
       </p:par>
     </p:tnLst>
     <p:bldLst>
-      <p:bldP spid="43" grpId="0" animBg="1"/>
-      <p:bldP spid="30" grpId="0"/>
       <p:bldP spid="36" grpId="0"/>
-      <p:bldP spid="38" grpId="0" animBg="1"/>
-    </p:bldLst>
-  </p:timing>
-</p:sld>
-</file>
-
-<file path=ppt/slides/slide9.xml><?xml version="1.0" encoding="utf-8"?>
-<p:sld xmlns:a="http://schemas.openxmlformats.org/drawingml/2006/main" xmlns:r="http://schemas.openxmlformats.org/officeDocument/2006/relationships" xmlns:p="http://schemas.openxmlformats.org/presentationml/2006/main">
-  <p:cSld>
-    <p:spTree>
-      <p:nvGrpSpPr>
-        <p:cNvPr id="1" name=""/>
-        <p:cNvGrpSpPr/>
-        <p:nvPr/>
-      </p:nvGrpSpPr>
-      <p:grpSpPr>
-        <a:xfrm>
-          <a:off x="0" y="0"/>
-          <a:ext cx="0" cy="0"/>
-          <a:chOff x="0" y="0"/>
-          <a:chExt cx="0" cy="0"/>
-        </a:xfrm>
-      </p:grpSpPr>
-      <p:sp>
-        <p:nvSpPr>
-          <p:cNvPr id="17410" name="Rectangle 2"/>
-          <p:cNvSpPr>
-            <a:spLocks noGrp="1" noChangeArrowheads="1"/>
-          </p:cNvSpPr>
-          <p:nvPr>
-            <p:ph type="title"/>
-          </p:nvPr>
-        </p:nvSpPr>
-        <p:spPr/>
-        <p:txBody>
-          <a:bodyPr/>
-          <a:lstStyle/>
-          <a:p>
-            <a:pPr eaLnBrk="1" hangingPunct="1"/>
-            <a:r>
-              <a:rPr lang="en-US" dirty="0" smtClean="0"/>
-              <a:t>Edge Connectedness</a:t>
-            </a:r>
-          </a:p>
-        </p:txBody>
-      </p:sp>
-      <p:sp>
-        <p:nvSpPr>
-          <p:cNvPr id="17411" name="Oval 4"/>
-          <p:cNvSpPr>
-            <a:spLocks noChangeArrowheads="1"/>
-          </p:cNvSpPr>
-          <p:nvPr/>
-        </p:nvSpPr>
-        <p:spPr bwMode="auto">
-          <a:xfrm>
-            <a:off x="931333" y="1744143"/>
-            <a:ext cx="377309" cy="419082"/>
-          </a:xfrm>
-          <a:prstGeom prst="ellipse">
-            <a:avLst/>
-          </a:prstGeom>
-          <a:solidFill>
-            <a:srgbClr val="0066FF"/>
-          </a:solidFill>
-          <a:ln w="25400">
-            <a:solidFill>
-              <a:schemeClr val="tx1"/>
-            </a:solidFill>
-            <a:round/>
-            <a:headEnd/>
-            <a:tailEnd type="none" w="lg" len="lg"/>
-          </a:ln>
-        </p:spPr>
-        <p:txBody>
-          <a:bodyPr wrap="none" anchor="ctr"/>
-          <a:lstStyle/>
-          <a:p>
-            <a:endParaRPr lang="en-US"/>
-          </a:p>
-        </p:txBody>
-      </p:sp>
-      <p:sp>
-        <p:nvSpPr>
-          <p:cNvPr id="17412" name="Oval 5"/>
-          <p:cNvSpPr>
-            <a:spLocks noChangeArrowheads="1"/>
-          </p:cNvSpPr>
-          <p:nvPr/>
-        </p:nvSpPr>
-        <p:spPr bwMode="auto">
-          <a:xfrm>
-            <a:off x="2254084" y="2965261"/>
-            <a:ext cx="377309" cy="419082"/>
-          </a:xfrm>
-          <a:prstGeom prst="ellipse">
-            <a:avLst/>
-          </a:prstGeom>
-          <a:solidFill>
-            <a:srgbClr val="0066FF"/>
-          </a:solidFill>
-          <a:ln w="25400">
-            <a:solidFill>
-              <a:schemeClr val="tx1"/>
-            </a:solidFill>
-            <a:round/>
-            <a:headEnd/>
-            <a:tailEnd type="none" w="lg" len="lg"/>
-          </a:ln>
-        </p:spPr>
-        <p:txBody>
-          <a:bodyPr wrap="none" anchor="ctr"/>
-          <a:lstStyle/>
-          <a:p>
-            <a:endParaRPr lang="en-US"/>
-          </a:p>
-        </p:txBody>
-      </p:sp>
-      <p:sp>
-        <p:nvSpPr>
-          <p:cNvPr id="17413" name="Oval 6"/>
-          <p:cNvSpPr>
-            <a:spLocks noChangeArrowheads="1"/>
-          </p:cNvSpPr>
-          <p:nvPr/>
-        </p:nvSpPr>
-        <p:spPr bwMode="auto">
-          <a:xfrm>
-            <a:off x="3765491" y="1744143"/>
-            <a:ext cx="377309" cy="419082"/>
-          </a:xfrm>
-          <a:prstGeom prst="ellipse">
-            <a:avLst/>
-          </a:prstGeom>
-          <a:solidFill>
-            <a:srgbClr val="0066FF"/>
-          </a:solidFill>
-          <a:ln w="25400">
-            <a:solidFill>
-              <a:schemeClr val="tx1"/>
-            </a:solidFill>
-            <a:round/>
-            <a:headEnd/>
-            <a:tailEnd type="none" w="lg" len="lg"/>
-          </a:ln>
-        </p:spPr>
-        <p:txBody>
-          <a:bodyPr wrap="none" anchor="ctr"/>
-          <a:lstStyle/>
-          <a:p>
-            <a:endParaRPr lang="en-US"/>
-          </a:p>
-        </p:txBody>
-      </p:sp>
-      <p:sp>
-        <p:nvSpPr>
-          <p:cNvPr id="17414" name="Oval 7"/>
-          <p:cNvSpPr>
-            <a:spLocks noChangeArrowheads="1"/>
-          </p:cNvSpPr>
-          <p:nvPr/>
-        </p:nvSpPr>
-        <p:spPr bwMode="auto">
-          <a:xfrm>
-            <a:off x="2254084" y="4643994"/>
-            <a:ext cx="377309" cy="419082"/>
-          </a:xfrm>
-          <a:prstGeom prst="ellipse">
-            <a:avLst/>
-          </a:prstGeom>
-          <a:solidFill>
-            <a:srgbClr val="0066FF"/>
-          </a:solidFill>
-          <a:ln w="25400">
-            <a:solidFill>
-              <a:schemeClr val="tx1"/>
-            </a:solidFill>
-            <a:round/>
-            <a:headEnd/>
-            <a:tailEnd type="none" w="lg" len="lg"/>
-          </a:ln>
-        </p:spPr>
-        <p:txBody>
-          <a:bodyPr wrap="none" anchor="ctr"/>
-          <a:lstStyle/>
-          <a:p>
-            <a:endParaRPr lang="en-US"/>
-          </a:p>
-        </p:txBody>
-      </p:sp>
-      <p:sp>
-        <p:nvSpPr>
-          <p:cNvPr id="17415" name="Oval 8"/>
-          <p:cNvSpPr>
-            <a:spLocks noChangeArrowheads="1"/>
-          </p:cNvSpPr>
-          <p:nvPr/>
-        </p:nvSpPr>
-        <p:spPr bwMode="auto">
-          <a:xfrm>
-            <a:off x="4708763" y="3603516"/>
-            <a:ext cx="379478" cy="419082"/>
-          </a:xfrm>
-          <a:prstGeom prst="ellipse">
-            <a:avLst/>
-          </a:prstGeom>
-          <a:solidFill>
-            <a:srgbClr val="0066FF"/>
-          </a:solidFill>
-          <a:ln w="25400">
-            <a:solidFill>
-              <a:schemeClr val="tx1"/>
-            </a:solidFill>
-            <a:round/>
-            <a:headEnd/>
-            <a:tailEnd type="none" w="lg" len="lg"/>
-          </a:ln>
-        </p:spPr>
-        <p:txBody>
-          <a:bodyPr wrap="none" anchor="ctr"/>
-          <a:lstStyle/>
-          <a:p>
-            <a:endParaRPr lang="en-US"/>
-          </a:p>
-        </p:txBody>
-      </p:sp>
-      <p:sp>
-        <p:nvSpPr>
-          <p:cNvPr id="17416" name="Oval 9"/>
-          <p:cNvSpPr>
-            <a:spLocks noChangeArrowheads="1"/>
-          </p:cNvSpPr>
-          <p:nvPr/>
-        </p:nvSpPr>
-        <p:spPr bwMode="auto">
-          <a:xfrm>
-            <a:off x="3954145" y="4643994"/>
-            <a:ext cx="377309" cy="419082"/>
-          </a:xfrm>
-          <a:prstGeom prst="ellipse">
-            <a:avLst/>
-          </a:prstGeom>
-          <a:solidFill>
-            <a:srgbClr val="0066FF"/>
-          </a:solidFill>
-          <a:ln w="25400">
-            <a:solidFill>
-              <a:schemeClr val="tx1"/>
-            </a:solidFill>
-            <a:round/>
-            <a:headEnd/>
-            <a:tailEnd type="none" w="lg" len="lg"/>
-          </a:ln>
-        </p:spPr>
-        <p:txBody>
-          <a:bodyPr wrap="none" anchor="ctr"/>
-          <a:lstStyle/>
-          <a:p>
-            <a:endParaRPr lang="en-US"/>
-          </a:p>
-        </p:txBody>
-      </p:sp>
-      <p:sp>
-        <p:nvSpPr>
-          <p:cNvPr id="17417" name="Oval 10"/>
-          <p:cNvSpPr>
-            <a:spLocks noChangeArrowheads="1"/>
-          </p:cNvSpPr>
-          <p:nvPr/>
-        </p:nvSpPr>
-        <p:spPr bwMode="auto">
-          <a:xfrm>
-            <a:off x="5901408" y="1744143"/>
-            <a:ext cx="377309" cy="419082"/>
-          </a:xfrm>
-          <a:prstGeom prst="ellipse">
-            <a:avLst/>
-          </a:prstGeom>
-          <a:solidFill>
-            <a:srgbClr val="0066FF"/>
-          </a:solidFill>
-          <a:ln w="25400">
-            <a:solidFill>
-              <a:schemeClr val="tx1"/>
-            </a:solidFill>
-            <a:round/>
-            <a:headEnd/>
-            <a:tailEnd type="none" w="lg" len="lg"/>
-          </a:ln>
-        </p:spPr>
-        <p:txBody>
-          <a:bodyPr wrap="none" anchor="ctr"/>
-          <a:lstStyle/>
-          <a:p>
-            <a:endParaRPr lang="en-US"/>
-          </a:p>
-        </p:txBody>
-      </p:sp>
-      <p:sp>
-        <p:nvSpPr>
-          <p:cNvPr id="17418" name="Oval 11"/>
-          <p:cNvSpPr>
-            <a:spLocks noChangeArrowheads="1"/>
-          </p:cNvSpPr>
-          <p:nvPr/>
-        </p:nvSpPr>
-        <p:spPr bwMode="auto">
-          <a:xfrm>
-            <a:off x="5899240" y="4643994"/>
-            <a:ext cx="377309" cy="419082"/>
-          </a:xfrm>
-          <a:prstGeom prst="ellipse">
-            <a:avLst/>
-          </a:prstGeom>
-          <a:solidFill>
-            <a:srgbClr val="0066FF"/>
-          </a:solidFill>
-          <a:ln w="25400">
-            <a:solidFill>
-              <a:schemeClr val="tx1"/>
-            </a:solidFill>
-            <a:round/>
-            <a:headEnd/>
-            <a:tailEnd type="none" w="lg" len="lg"/>
-          </a:ln>
-        </p:spPr>
-        <p:txBody>
-          <a:bodyPr wrap="none" anchor="ctr"/>
-          <a:lstStyle/>
-          <a:p>
-            <a:endParaRPr lang="en-US"/>
-          </a:p>
-        </p:txBody>
-      </p:sp>
-      <p:sp>
-        <p:nvSpPr>
-          <p:cNvPr id="17419" name="Oval 12"/>
-          <p:cNvSpPr>
-            <a:spLocks noChangeArrowheads="1"/>
-          </p:cNvSpPr>
-          <p:nvPr/>
-        </p:nvSpPr>
-        <p:spPr bwMode="auto">
-          <a:xfrm>
-            <a:off x="7911557" y="3603516"/>
-            <a:ext cx="377309" cy="419082"/>
-          </a:xfrm>
-          <a:prstGeom prst="ellipse">
-            <a:avLst/>
-          </a:prstGeom>
-          <a:solidFill>
-            <a:srgbClr val="0066FF"/>
-          </a:solidFill>
-          <a:ln w="25400">
-            <a:solidFill>
-              <a:schemeClr val="tx1"/>
-            </a:solidFill>
-            <a:round/>
-            <a:headEnd/>
-            <a:tailEnd type="none" w="lg" len="lg"/>
-          </a:ln>
-        </p:spPr>
-        <p:txBody>
-          <a:bodyPr wrap="none" anchor="ctr"/>
-          <a:lstStyle/>
-          <a:p>
-            <a:endParaRPr lang="en-US"/>
-          </a:p>
-        </p:txBody>
-      </p:sp>
-      <p:cxnSp>
-        <p:nvCxnSpPr>
-          <p:cNvPr id="17420" name="AutoShape 13"/>
-          <p:cNvCxnSpPr>
-            <a:cxnSpLocks noChangeShapeType="1"/>
-            <a:stCxn id="17411" idx="5"/>
-            <a:endCxn id="17412" idx="1"/>
-          </p:cNvCxnSpPr>
-          <p:nvPr/>
-        </p:nvCxnSpPr>
-        <p:spPr bwMode="auto">
-          <a:xfrm>
-            <a:off x="1254432" y="2103012"/>
-            <a:ext cx="1053864" cy="922460"/>
-          </a:xfrm>
-          <a:prstGeom prst="straightConnector1">
-            <a:avLst/>
-          </a:prstGeom>
-          <a:noFill/>
-          <a:ln w="25400">
-            <a:solidFill>
-              <a:schemeClr val="tx1"/>
-            </a:solidFill>
-            <a:round/>
-            <a:headEnd/>
-            <a:tailEnd type="none" w="lg" len="lg"/>
-          </a:ln>
-        </p:spPr>
-      </p:cxnSp>
-      <p:cxnSp>
-        <p:nvCxnSpPr>
-          <p:cNvPr id="17421" name="AutoShape 14"/>
-          <p:cNvCxnSpPr>
-            <a:cxnSpLocks noChangeShapeType="1"/>
-            <a:stCxn id="17412" idx="7"/>
-            <a:endCxn id="17413" idx="3"/>
-          </p:cNvCxnSpPr>
-          <p:nvPr/>
-        </p:nvCxnSpPr>
-        <p:spPr bwMode="auto">
-          <a:xfrm flipV="1">
-            <a:off x="2577183" y="2103012"/>
-            <a:ext cx="1242518" cy="922460"/>
-          </a:xfrm>
-          <a:prstGeom prst="straightConnector1">
-            <a:avLst/>
-          </a:prstGeom>
-          <a:noFill/>
-          <a:ln w="25400">
-            <a:solidFill>
-              <a:schemeClr val="tx1"/>
-            </a:solidFill>
-            <a:round/>
-            <a:headEnd/>
-            <a:tailEnd type="none" w="lg" len="lg"/>
-          </a:ln>
-        </p:spPr>
-      </p:cxnSp>
-      <p:cxnSp>
-        <p:nvCxnSpPr>
-          <p:cNvPr id="17422" name="AutoShape 15"/>
-          <p:cNvCxnSpPr>
-            <a:cxnSpLocks noChangeShapeType="1"/>
-            <a:stCxn id="17413" idx="2"/>
-            <a:endCxn id="17411" idx="6"/>
-          </p:cNvCxnSpPr>
-          <p:nvPr/>
-        </p:nvCxnSpPr>
-        <p:spPr bwMode="auto">
-          <a:xfrm flipH="1">
-            <a:off x="1308642" y="1953685"/>
-            <a:ext cx="2456848" cy="0"/>
-          </a:xfrm>
-          <a:prstGeom prst="straightConnector1">
-            <a:avLst/>
-          </a:prstGeom>
-          <a:noFill/>
-          <a:ln w="25400">
-            <a:solidFill>
-              <a:schemeClr val="tx1"/>
-            </a:solidFill>
-            <a:round/>
-            <a:headEnd/>
-            <a:tailEnd type="none" w="lg" len="lg"/>
-          </a:ln>
-        </p:spPr>
-      </p:cxnSp>
-      <p:cxnSp>
-        <p:nvCxnSpPr>
-          <p:cNvPr id="17423" name="AutoShape 16"/>
-          <p:cNvCxnSpPr>
-            <a:cxnSpLocks noChangeShapeType="1"/>
-            <a:stCxn id="17412" idx="4"/>
-            <a:endCxn id="17414" idx="0"/>
-          </p:cNvCxnSpPr>
-          <p:nvPr/>
-        </p:nvCxnSpPr>
-        <p:spPr bwMode="auto">
-          <a:xfrm>
-            <a:off x="2442740" y="3384342"/>
-            <a:ext cx="0" cy="1259652"/>
-          </a:xfrm>
-          <a:prstGeom prst="straightConnector1">
-            <a:avLst/>
-          </a:prstGeom>
-          <a:noFill/>
-          <a:ln w="25400">
-            <a:solidFill>
-              <a:schemeClr val="tx1"/>
-            </a:solidFill>
-            <a:round/>
-            <a:headEnd/>
-            <a:tailEnd type="none" w="lg" len="lg"/>
-          </a:ln>
-        </p:spPr>
-      </p:cxnSp>
-      <p:cxnSp>
-        <p:nvCxnSpPr>
-          <p:cNvPr id="17424" name="AutoShape 17"/>
-          <p:cNvCxnSpPr>
-            <a:cxnSpLocks noChangeShapeType="1"/>
-            <a:stCxn id="17414" idx="6"/>
-            <a:endCxn id="17416" idx="2"/>
-          </p:cNvCxnSpPr>
-          <p:nvPr/>
-        </p:nvCxnSpPr>
-        <p:spPr bwMode="auto">
-          <a:xfrm>
-            <a:off x="2631394" y="4853536"/>
-            <a:ext cx="1322751" cy="0"/>
-          </a:xfrm>
-          <a:prstGeom prst="straightConnector1">
-            <a:avLst/>
-          </a:prstGeom>
-          <a:noFill/>
-          <a:ln w="25400">
-            <a:solidFill>
-              <a:schemeClr val="tx1"/>
-            </a:solidFill>
-            <a:round/>
-            <a:headEnd/>
-            <a:tailEnd type="none" w="lg" len="lg"/>
-          </a:ln>
-        </p:spPr>
-      </p:cxnSp>
-      <p:cxnSp>
-        <p:nvCxnSpPr>
-          <p:cNvPr id="17425" name="AutoShape 18"/>
-          <p:cNvCxnSpPr>
-            <a:cxnSpLocks noChangeShapeType="1"/>
-            <a:stCxn id="17416" idx="7"/>
-            <a:endCxn id="17415" idx="4"/>
-          </p:cNvCxnSpPr>
-          <p:nvPr/>
-        </p:nvCxnSpPr>
-        <p:spPr bwMode="auto">
-          <a:xfrm flipV="1">
-            <a:off x="4277244" y="4022598"/>
-            <a:ext cx="622343" cy="681610"/>
-          </a:xfrm>
-          <a:prstGeom prst="straightConnector1">
-            <a:avLst/>
-          </a:prstGeom>
-          <a:noFill/>
-          <a:ln w="25400">
-            <a:solidFill>
-              <a:schemeClr val="tx1"/>
-            </a:solidFill>
-            <a:round/>
-            <a:headEnd/>
-            <a:tailEnd type="none" w="lg" len="lg"/>
-          </a:ln>
-        </p:spPr>
-      </p:cxnSp>
-      <p:cxnSp>
-        <p:nvCxnSpPr>
-          <p:cNvPr id="17426" name="AutoShape 19"/>
-          <p:cNvCxnSpPr>
-            <a:cxnSpLocks noChangeShapeType="1"/>
-            <a:stCxn id="17419" idx="3"/>
-            <a:endCxn id="17418" idx="7"/>
-          </p:cNvCxnSpPr>
-          <p:nvPr/>
-        </p:nvCxnSpPr>
-        <p:spPr bwMode="auto">
-          <a:xfrm flipH="1">
-            <a:off x="6222338" y="3962386"/>
-            <a:ext cx="1743429" cy="741822"/>
-          </a:xfrm>
-          <a:prstGeom prst="straightConnector1">
-            <a:avLst/>
-          </a:prstGeom>
-          <a:noFill/>
-          <a:ln w="25400">
-            <a:solidFill>
-              <a:schemeClr val="tx1"/>
-            </a:solidFill>
-            <a:round/>
-            <a:headEnd/>
-            <a:tailEnd type="none" w="lg" len="lg"/>
-          </a:ln>
-        </p:spPr>
-      </p:cxnSp>
-      <p:cxnSp>
-        <p:nvCxnSpPr>
-          <p:cNvPr id="17427" name="AutoShape 20"/>
-          <p:cNvCxnSpPr>
-            <a:cxnSpLocks noChangeShapeType="1"/>
-            <a:stCxn id="17417" idx="5"/>
-            <a:endCxn id="17419" idx="1"/>
-          </p:cNvCxnSpPr>
-          <p:nvPr/>
-        </p:nvCxnSpPr>
-        <p:spPr bwMode="auto">
-          <a:xfrm>
-            <a:off x="6224507" y="2103012"/>
-            <a:ext cx="1741260" cy="1560717"/>
-          </a:xfrm>
-          <a:prstGeom prst="straightConnector1">
-            <a:avLst/>
-          </a:prstGeom>
-          <a:noFill/>
-          <a:ln w="25400">
-            <a:solidFill>
-              <a:schemeClr val="tx1"/>
-            </a:solidFill>
-            <a:round/>
-            <a:headEnd/>
-            <a:tailEnd type="none" w="lg" len="lg"/>
-          </a:ln>
-        </p:spPr>
-      </p:cxnSp>
-      <p:cxnSp>
-        <p:nvCxnSpPr>
-          <p:cNvPr id="17428" name="AutoShape 21"/>
-          <p:cNvCxnSpPr>
-            <a:cxnSpLocks noChangeShapeType="1"/>
-            <a:stCxn id="17417" idx="4"/>
-            <a:endCxn id="17418" idx="0"/>
-          </p:cNvCxnSpPr>
-          <p:nvPr/>
-        </p:nvCxnSpPr>
-        <p:spPr bwMode="auto">
-          <a:xfrm flipH="1">
-            <a:off x="6087894" y="2163225"/>
-            <a:ext cx="2169" cy="2480770"/>
-          </a:xfrm>
-          <a:prstGeom prst="straightConnector1">
-            <a:avLst/>
-          </a:prstGeom>
-          <a:noFill/>
-          <a:ln w="25400">
-            <a:solidFill>
-              <a:schemeClr val="tx1"/>
-            </a:solidFill>
-            <a:round/>
-            <a:headEnd/>
-            <a:tailEnd type="none" w="lg" len="lg"/>
-          </a:ln>
-        </p:spPr>
-      </p:cxnSp>
-      <p:cxnSp>
-        <p:nvCxnSpPr>
-          <p:cNvPr id="17429" name="AutoShape 22"/>
-          <p:cNvCxnSpPr>
-            <a:cxnSpLocks noChangeShapeType="1"/>
-            <a:stCxn id="17415" idx="6"/>
-            <a:endCxn id="17419" idx="2"/>
-          </p:cNvCxnSpPr>
-          <p:nvPr/>
-        </p:nvCxnSpPr>
-        <p:spPr bwMode="auto">
-          <a:xfrm>
-            <a:off x="5088242" y="3813058"/>
-            <a:ext cx="2823315" cy="0"/>
-          </a:xfrm>
-          <a:prstGeom prst="straightConnector1">
-            <a:avLst/>
-          </a:prstGeom>
-          <a:noFill/>
-          <a:ln w="25400">
-            <a:solidFill>
-              <a:schemeClr val="tx1"/>
-            </a:solidFill>
-            <a:round/>
-            <a:headEnd/>
-            <a:tailEnd type="none" w="lg" len="lg"/>
-          </a:ln>
-        </p:spPr>
-      </p:cxnSp>
-      <p:cxnSp>
-        <p:nvCxnSpPr>
-          <p:cNvPr id="17430" name="AutoShape 24"/>
-          <p:cNvCxnSpPr>
-            <a:cxnSpLocks noChangeShapeType="1"/>
-            <a:stCxn id="17413" idx="5"/>
-            <a:endCxn id="17415" idx="1"/>
-          </p:cNvCxnSpPr>
-          <p:nvPr/>
-        </p:nvCxnSpPr>
-        <p:spPr bwMode="auto">
-          <a:xfrm>
-            <a:off x="4088588" y="2103012"/>
-            <a:ext cx="676555" cy="1560717"/>
-          </a:xfrm>
-          <a:prstGeom prst="straightConnector1">
-            <a:avLst/>
-          </a:prstGeom>
-          <a:noFill/>
-          <a:ln w="25400">
-            <a:solidFill>
-              <a:schemeClr val="tx1"/>
-            </a:solidFill>
-            <a:round/>
-            <a:headEnd/>
-            <a:tailEnd type="none" w="lg" len="lg"/>
-          </a:ln>
-        </p:spPr>
-      </p:cxnSp>
-      <p:sp>
-        <p:nvSpPr>
-          <p:cNvPr id="24" name="Slide Number Placeholder 3"/>
-          <p:cNvSpPr>
-            <a:spLocks noGrp="1"/>
-          </p:cNvSpPr>
-          <p:nvPr>
-            <p:ph type="sldNum" sz="quarter" idx="10"/>
-          </p:nvPr>
-        </p:nvSpPr>
-        <p:spPr/>
-        <p:txBody>
-          <a:bodyPr/>
-          <a:lstStyle/>
-          <a:p>
-            <a:pPr>
-              <a:defRPr/>
-            </a:pPr>
-            <a:r>
-              <a:rPr lang="en-US" dirty="0" err="1"/>
-              <a:t>lec</a:t>
-            </a:r>
-            <a:r>
-              <a:rPr lang="en-US" dirty="0" smtClean="0"/>
-              <a:t> 8M.</a:t>
-            </a:r>
-            <a:fld id="{43E12C49-E36A-496C-9DCA-6E960B9FC41B}" type="slidenum">
-              <a:rPr lang="en-US" smtClean="0"/>
-              <a:pPr>
-                <a:defRPr/>
-              </a:pPr>
-              <a:t>9</a:t>
-            </a:fld>
-            <a:endParaRPr lang="en-US" dirty="0"/>
-          </a:p>
-        </p:txBody>
-      </p:sp>
-      <p:grpSp>
-        <p:nvGrpSpPr>
-          <p:cNvPr id="27" name="Group 26"/>
-          <p:cNvGrpSpPr/>
-          <p:nvPr/>
-        </p:nvGrpSpPr>
-        <p:grpSpPr>
-          <a:xfrm>
-            <a:off x="5901028" y="1745931"/>
-            <a:ext cx="379477" cy="3318933"/>
-            <a:chOff x="6051640" y="1896543"/>
-            <a:chExt cx="379477" cy="3318933"/>
-          </a:xfrm>
-          <a:solidFill>
-            <a:srgbClr val="008000"/>
-          </a:solidFill>
-        </p:grpSpPr>
-        <p:sp>
-          <p:nvSpPr>
-            <p:cNvPr id="25" name="Oval 10"/>
-            <p:cNvSpPr>
-              <a:spLocks noChangeArrowheads="1"/>
-            </p:cNvSpPr>
-            <p:nvPr/>
-          </p:nvSpPr>
-          <p:spPr bwMode="auto">
-            <a:xfrm>
-              <a:off x="6053808" y="1896543"/>
-              <a:ext cx="377309" cy="419082"/>
-            </a:xfrm>
-            <a:prstGeom prst="ellipse">
-              <a:avLst/>
-            </a:prstGeom>
-            <a:grpFill/>
-            <a:ln w="25400">
-              <a:solidFill>
-                <a:schemeClr val="tx1"/>
-              </a:solidFill>
-              <a:round/>
-              <a:headEnd/>
-              <a:tailEnd type="none" w="lg" len="lg"/>
-            </a:ln>
-          </p:spPr>
-          <p:txBody>
-            <a:bodyPr wrap="none" anchor="ctr"/>
-            <a:lstStyle/>
-            <a:p>
-              <a:endParaRPr lang="en-US"/>
-            </a:p>
-          </p:txBody>
-        </p:sp>
-        <p:sp>
-          <p:nvSpPr>
-            <p:cNvPr id="26" name="Oval 11"/>
-            <p:cNvSpPr>
-              <a:spLocks noChangeArrowheads="1"/>
-            </p:cNvSpPr>
-            <p:nvPr/>
-          </p:nvSpPr>
-          <p:spPr bwMode="auto">
-            <a:xfrm>
-              <a:off x="6051640" y="4796394"/>
-              <a:ext cx="377309" cy="419082"/>
-            </a:xfrm>
-            <a:prstGeom prst="ellipse">
-              <a:avLst/>
-            </a:prstGeom>
-            <a:grpFill/>
-            <a:ln w="25400">
-              <a:solidFill>
-                <a:schemeClr val="tx1"/>
-              </a:solidFill>
-              <a:round/>
-              <a:headEnd/>
-              <a:tailEnd type="none" w="lg" len="lg"/>
-            </a:ln>
-          </p:spPr>
-          <p:txBody>
-            <a:bodyPr wrap="none" anchor="ctr"/>
-            <a:lstStyle/>
-            <a:p>
-              <a:endParaRPr lang="en-US"/>
-            </a:p>
-          </p:txBody>
-        </p:sp>
-      </p:grpSp>
-      <p:sp>
-        <p:nvSpPr>
-          <p:cNvPr id="28" name="TextBox 27"/>
-          <p:cNvSpPr txBox="1"/>
-          <p:nvPr/>
-        </p:nvSpPr>
-        <p:spPr>
-          <a:xfrm>
-            <a:off x="2222267" y="5604934"/>
-            <a:ext cx="4867038" cy="769441"/>
-          </a:xfrm>
-          <a:prstGeom prst="rect">
-            <a:avLst/>
-          </a:prstGeom>
-          <a:noFill/>
-        </p:spPr>
-        <p:txBody>
-          <a:bodyPr wrap="none" rtlCol="0">
-            <a:spAutoFit/>
-          </a:bodyPr>
-          <a:lstStyle/>
-          <a:p>
-            <a:r>
-              <a:rPr lang="en-US" sz="4400" dirty="0" smtClean="0">
-                <a:latin typeface="+mj-lt"/>
-              </a:rPr>
-              <a:t>2-</a:t>
-            </a:r>
-            <a:r>
-              <a:rPr lang="en-US" sz="4400" dirty="0" smtClean="0">
-                <a:solidFill>
-                  <a:srgbClr val="008000"/>
-                </a:solidFill>
-                <a:latin typeface="+mj-lt"/>
-              </a:rPr>
-              <a:t>edge</a:t>
-            </a:r>
-            <a:r>
-              <a:rPr lang="en-US" sz="4400" dirty="0" smtClean="0">
-                <a:latin typeface="+mj-lt"/>
-              </a:rPr>
-              <a:t> connected</a:t>
-            </a:r>
-            <a:endParaRPr lang="en-US" sz="4400" dirty="0">
-              <a:latin typeface="+mj-lt"/>
-            </a:endParaRPr>
-          </a:p>
-        </p:txBody>
-      </p:sp>
-      <p:grpSp>
-        <p:nvGrpSpPr>
-          <p:cNvPr id="32" name="Group 31"/>
-          <p:cNvGrpSpPr/>
-          <p:nvPr/>
-        </p:nvGrpSpPr>
-        <p:grpSpPr>
-          <a:xfrm>
-            <a:off x="6091480" y="2100834"/>
-            <a:ext cx="1877873" cy="2540983"/>
-            <a:chOff x="6240294" y="2255412"/>
-            <a:chExt cx="1877873" cy="2540983"/>
-          </a:xfrm>
-        </p:grpSpPr>
-        <p:cxnSp>
-          <p:nvCxnSpPr>
-            <p:cNvPr id="33" name="AutoShape 20"/>
-            <p:cNvCxnSpPr>
-              <a:cxnSpLocks noChangeShapeType="1"/>
-            </p:cNvCxnSpPr>
-            <p:nvPr/>
-          </p:nvCxnSpPr>
-          <p:spPr bwMode="auto">
-            <a:xfrm>
-              <a:off x="6376907" y="2255412"/>
-              <a:ext cx="1741260" cy="1560717"/>
-            </a:xfrm>
-            <a:prstGeom prst="straightConnector1">
-              <a:avLst/>
-            </a:prstGeom>
-            <a:noFill/>
-            <a:ln w="38100">
-              <a:solidFill>
-                <a:srgbClr val="008000"/>
-              </a:solidFill>
-              <a:round/>
-              <a:headEnd/>
-              <a:tailEnd type="none" w="lg" len="lg"/>
-            </a:ln>
-          </p:spPr>
-        </p:cxnSp>
-        <p:cxnSp>
-          <p:nvCxnSpPr>
-            <p:cNvPr id="34" name="AutoShape 21"/>
-            <p:cNvCxnSpPr>
-              <a:cxnSpLocks noChangeShapeType="1"/>
-            </p:cNvCxnSpPr>
-            <p:nvPr/>
-          </p:nvCxnSpPr>
-          <p:spPr bwMode="auto">
-            <a:xfrm flipH="1">
-              <a:off x="6240294" y="2315625"/>
-              <a:ext cx="2169" cy="2480770"/>
-            </a:xfrm>
-            <a:prstGeom prst="straightConnector1">
-              <a:avLst/>
-            </a:prstGeom>
-            <a:noFill/>
-            <a:ln w="38100">
-              <a:solidFill>
-                <a:srgbClr val="008000"/>
-              </a:solidFill>
-              <a:round/>
-              <a:headEnd/>
-              <a:tailEnd type="none" w="lg" len="lg"/>
-            </a:ln>
-          </p:spPr>
-        </p:cxnSp>
-      </p:grpSp>
-      <p:grpSp>
-        <p:nvGrpSpPr>
-          <p:cNvPr id="31" name="Group 30"/>
-          <p:cNvGrpSpPr/>
-          <p:nvPr/>
-        </p:nvGrpSpPr>
-        <p:grpSpPr>
-          <a:xfrm>
-            <a:off x="6089642" y="2100828"/>
-            <a:ext cx="1877873" cy="2540983"/>
-            <a:chOff x="6240294" y="2255412"/>
-            <a:chExt cx="1877873" cy="2540983"/>
-          </a:xfrm>
-        </p:grpSpPr>
-        <p:cxnSp>
-          <p:nvCxnSpPr>
-            <p:cNvPr id="29" name="AutoShape 20"/>
-            <p:cNvCxnSpPr>
-              <a:cxnSpLocks noChangeShapeType="1"/>
-            </p:cNvCxnSpPr>
-            <p:nvPr/>
-          </p:nvCxnSpPr>
-          <p:spPr bwMode="auto">
-            <a:xfrm>
-              <a:off x="6376907" y="2255412"/>
-              <a:ext cx="1741260" cy="1560717"/>
-            </a:xfrm>
-            <a:prstGeom prst="straightConnector1">
-              <a:avLst/>
-            </a:prstGeom>
-            <a:noFill/>
-            <a:ln w="44450">
-              <a:solidFill>
-                <a:schemeClr val="accent1"/>
-              </a:solidFill>
-              <a:round/>
-              <a:headEnd/>
-              <a:tailEnd type="none" w="lg" len="lg"/>
-            </a:ln>
-          </p:spPr>
-        </p:cxnSp>
-        <p:cxnSp>
-          <p:nvCxnSpPr>
-            <p:cNvPr id="30" name="AutoShape 21"/>
-            <p:cNvCxnSpPr>
-              <a:cxnSpLocks noChangeShapeType="1"/>
-            </p:cNvCxnSpPr>
-            <p:nvPr/>
-          </p:nvCxnSpPr>
-          <p:spPr bwMode="auto">
-            <a:xfrm flipH="1">
-              <a:off x="6240294" y="2315625"/>
-              <a:ext cx="2169" cy="2480770"/>
-            </a:xfrm>
-            <a:prstGeom prst="straightConnector1">
-              <a:avLst/>
-            </a:prstGeom>
-            <a:noFill/>
-            <a:ln w="44450">
-              <a:solidFill>
-                <a:schemeClr val="accent1"/>
-              </a:solidFill>
-              <a:round/>
-              <a:headEnd/>
-              <a:tailEnd type="none" w="lg" len="lg"/>
-            </a:ln>
-          </p:spPr>
-        </p:cxnSp>
-      </p:grpSp>
-      <p:cxnSp>
-        <p:nvCxnSpPr>
-          <p:cNvPr id="36" name="Straight Connector 35"/>
-          <p:cNvCxnSpPr/>
-          <p:nvPr/>
-        </p:nvCxnSpPr>
-        <p:spPr bwMode="auto">
-          <a:xfrm>
-            <a:off x="3840480" y="1387736"/>
-            <a:ext cx="4485939" cy="2015864"/>
-          </a:xfrm>
-          <a:prstGeom prst="line">
-            <a:avLst/>
-          </a:prstGeom>
-          <a:noFill/>
-          <a:ln w="31750" cap="flat" cmpd="sng" algn="ctr">
-            <a:solidFill>
-              <a:schemeClr val="tx1"/>
-            </a:solidFill>
-            <a:prstDash val="sysDash"/>
-            <a:round/>
-            <a:headEnd type="none" w="med" len="med"/>
-            <a:tailEnd type="none" w="lg" len="lg"/>
-          </a:ln>
-          <a:effectLst/>
-        </p:spPr>
-      </p:cxnSp>
-      <p:sp>
-        <p:nvSpPr>
-          <p:cNvPr id="37" name="TextBox 36"/>
-          <p:cNvSpPr txBox="1"/>
-          <p:nvPr/>
-        </p:nvSpPr>
-        <p:spPr>
-          <a:xfrm>
-            <a:off x="6702014" y="1796527"/>
-            <a:ext cx="2125903" cy="769441"/>
-          </a:xfrm>
-          <a:prstGeom prst="rect">
-            <a:avLst/>
-          </a:prstGeom>
-          <a:noFill/>
-        </p:spPr>
-        <p:txBody>
-          <a:bodyPr wrap="none" rtlCol="0">
-            <a:spAutoFit/>
-          </a:bodyPr>
-          <a:lstStyle/>
-          <a:p>
-            <a:r>
-              <a:rPr lang="en-US" sz="4400" dirty="0" smtClean="0">
-                <a:latin typeface="+mj-lt"/>
-              </a:rPr>
-              <a:t>no path</a:t>
-            </a:r>
-          </a:p>
-        </p:txBody>
-      </p:sp>
-    </p:spTree>
-  </p:cSld>
-  <p:clrMapOvr>
-    <a:masterClrMapping/>
-  </p:clrMapOvr>
-  <p:transition xmlns:p14="http://schemas.microsoft.com/office/powerpoint/2010/main" spd="med">
-    <p:fade/>
-  </p:transition>
-  <p:timing>
-    <p:tnLst>
-      <p:par>
-        <p:cTn xmlns:p14="http://schemas.microsoft.com/office/powerpoint/2010/main" id="1" dur="indefinite" restart="never" nodeType="tmRoot">
-          <p:childTnLst>
-            <p:seq concurrent="1" nextAc="seek">
-              <p:cTn id="2" dur="indefinite" nodeType="mainSeq">
-                <p:childTnLst>
-                  <p:par>
-                    <p:cTn id="3" fill="hold">
-                      <p:stCondLst>
-                        <p:cond delay="indefinite"/>
-                      </p:stCondLst>
-                      <p:childTnLst>
-                        <p:par>
-                          <p:cTn id="4" fill="hold">
-                            <p:stCondLst>
-                              <p:cond delay="0"/>
-                            </p:stCondLst>
-                            <p:childTnLst>
-                              <p:par>
-                                <p:cTn id="5" presetID="9" presetClass="entr" presetSubtype="0" fill="hold" nodeType="clickEffect">
-                                  <p:stCondLst>
-                                    <p:cond delay="0"/>
-                                  </p:stCondLst>
-                                  <p:childTnLst>
-                                    <p:set>
-                                      <p:cBhvr>
-                                        <p:cTn id="6" dur="1" fill="hold">
-                                          <p:stCondLst>
-                                            <p:cond delay="0"/>
-                                          </p:stCondLst>
-                                        </p:cTn>
-                                        <p:tgtEl>
-                                          <p:spTgt spid="27"/>
-                                        </p:tgtEl>
-                                        <p:attrNameLst>
-                                          <p:attrName>style.visibility</p:attrName>
-                                        </p:attrNameLst>
-                                      </p:cBhvr>
-                                      <p:to>
-                                        <p:strVal val="visible"/>
-                                      </p:to>
-                                    </p:set>
-                                    <p:animEffect transition="in" filter="dissolve">
-                                      <p:cBhvr>
-                                        <p:cTn id="7" dur="500"/>
-                                        <p:tgtEl>
-                                          <p:spTgt spid="27"/>
-                                        </p:tgtEl>
-                                      </p:cBhvr>
-                                    </p:animEffect>
-                                  </p:childTnLst>
-                                </p:cTn>
-                              </p:par>
-                            </p:childTnLst>
-                          </p:cTn>
-                        </p:par>
-                        <p:par>
-                          <p:cTn id="8" fill="hold">
-                            <p:stCondLst>
-                              <p:cond delay="500"/>
-                            </p:stCondLst>
-                            <p:childTnLst>
-                              <p:par>
-                                <p:cTn id="9" presetID="22" presetClass="entr" presetSubtype="1" fill="hold" nodeType="afterEffect">
-                                  <p:stCondLst>
-                                    <p:cond delay="0"/>
-                                  </p:stCondLst>
-                                  <p:childTnLst>
-                                    <p:set>
-                                      <p:cBhvr>
-                                        <p:cTn id="10" dur="1" fill="hold">
-                                          <p:stCondLst>
-                                            <p:cond delay="0"/>
-                                          </p:stCondLst>
-                                        </p:cTn>
-                                        <p:tgtEl>
-                                          <p:spTgt spid="32"/>
-                                        </p:tgtEl>
-                                        <p:attrNameLst>
-                                          <p:attrName>style.visibility</p:attrName>
-                                        </p:attrNameLst>
-                                      </p:cBhvr>
-                                      <p:to>
-                                        <p:strVal val="visible"/>
-                                      </p:to>
-                                    </p:set>
-                                    <p:animEffect transition="in" filter="wipe(up)">
-                                      <p:cBhvr>
-                                        <p:cTn id="11" dur="500"/>
-                                        <p:tgtEl>
-                                          <p:spTgt spid="32"/>
-                                        </p:tgtEl>
-                                      </p:cBhvr>
-                                    </p:animEffect>
-                                  </p:childTnLst>
-                                </p:cTn>
-                              </p:par>
-                            </p:childTnLst>
-                          </p:cTn>
-                        </p:par>
-                      </p:childTnLst>
-                    </p:cTn>
-                  </p:par>
-                  <p:par>
-                    <p:cTn id="12" fill="hold">
-                      <p:stCondLst>
-                        <p:cond delay="indefinite"/>
-                      </p:stCondLst>
-                      <p:childTnLst>
-                        <p:par>
-                          <p:cTn id="13" fill="hold">
-                            <p:stCondLst>
-                              <p:cond delay="0"/>
-                            </p:stCondLst>
-                            <p:childTnLst>
-                              <p:par>
-                                <p:cTn id="14" presetID="9" presetClass="entr" presetSubtype="0" fill="hold" nodeType="clickEffect">
-                                  <p:stCondLst>
-                                    <p:cond delay="0"/>
-                                  </p:stCondLst>
-                                  <p:childTnLst>
-                                    <p:set>
-                                      <p:cBhvr>
-                                        <p:cTn id="15" dur="1" fill="hold">
-                                          <p:stCondLst>
-                                            <p:cond delay="0"/>
-                                          </p:stCondLst>
-                                        </p:cTn>
-                                        <p:tgtEl>
-                                          <p:spTgt spid="31"/>
-                                        </p:tgtEl>
-                                        <p:attrNameLst>
-                                          <p:attrName>style.visibility</p:attrName>
-                                        </p:attrNameLst>
-                                      </p:cBhvr>
-                                      <p:to>
-                                        <p:strVal val="visible"/>
-                                      </p:to>
-                                    </p:set>
-                                    <p:animEffect transition="in" filter="dissolve">
-                                      <p:cBhvr>
-                                        <p:cTn id="16" dur="1000"/>
-                                        <p:tgtEl>
-                                          <p:spTgt spid="31"/>
-                                        </p:tgtEl>
-                                      </p:cBhvr>
-                                    </p:animEffect>
-                                  </p:childTnLst>
-                                </p:cTn>
-                              </p:par>
-                            </p:childTnLst>
-                          </p:cTn>
-                        </p:par>
-                        <p:par>
-                          <p:cTn id="17" fill="hold">
-                            <p:stCondLst>
-                              <p:cond delay="1000"/>
-                            </p:stCondLst>
-                            <p:childTnLst>
-                              <p:par>
-                                <p:cTn id="18" presetID="9" presetClass="entr" presetSubtype="0" fill="hold" grpId="1" nodeType="afterEffect">
-                                  <p:stCondLst>
-                                    <p:cond delay="0"/>
-                                  </p:stCondLst>
-                                  <p:childTnLst>
-                                    <p:set>
-                                      <p:cBhvr>
-                                        <p:cTn id="19" dur="1" fill="hold">
-                                          <p:stCondLst>
-                                            <p:cond delay="0"/>
-                                          </p:stCondLst>
-                                        </p:cTn>
-                                        <p:tgtEl>
-                                          <p:spTgt spid="37"/>
-                                        </p:tgtEl>
-                                        <p:attrNameLst>
-                                          <p:attrName>style.visibility</p:attrName>
-                                        </p:attrNameLst>
-                                      </p:cBhvr>
-                                      <p:to>
-                                        <p:strVal val="visible"/>
-                                      </p:to>
-                                    </p:set>
-                                    <p:animEffect transition="in" filter="dissolve">
-                                      <p:cBhvr>
-                                        <p:cTn id="20" dur="1000"/>
-                                        <p:tgtEl>
-                                          <p:spTgt spid="37"/>
-                                        </p:tgtEl>
-                                      </p:cBhvr>
-                                    </p:animEffect>
-                                  </p:childTnLst>
-                                </p:cTn>
-                              </p:par>
-                              <p:par>
-                                <p:cTn id="21" presetID="9" presetClass="entr" presetSubtype="0" fill="hold" nodeType="withEffect">
-                                  <p:stCondLst>
-                                    <p:cond delay="0"/>
-                                  </p:stCondLst>
-                                  <p:childTnLst>
-                                    <p:set>
-                                      <p:cBhvr>
-                                        <p:cTn id="22" dur="1" fill="hold">
-                                          <p:stCondLst>
-                                            <p:cond delay="0"/>
-                                          </p:stCondLst>
-                                        </p:cTn>
-                                        <p:tgtEl>
-                                          <p:spTgt spid="36"/>
-                                        </p:tgtEl>
-                                        <p:attrNameLst>
-                                          <p:attrName>style.visibility</p:attrName>
-                                        </p:attrNameLst>
-                                      </p:cBhvr>
-                                      <p:to>
-                                        <p:strVal val="visible"/>
-                                      </p:to>
-                                    </p:set>
-                                    <p:animEffect transition="in" filter="dissolve">
-                                      <p:cBhvr>
-                                        <p:cTn id="23" dur="500"/>
-                                        <p:tgtEl>
-                                          <p:spTgt spid="36"/>
-                                        </p:tgtEl>
-                                      </p:cBhvr>
-                                    </p:animEffect>
-                                  </p:childTnLst>
-                                </p:cTn>
-                              </p:par>
-                            </p:childTnLst>
-                          </p:cTn>
-                        </p:par>
-                      </p:childTnLst>
-                    </p:cTn>
-                  </p:par>
-                </p:childTnLst>
-              </p:cTn>
-              <p:prevCondLst>
-                <p:cond evt="onPrev" delay="0">
-                  <p:tgtEl>
-                    <p:sldTgt/>
-                  </p:tgtEl>
-                </p:cond>
-              </p:prevCondLst>
-              <p:nextCondLst>
-                <p:cond evt="onNext" delay="0">
-                  <p:tgtEl>
-                    <p:sldTgt/>
-                  </p:tgtEl>
-                </p:cond>
-              </p:nextCondLst>
-            </p:seq>
-          </p:childTnLst>
-        </p:cTn>
-      </p:par>
-    </p:tnLst>
-    <p:bldLst>
-      <p:bldP spid="37" grpId="1"/>
     </p:bldLst>
   </p:timing>
 </p:sld>
